--- a/docs/diagrams/ModelComponentClassDiagram.pptx
+++ b/docs/diagrams/ModelComponentClassDiagram.pptx
@@ -5,10 +5,12 @@
     <p:sldMasterId id="2147483648" r:id="rId1"/>
   </p:sldMasterIdLst>
   <p:notesMasterIdLst>
-    <p:notesMasterId r:id="rId3"/>
+    <p:notesMasterId r:id="rId5"/>
   </p:notesMasterIdLst>
   <p:sldIdLst>
-    <p:sldId id="263" r:id="rId2"/>
+    <p:sldId id="266" r:id="rId2"/>
+    <p:sldId id="265" r:id="rId3"/>
+    <p:sldId id="263" r:id="rId4"/>
   </p:sldIdLst>
   <p:sldSz cx="9144000" cy="6858000" type="screen4x3"/>
   <p:notesSz cx="6858000" cy="9144000"/>
@@ -208,7 +210,7 @@
           <a:p>
             <a:fld id="{F5CC4B3F-88C1-4FFA-B1B6-F41C21DC6924}" type="datetimeFigureOut">
               <a:rPr lang="en-US" smtClean="0"/>
-              <a:t>6/27/2018</a:t>
+              <a:t>11/12/2018</a:t>
             </a:fld>
             <a:endParaRPr lang="en-US"/>
           </a:p>
@@ -654,7 +656,7 @@
           <a:p>
             <a:fld id="{78C97017-6FC3-485B-9764-EAC9E56C1D49}" type="datetimeFigureOut">
               <a:rPr lang="en-US" smtClean="0"/>
-              <a:t>6/27/2018</a:t>
+              <a:t>11/12/2018</a:t>
             </a:fld>
             <a:endParaRPr lang="en-US"/>
           </a:p>
@@ -822,7 +824,7 @@
           <a:p>
             <a:fld id="{78C97017-6FC3-485B-9764-EAC9E56C1D49}" type="datetimeFigureOut">
               <a:rPr lang="en-US" smtClean="0"/>
-              <a:t>6/27/2018</a:t>
+              <a:t>11/12/2018</a:t>
             </a:fld>
             <a:endParaRPr lang="en-US"/>
           </a:p>
@@ -1000,7 +1002,7 @@
           <a:p>
             <a:fld id="{78C97017-6FC3-485B-9764-EAC9E56C1D49}" type="datetimeFigureOut">
               <a:rPr lang="en-US" smtClean="0"/>
-              <a:t>6/27/2018</a:t>
+              <a:t>11/12/2018</a:t>
             </a:fld>
             <a:endParaRPr lang="en-US"/>
           </a:p>
@@ -1168,7 +1170,7 @@
           <a:p>
             <a:fld id="{78C97017-6FC3-485B-9764-EAC9E56C1D49}" type="datetimeFigureOut">
               <a:rPr lang="en-US" smtClean="0"/>
-              <a:t>6/27/2018</a:t>
+              <a:t>11/12/2018</a:t>
             </a:fld>
             <a:endParaRPr lang="en-US"/>
           </a:p>
@@ -1413,7 +1415,7 @@
           <a:p>
             <a:fld id="{78C97017-6FC3-485B-9764-EAC9E56C1D49}" type="datetimeFigureOut">
               <a:rPr lang="en-US" smtClean="0"/>
-              <a:t>6/27/2018</a:t>
+              <a:t>11/12/2018</a:t>
             </a:fld>
             <a:endParaRPr lang="en-US"/>
           </a:p>
@@ -1698,7 +1700,7 @@
           <a:p>
             <a:fld id="{78C97017-6FC3-485B-9764-EAC9E56C1D49}" type="datetimeFigureOut">
               <a:rPr lang="en-US" smtClean="0"/>
-              <a:t>6/27/2018</a:t>
+              <a:t>11/12/2018</a:t>
             </a:fld>
             <a:endParaRPr lang="en-US"/>
           </a:p>
@@ -2117,7 +2119,7 @@
           <a:p>
             <a:fld id="{78C97017-6FC3-485B-9764-EAC9E56C1D49}" type="datetimeFigureOut">
               <a:rPr lang="en-US" smtClean="0"/>
-              <a:t>6/27/2018</a:t>
+              <a:t>11/12/2018</a:t>
             </a:fld>
             <a:endParaRPr lang="en-US"/>
           </a:p>
@@ -2234,7 +2236,7 @@
           <a:p>
             <a:fld id="{78C97017-6FC3-485B-9764-EAC9E56C1D49}" type="datetimeFigureOut">
               <a:rPr lang="en-US" smtClean="0"/>
-              <a:t>6/27/2018</a:t>
+              <a:t>11/12/2018</a:t>
             </a:fld>
             <a:endParaRPr lang="en-US"/>
           </a:p>
@@ -2329,7 +2331,7 @@
           <a:p>
             <a:fld id="{78C97017-6FC3-485B-9764-EAC9E56C1D49}" type="datetimeFigureOut">
               <a:rPr lang="en-US" smtClean="0"/>
-              <a:t>6/27/2018</a:t>
+              <a:t>11/12/2018</a:t>
             </a:fld>
             <a:endParaRPr lang="en-US"/>
           </a:p>
@@ -2604,7 +2606,7 @@
           <a:p>
             <a:fld id="{78C97017-6FC3-485B-9764-EAC9E56C1D49}" type="datetimeFigureOut">
               <a:rPr lang="en-US" smtClean="0"/>
-              <a:t>6/27/2018</a:t>
+              <a:t>11/12/2018</a:t>
             </a:fld>
             <a:endParaRPr lang="en-US"/>
           </a:p>
@@ -2856,7 +2858,7 @@
           <a:p>
             <a:fld id="{78C97017-6FC3-485B-9764-EAC9E56C1D49}" type="datetimeFigureOut">
               <a:rPr lang="en-US" smtClean="0"/>
-              <a:t>6/27/2018</a:t>
+              <a:t>11/12/2018</a:t>
             </a:fld>
             <a:endParaRPr lang="en-US"/>
           </a:p>
@@ -3067,7 +3069,7 @@
           <a:p>
             <a:fld id="{78C97017-6FC3-485B-9764-EAC9E56C1D49}" type="datetimeFigureOut">
               <a:rPr lang="en-US" smtClean="0"/>
-              <a:t>6/27/2018</a:t>
+              <a:t>11/12/2018</a:t>
             </a:fld>
             <a:endParaRPr lang="en-US"/>
           </a:p>
@@ -3444,13 +3446,19 @@
       </p:grpSpPr>
       <p:sp>
         <p:nvSpPr>
-          <p:cNvPr id="118" name="Rectangle 65"/>
+          <p:cNvPr id="3" name="Rectangle 65">
+            <a:extLst>
+              <a:ext uri="{FF2B5EF4-FFF2-40B4-BE49-F238E27FC236}">
+                <a16:creationId xmlns:a16="http://schemas.microsoft.com/office/drawing/2014/main" id="{8259E3B8-B28D-4F30-A819-D6905CF44FFD}"/>
+              </a:ext>
+            </a:extLst>
+          </p:cNvPr>
           <p:cNvSpPr/>
           <p:nvPr/>
         </p:nvSpPr>
         <p:spPr>
           <a:xfrm>
-            <a:off x="1119865" y="1600200"/>
+            <a:off x="1066800" y="1752600"/>
             <a:ext cx="7490735" cy="3124200"/>
           </a:xfrm>
           <a:prstGeom prst="roundRect">
@@ -3505,13 +3513,19 @@
       </p:sp>
       <p:sp>
         <p:nvSpPr>
-          <p:cNvPr id="2" name="Rectangle 8"/>
+          <p:cNvPr id="4" name="Rectangle 8">
+            <a:extLst>
+              <a:ext uri="{FF2B5EF4-FFF2-40B4-BE49-F238E27FC236}">
+                <a16:creationId xmlns:a16="http://schemas.microsoft.com/office/drawing/2014/main" id="{F51859AC-3086-4589-82CD-7F24DCFA994D}"/>
+              </a:ext>
+            </a:extLst>
+          </p:cNvPr>
           <p:cNvSpPr/>
           <p:nvPr/>
         </p:nvSpPr>
         <p:spPr>
           <a:xfrm>
-            <a:off x="2877180" y="3463240"/>
+            <a:off x="2824115" y="3615640"/>
             <a:ext cx="1093635" cy="346760"/>
           </a:xfrm>
           <a:prstGeom prst="rect">
@@ -3564,13 +3578,19 @@
       </p:sp>
       <p:sp>
         <p:nvSpPr>
-          <p:cNvPr id="9" name="Rectangle 62"/>
+          <p:cNvPr id="5" name="Rectangle 62">
+            <a:extLst>
+              <a:ext uri="{FF2B5EF4-FFF2-40B4-BE49-F238E27FC236}">
+                <a16:creationId xmlns:a16="http://schemas.microsoft.com/office/drawing/2014/main" id="{DB3DB917-2066-4E76-A2C4-D8A45651996D}"/>
+              </a:ext>
+            </a:extLst>
+          </p:cNvPr>
           <p:cNvSpPr/>
           <p:nvPr/>
         </p:nvSpPr>
         <p:spPr>
           <a:xfrm rot="16200000">
-            <a:off x="1661548" y="3097750"/>
+            <a:off x="1608483" y="3250150"/>
             <a:ext cx="1093635" cy="346760"/>
           </a:xfrm>
           <a:prstGeom prst="rect">
@@ -3623,17 +3643,2470 @@
       </p:sp>
       <p:cxnSp>
         <p:nvCxnSpPr>
+          <p:cNvPr id="6" name="Elbow Connector 106">
+            <a:extLst>
+              <a:ext uri="{FF2B5EF4-FFF2-40B4-BE49-F238E27FC236}">
+                <a16:creationId xmlns:a16="http://schemas.microsoft.com/office/drawing/2014/main" id="{DB45183D-89EB-4E0A-8D3B-AC8632BD3EDA}"/>
+              </a:ext>
+            </a:extLst>
+          </p:cNvPr>
+          <p:cNvCxnSpPr>
+            <a:cxnSpLocks/>
+            <a:stCxn id="5" idx="1"/>
+            <a:endCxn id="18" idx="2"/>
+          </p:cNvCxnSpPr>
+          <p:nvPr/>
+        </p:nvCxnSpPr>
+        <p:spPr>
+          <a:xfrm rot="5400000" flipH="1" flipV="1">
+            <a:off x="4078442" y="1434085"/>
+            <a:ext cx="613122" cy="4459404"/>
+          </a:xfrm>
+          <a:prstGeom prst="bentConnector3">
+            <a:avLst>
+              <a:gd name="adj1" fmla="val -26668"/>
+            </a:avLst>
+          </a:prstGeom>
+          <a:ln w="19050">
+            <a:solidFill>
+              <a:srgbClr val="7030A0"/>
+            </a:solidFill>
+            <a:prstDash val="solid"/>
+            <a:headEnd type="none" w="med" len="med"/>
+            <a:tailEnd type="arrow" w="med" len="med"/>
+          </a:ln>
+          <a:effectLst/>
+        </p:spPr>
+        <p:style>
+          <a:lnRef idx="1">
+            <a:schemeClr val="accent2"/>
+          </a:lnRef>
+          <a:fillRef idx="2">
+            <a:schemeClr val="accent2"/>
+          </a:fillRef>
+          <a:effectRef idx="1">
+            <a:schemeClr val="accent2"/>
+          </a:effectRef>
+          <a:fontRef idx="minor">
+            <a:schemeClr val="dk1"/>
+          </a:fontRef>
+        </p:style>
+      </p:cxnSp>
+      <p:sp>
+        <p:nvSpPr>
+          <p:cNvPr id="7" name="Rectangle 62">
+            <a:extLst>
+              <a:ext uri="{FF2B5EF4-FFF2-40B4-BE49-F238E27FC236}">
+                <a16:creationId xmlns:a16="http://schemas.microsoft.com/office/drawing/2014/main" id="{4BBF9C33-8ACC-4060-8EBC-A7307D6D4A14}"/>
+              </a:ext>
+            </a:extLst>
+          </p:cNvPr>
+          <p:cNvSpPr/>
+          <p:nvPr/>
+        </p:nvSpPr>
+        <p:spPr>
+          <a:xfrm rot="16200000">
+            <a:off x="903137" y="3013602"/>
+            <a:ext cx="1093635" cy="346760"/>
+          </a:xfrm>
+          <a:prstGeom prst="rect">
+            <a:avLst/>
+          </a:prstGeom>
+          <a:solidFill>
+            <a:srgbClr val="7030A0"/>
+          </a:solidFill>
+          <a:ln w="19050">
+            <a:solidFill>
+              <a:srgbClr val="7030A0"/>
+            </a:solidFill>
+          </a:ln>
+          <a:effectLst/>
+        </p:spPr>
+        <p:style>
+          <a:lnRef idx="1">
+            <a:schemeClr val="accent2"/>
+          </a:lnRef>
+          <a:fillRef idx="2">
+            <a:schemeClr val="accent2"/>
+          </a:fillRef>
+          <a:effectRef idx="1">
+            <a:schemeClr val="accent2"/>
+          </a:effectRef>
+          <a:fontRef idx="minor">
+            <a:schemeClr val="dk1"/>
+          </a:fontRef>
+        </p:style>
+        <p:txBody>
+          <a:bodyPr rtlCol="0" anchor="ctr"/>
+          <a:lstStyle/>
+          <a:p>
+            <a:pPr algn="ctr"/>
+            <a:r>
+              <a:rPr lang="en-US" sz="1050" dirty="0">
+                <a:solidFill>
+                  <a:schemeClr val="bg1"/>
+                </a:solidFill>
+              </a:rPr>
+              <a:t>&lt;&lt;interface&gt;&gt;</a:t>
+            </a:r>
+          </a:p>
+          <a:p>
+            <a:pPr algn="ctr"/>
+            <a:r>
+              <a:rPr lang="en-US" sz="1050" dirty="0">
+                <a:solidFill>
+                  <a:schemeClr val="bg1"/>
+                </a:solidFill>
+              </a:rPr>
+              <a:t>Model</a:t>
+            </a:r>
+            <a:endParaRPr lang="en-SG" sz="1050" dirty="0">
+              <a:solidFill>
+                <a:schemeClr val="bg1"/>
+              </a:solidFill>
+            </a:endParaRPr>
+          </a:p>
+        </p:txBody>
+      </p:sp>
+      <p:sp>
+        <p:nvSpPr>
+          <p:cNvPr id="8" name="Isosceles Triangle 102">
+            <a:extLst>
+              <a:ext uri="{FF2B5EF4-FFF2-40B4-BE49-F238E27FC236}">
+                <a16:creationId xmlns:a16="http://schemas.microsoft.com/office/drawing/2014/main" id="{59911397-ADFD-4137-9FA8-066BA4EE7F61}"/>
+              </a:ext>
+            </a:extLst>
+          </p:cNvPr>
+          <p:cNvSpPr/>
+          <p:nvPr/>
+        </p:nvSpPr>
+        <p:spPr>
+          <a:xfrm rot="16200000">
+            <a:off x="1573845" y="3104691"/>
+            <a:ext cx="270504" cy="175523"/>
+          </a:xfrm>
+          <a:prstGeom prst="triangle">
+            <a:avLst/>
+          </a:prstGeom>
+          <a:solidFill>
+            <a:srgbClr val="7030A0"/>
+          </a:solidFill>
+          <a:ln w="19050">
+            <a:solidFill>
+              <a:srgbClr val="7030A0"/>
+            </a:solidFill>
+          </a:ln>
+          <a:effectLst/>
+        </p:spPr>
+        <p:style>
+          <a:lnRef idx="1">
+            <a:schemeClr val="accent6"/>
+          </a:lnRef>
+          <a:fillRef idx="2">
+            <a:schemeClr val="accent6"/>
+          </a:fillRef>
+          <a:effectRef idx="1">
+            <a:schemeClr val="accent6"/>
+          </a:effectRef>
+          <a:fontRef idx="minor">
+            <a:schemeClr val="dk1"/>
+          </a:fontRef>
+        </p:style>
+        <p:txBody>
+          <a:bodyPr rtlCol="0" anchor="ctr"/>
+          <a:lstStyle/>
+          <a:p>
+            <a:pPr algn="ctr"/>
+            <a:endParaRPr lang="en-SG" sz="1050"/>
+          </a:p>
+        </p:txBody>
+      </p:sp>
+      <p:cxnSp>
+        <p:nvCxnSpPr>
+          <p:cNvPr id="9" name="Straight Arrow Connector 8">
+            <a:extLst>
+              <a:ext uri="{FF2B5EF4-FFF2-40B4-BE49-F238E27FC236}">
+                <a16:creationId xmlns:a16="http://schemas.microsoft.com/office/drawing/2014/main" id="{E1A6CF36-5CF9-4FE1-9C25-9D19835E2130}"/>
+              </a:ext>
+            </a:extLst>
+          </p:cNvPr>
+          <p:cNvCxnSpPr>
+            <a:stCxn id="12" idx="3"/>
+            <a:endCxn id="4" idx="1"/>
+          </p:cNvCxnSpPr>
+          <p:nvPr/>
+        </p:nvCxnSpPr>
+        <p:spPr>
+          <a:xfrm>
+            <a:off x="2556763" y="3789020"/>
+            <a:ext cx="267352" cy="0"/>
+          </a:xfrm>
+          <a:prstGeom prst="straightConnector1">
+            <a:avLst/>
+          </a:prstGeom>
+          <a:ln w="19050">
+            <a:solidFill>
+              <a:srgbClr val="7030A0"/>
+            </a:solidFill>
+            <a:headEnd type="none" w="med" len="med"/>
+            <a:tailEnd type="arrow" w="med" len="med"/>
+          </a:ln>
+          <a:effectLst/>
+        </p:spPr>
+        <p:style>
+          <a:lnRef idx="1">
+            <a:schemeClr val="accent2"/>
+          </a:lnRef>
+          <a:fillRef idx="2">
+            <a:schemeClr val="accent2"/>
+          </a:fillRef>
+          <a:effectRef idx="1">
+            <a:schemeClr val="accent2"/>
+          </a:effectRef>
+          <a:fontRef idx="minor">
+            <a:schemeClr val="dk1"/>
+          </a:fontRef>
+        </p:style>
+      </p:cxnSp>
+      <p:cxnSp>
+        <p:nvCxnSpPr>
+          <p:cNvPr id="10" name="Elbow Connector 122">
+            <a:extLst>
+              <a:ext uri="{FF2B5EF4-FFF2-40B4-BE49-F238E27FC236}">
+                <a16:creationId xmlns:a16="http://schemas.microsoft.com/office/drawing/2014/main" id="{09CECD07-A868-4E1C-BDEB-FC120B015173}"/>
+              </a:ext>
+            </a:extLst>
+          </p:cNvPr>
+          <p:cNvCxnSpPr/>
+          <p:nvPr/>
+        </p:nvCxnSpPr>
+        <p:spPr>
+          <a:xfrm>
+            <a:off x="857026" y="3192453"/>
+            <a:ext cx="419548" cy="2860"/>
+          </a:xfrm>
+          <a:prstGeom prst="bentConnector3">
+            <a:avLst>
+              <a:gd name="adj1" fmla="val 50000"/>
+            </a:avLst>
+          </a:prstGeom>
+          <a:ln w="19050">
+            <a:solidFill>
+              <a:schemeClr val="bg1">
+                <a:lumMod val="75000"/>
+              </a:schemeClr>
+            </a:solidFill>
+            <a:prstDash val="sysDot"/>
+            <a:headEnd type="none" w="med" len="med"/>
+            <a:tailEnd type="arrow" w="med" len="med"/>
+          </a:ln>
+          <a:effectLst/>
+        </p:spPr>
+        <p:style>
+          <a:lnRef idx="1">
+            <a:schemeClr val="accent2"/>
+          </a:lnRef>
+          <a:fillRef idx="2">
+            <a:schemeClr val="accent2"/>
+          </a:fillRef>
+          <a:effectRef idx="1">
+            <a:schemeClr val="accent2"/>
+          </a:effectRef>
+          <a:fontRef idx="minor">
+            <a:schemeClr val="dk1"/>
+          </a:fontRef>
+        </p:style>
+      </p:cxnSp>
+      <p:cxnSp>
+        <p:nvCxnSpPr>
+          <p:cNvPr id="11" name="Straight Connector 10">
+            <a:extLst>
+              <a:ext uri="{FF2B5EF4-FFF2-40B4-BE49-F238E27FC236}">
+                <a16:creationId xmlns:a16="http://schemas.microsoft.com/office/drawing/2014/main" id="{72C47DDE-B146-42F4-99D9-97EE7984123E}"/>
+              </a:ext>
+            </a:extLst>
+          </p:cNvPr>
+          <p:cNvCxnSpPr>
+            <a:stCxn id="8" idx="3"/>
+          </p:cNvCxnSpPr>
+          <p:nvPr/>
+        </p:nvCxnSpPr>
+        <p:spPr>
+          <a:xfrm flipV="1">
+            <a:off x="1796859" y="3192452"/>
+            <a:ext cx="216105" cy="1"/>
+          </a:xfrm>
+          <a:prstGeom prst="line">
+            <a:avLst/>
+          </a:prstGeom>
+          <a:ln w="19050">
+            <a:solidFill>
+              <a:srgbClr val="7030A0"/>
+            </a:solidFill>
+            <a:prstDash val="sysDot"/>
+            <a:headEnd type="none" w="med" len="med"/>
+            <a:tailEnd type="none" w="med" len="med"/>
+          </a:ln>
+          <a:effectLst/>
+        </p:spPr>
+        <p:style>
+          <a:lnRef idx="1">
+            <a:schemeClr val="accent2"/>
+          </a:lnRef>
+          <a:fillRef idx="2">
+            <a:schemeClr val="accent2"/>
+          </a:fillRef>
+          <a:effectRef idx="1">
+            <a:schemeClr val="accent2"/>
+          </a:effectRef>
+          <a:fontRef idx="minor">
+            <a:schemeClr val="dk1"/>
+          </a:fontRef>
+        </p:style>
+      </p:cxnSp>
+      <p:sp>
+        <p:nvSpPr>
+          <p:cNvPr id="12" name="Flowchart: Decision 96">
+            <a:extLst>
+              <a:ext uri="{FF2B5EF4-FFF2-40B4-BE49-F238E27FC236}">
+                <a16:creationId xmlns:a16="http://schemas.microsoft.com/office/drawing/2014/main" id="{3B230B29-1480-402D-BB87-7D6771D828AD}"/>
+              </a:ext>
+            </a:extLst>
+          </p:cNvPr>
+          <p:cNvSpPr/>
+          <p:nvPr/>
+        </p:nvSpPr>
+        <p:spPr>
+          <a:xfrm>
+            <a:off x="2320715" y="3702330"/>
+            <a:ext cx="236048" cy="173380"/>
+          </a:xfrm>
+          <a:prstGeom prst="flowChartDecision">
+            <a:avLst/>
+          </a:prstGeom>
+          <a:noFill/>
+          <a:ln w="19050">
+            <a:solidFill>
+              <a:srgbClr val="7030A0"/>
+            </a:solidFill>
+          </a:ln>
+          <a:effectLst/>
+        </p:spPr>
+        <p:style>
+          <a:lnRef idx="1">
+            <a:schemeClr val="accent6"/>
+          </a:lnRef>
+          <a:fillRef idx="2">
+            <a:schemeClr val="accent6"/>
+          </a:fillRef>
+          <a:effectRef idx="1">
+            <a:schemeClr val="accent6"/>
+          </a:effectRef>
+          <a:fontRef idx="minor">
+            <a:schemeClr val="dk1"/>
+          </a:fontRef>
+        </p:style>
+        <p:txBody>
+          <a:bodyPr rtlCol="0" anchor="ctr"/>
+          <a:lstStyle/>
+          <a:p>
+            <a:pPr algn="ctr"/>
+            <a:endParaRPr lang="en-US" sz="1050"/>
+          </a:p>
+        </p:txBody>
+      </p:sp>
+      <p:sp>
+        <p:nvSpPr>
+          <p:cNvPr id="13" name="Rectangle 8">
+            <a:extLst>
+              <a:ext uri="{FF2B5EF4-FFF2-40B4-BE49-F238E27FC236}">
+                <a16:creationId xmlns:a16="http://schemas.microsoft.com/office/drawing/2014/main" id="{D9B1EF98-82FA-4D8A-B1D2-7DEAAB8E894A}"/>
+              </a:ext>
+            </a:extLst>
+          </p:cNvPr>
+          <p:cNvSpPr/>
+          <p:nvPr/>
+        </p:nvSpPr>
+        <p:spPr>
+          <a:xfrm>
+            <a:off x="2772215" y="2998562"/>
+            <a:ext cx="1490560" cy="334856"/>
+          </a:xfrm>
+          <a:prstGeom prst="rect">
+            <a:avLst/>
+          </a:prstGeom>
+          <a:ln w="19050">
+            <a:solidFill>
+              <a:srgbClr val="7030A0"/>
+            </a:solidFill>
+          </a:ln>
+          <a:effectLst/>
+        </p:spPr>
+        <p:style>
+          <a:lnRef idx="1">
+            <a:schemeClr val="accent4"/>
+          </a:lnRef>
+          <a:fillRef idx="2">
+            <a:schemeClr val="accent4"/>
+          </a:fillRef>
+          <a:effectRef idx="1">
+            <a:schemeClr val="accent4"/>
+          </a:effectRef>
+          <a:fontRef idx="minor">
+            <a:schemeClr val="dk1"/>
+          </a:fontRef>
+        </p:style>
+        <p:txBody>
+          <a:bodyPr rtlCol="0" anchor="ctr"/>
+          <a:lstStyle/>
+          <a:p>
+            <a:pPr algn="ctr"/>
+            <a:r>
+              <a:rPr lang="en-US" sz="1050" dirty="0" err="1">
+                <a:solidFill>
+                  <a:srgbClr val="7030A0"/>
+                </a:solidFill>
+              </a:rPr>
+              <a:t>VersionedAddressBook</a:t>
+            </a:r>
+            <a:endParaRPr lang="en-SG" sz="1050" dirty="0">
+              <a:solidFill>
+                <a:srgbClr val="7030A0"/>
+              </a:solidFill>
+            </a:endParaRPr>
+          </a:p>
+        </p:txBody>
+      </p:sp>
+      <p:cxnSp>
+        <p:nvCxnSpPr>
+          <p:cNvPr id="14" name="Straight Arrow Connector 13">
+            <a:extLst>
+              <a:ext uri="{FF2B5EF4-FFF2-40B4-BE49-F238E27FC236}">
+                <a16:creationId xmlns:a16="http://schemas.microsoft.com/office/drawing/2014/main" id="{C2CD3A49-68F6-4714-B58D-2CBA6D5C2E1C}"/>
+              </a:ext>
+            </a:extLst>
+          </p:cNvPr>
+          <p:cNvCxnSpPr>
+            <a:stCxn id="15" idx="3"/>
+            <a:endCxn id="13" idx="1"/>
+          </p:cNvCxnSpPr>
+          <p:nvPr/>
+        </p:nvCxnSpPr>
+        <p:spPr>
+          <a:xfrm>
+            <a:off x="2571295" y="3155433"/>
+            <a:ext cx="200920" cy="10557"/>
+          </a:xfrm>
+          <a:prstGeom prst="straightConnector1">
+            <a:avLst/>
+          </a:prstGeom>
+          <a:ln w="19050">
+            <a:solidFill>
+              <a:srgbClr val="7030A0"/>
+            </a:solidFill>
+            <a:headEnd type="none" w="med" len="med"/>
+            <a:tailEnd type="arrow" w="med" len="med"/>
+          </a:ln>
+          <a:effectLst/>
+        </p:spPr>
+        <p:style>
+          <a:lnRef idx="1">
+            <a:schemeClr val="accent2"/>
+          </a:lnRef>
+          <a:fillRef idx="2">
+            <a:schemeClr val="accent2"/>
+          </a:fillRef>
+          <a:effectRef idx="1">
+            <a:schemeClr val="accent2"/>
+          </a:effectRef>
+          <a:fontRef idx="minor">
+            <a:schemeClr val="dk1"/>
+          </a:fontRef>
+        </p:style>
+      </p:cxnSp>
+      <p:sp>
+        <p:nvSpPr>
+          <p:cNvPr id="15" name="Flowchart: Decision 96">
+            <a:extLst>
+              <a:ext uri="{FF2B5EF4-FFF2-40B4-BE49-F238E27FC236}">
+                <a16:creationId xmlns:a16="http://schemas.microsoft.com/office/drawing/2014/main" id="{F1D0D7CF-71EE-4F40-AC1E-509757D20A05}"/>
+              </a:ext>
+            </a:extLst>
+          </p:cNvPr>
+          <p:cNvSpPr/>
+          <p:nvPr/>
+        </p:nvSpPr>
+        <p:spPr>
+          <a:xfrm>
+            <a:off x="2335247" y="3068743"/>
+            <a:ext cx="236048" cy="173380"/>
+          </a:xfrm>
+          <a:prstGeom prst="flowChartDecision">
+            <a:avLst/>
+          </a:prstGeom>
+          <a:noFill/>
+          <a:ln w="19050">
+            <a:solidFill>
+              <a:srgbClr val="7030A0"/>
+            </a:solidFill>
+          </a:ln>
+          <a:effectLst/>
+        </p:spPr>
+        <p:style>
+          <a:lnRef idx="1">
+            <a:schemeClr val="accent6"/>
+          </a:lnRef>
+          <a:fillRef idx="2">
+            <a:schemeClr val="accent6"/>
+          </a:fillRef>
+          <a:effectRef idx="1">
+            <a:schemeClr val="accent6"/>
+          </a:effectRef>
+          <a:fontRef idx="minor">
+            <a:schemeClr val="dk1"/>
+          </a:fontRef>
+        </p:style>
+        <p:txBody>
+          <a:bodyPr rtlCol="0" anchor="ctr"/>
+          <a:lstStyle/>
+          <a:p>
+            <a:pPr algn="ctr"/>
+            <a:endParaRPr lang="en-US" sz="1050"/>
+          </a:p>
+        </p:txBody>
+      </p:sp>
+      <p:sp>
+        <p:nvSpPr>
+          <p:cNvPr id="16" name="Rectangle 8">
+            <a:extLst>
+              <a:ext uri="{FF2B5EF4-FFF2-40B4-BE49-F238E27FC236}">
+                <a16:creationId xmlns:a16="http://schemas.microsoft.com/office/drawing/2014/main" id="{053A1D43-8FE7-4684-A986-FC6BFE2F10C9}"/>
+              </a:ext>
+            </a:extLst>
+          </p:cNvPr>
+          <p:cNvSpPr/>
+          <p:nvPr/>
+        </p:nvSpPr>
+        <p:spPr>
+          <a:xfrm>
+            <a:off x="4639585" y="2998562"/>
+            <a:ext cx="1156969" cy="346760"/>
+          </a:xfrm>
+          <a:prstGeom prst="rect">
+            <a:avLst/>
+          </a:prstGeom>
+          <a:ln w="19050">
+            <a:solidFill>
+              <a:srgbClr val="7030A0"/>
+            </a:solidFill>
+          </a:ln>
+          <a:effectLst/>
+        </p:spPr>
+        <p:style>
+          <a:lnRef idx="1">
+            <a:schemeClr val="accent4"/>
+          </a:lnRef>
+          <a:fillRef idx="2">
+            <a:schemeClr val="accent4"/>
+          </a:fillRef>
+          <a:effectRef idx="1">
+            <a:schemeClr val="accent4"/>
+          </a:effectRef>
+          <a:fontRef idx="minor">
+            <a:schemeClr val="dk1"/>
+          </a:fontRef>
+        </p:style>
+        <p:txBody>
+          <a:bodyPr rtlCol="0" anchor="ctr"/>
+          <a:lstStyle/>
+          <a:p>
+            <a:pPr algn="ctr"/>
+            <a:r>
+              <a:rPr lang="en-US" sz="1050" dirty="0" err="1">
+                <a:solidFill>
+                  <a:srgbClr val="7030A0"/>
+                </a:solidFill>
+              </a:rPr>
+              <a:t>UniquePersonList</a:t>
+            </a:r>
+            <a:endParaRPr lang="en-SG" sz="1050" dirty="0">
+              <a:solidFill>
+                <a:srgbClr val="7030A0"/>
+              </a:solidFill>
+            </a:endParaRPr>
+          </a:p>
+        </p:txBody>
+      </p:sp>
+      <p:sp>
+        <p:nvSpPr>
+          <p:cNvPr id="17" name="Flowchart: Decision 96">
+            <a:extLst>
+              <a:ext uri="{FF2B5EF4-FFF2-40B4-BE49-F238E27FC236}">
+                <a16:creationId xmlns:a16="http://schemas.microsoft.com/office/drawing/2014/main" id="{CB341D73-9D48-4FEC-8C4B-5920303CE323}"/>
+              </a:ext>
+            </a:extLst>
+          </p:cNvPr>
+          <p:cNvSpPr/>
+          <p:nvPr/>
+        </p:nvSpPr>
+        <p:spPr>
+          <a:xfrm>
+            <a:off x="4271907" y="3072932"/>
+            <a:ext cx="236048" cy="173380"/>
+          </a:xfrm>
+          <a:prstGeom prst="flowChartDecision">
+            <a:avLst/>
+          </a:prstGeom>
+          <a:solidFill>
+            <a:srgbClr val="7030A0"/>
+          </a:solidFill>
+          <a:ln w="19050">
+            <a:solidFill>
+              <a:srgbClr val="7030A0"/>
+            </a:solidFill>
+          </a:ln>
+          <a:effectLst/>
+        </p:spPr>
+        <p:style>
+          <a:lnRef idx="1">
+            <a:schemeClr val="accent6"/>
+          </a:lnRef>
+          <a:fillRef idx="2">
+            <a:schemeClr val="accent6"/>
+          </a:fillRef>
+          <a:effectRef idx="1">
+            <a:schemeClr val="accent6"/>
+          </a:effectRef>
+          <a:fontRef idx="minor">
+            <a:schemeClr val="dk1"/>
+          </a:fontRef>
+        </p:style>
+        <p:txBody>
+          <a:bodyPr rtlCol="0" anchor="ctr"/>
+          <a:lstStyle/>
+          <a:p>
+            <a:pPr algn="ctr"/>
+            <a:endParaRPr lang="en-US" sz="1050"/>
+          </a:p>
+        </p:txBody>
+      </p:sp>
+      <p:sp>
+        <p:nvSpPr>
+          <p:cNvPr id="18" name="Rectangle 8">
+            <a:extLst>
+              <a:ext uri="{FF2B5EF4-FFF2-40B4-BE49-F238E27FC236}">
+                <a16:creationId xmlns:a16="http://schemas.microsoft.com/office/drawing/2014/main" id="{146B4A86-211A-4E18-AD48-587F5DC9DE57}"/>
+              </a:ext>
+            </a:extLst>
+          </p:cNvPr>
+          <p:cNvSpPr/>
+          <p:nvPr/>
+        </p:nvSpPr>
+        <p:spPr>
+          <a:xfrm>
+            <a:off x="6260612" y="3010466"/>
+            <a:ext cx="708186" cy="346760"/>
+          </a:xfrm>
+          <a:prstGeom prst="rect">
+            <a:avLst/>
+          </a:prstGeom>
+          <a:ln w="19050">
+            <a:solidFill>
+              <a:srgbClr val="7030A0"/>
+            </a:solidFill>
+          </a:ln>
+          <a:effectLst/>
+        </p:spPr>
+        <p:style>
+          <a:lnRef idx="1">
+            <a:schemeClr val="accent4"/>
+          </a:lnRef>
+          <a:fillRef idx="2">
+            <a:schemeClr val="accent4"/>
+          </a:fillRef>
+          <a:effectRef idx="1">
+            <a:schemeClr val="accent4"/>
+          </a:effectRef>
+          <a:fontRef idx="minor">
+            <a:schemeClr val="dk1"/>
+          </a:fontRef>
+        </p:style>
+        <p:txBody>
+          <a:bodyPr rtlCol="0" anchor="ctr"/>
+          <a:lstStyle/>
+          <a:p>
+            <a:pPr algn="ctr"/>
+            <a:r>
+              <a:rPr lang="en-US" sz="1050" dirty="0">
+                <a:solidFill>
+                  <a:srgbClr val="7030A0"/>
+                </a:solidFill>
+              </a:rPr>
+              <a:t>Person</a:t>
+            </a:r>
+            <a:endParaRPr lang="en-SG" sz="1050" dirty="0">
+              <a:solidFill>
+                <a:srgbClr val="7030A0"/>
+              </a:solidFill>
+            </a:endParaRPr>
+          </a:p>
+        </p:txBody>
+      </p:sp>
+      <p:sp>
+        <p:nvSpPr>
+          <p:cNvPr id="19" name="Flowchart: Decision 96">
+            <a:extLst>
+              <a:ext uri="{FF2B5EF4-FFF2-40B4-BE49-F238E27FC236}">
+                <a16:creationId xmlns:a16="http://schemas.microsoft.com/office/drawing/2014/main" id="{5182DE74-9A57-457B-824E-C4BD286C9704}"/>
+              </a:ext>
+            </a:extLst>
+          </p:cNvPr>
+          <p:cNvSpPr/>
+          <p:nvPr/>
+        </p:nvSpPr>
+        <p:spPr>
+          <a:xfrm>
+            <a:off x="5805686" y="3094076"/>
+            <a:ext cx="236048" cy="173380"/>
+          </a:xfrm>
+          <a:prstGeom prst="flowChartDecision">
+            <a:avLst/>
+          </a:prstGeom>
+          <a:noFill/>
+          <a:ln w="19050">
+            <a:solidFill>
+              <a:srgbClr val="7030A0"/>
+            </a:solidFill>
+          </a:ln>
+          <a:effectLst/>
+        </p:spPr>
+        <p:style>
+          <a:lnRef idx="1">
+            <a:schemeClr val="accent6"/>
+          </a:lnRef>
+          <a:fillRef idx="2">
+            <a:schemeClr val="accent6"/>
+          </a:fillRef>
+          <a:effectRef idx="1">
+            <a:schemeClr val="accent6"/>
+          </a:effectRef>
+          <a:fontRef idx="minor">
+            <a:schemeClr val="dk1"/>
+          </a:fontRef>
+        </p:style>
+        <p:txBody>
+          <a:bodyPr rtlCol="0" anchor="ctr"/>
+          <a:lstStyle/>
+          <a:p>
+            <a:pPr algn="ctr"/>
+            <a:endParaRPr lang="en-US" sz="1050"/>
+          </a:p>
+        </p:txBody>
+      </p:sp>
+      <p:cxnSp>
+        <p:nvCxnSpPr>
+          <p:cNvPr id="20" name="Elbow Connector 63">
+            <a:extLst>
+              <a:ext uri="{FF2B5EF4-FFF2-40B4-BE49-F238E27FC236}">
+                <a16:creationId xmlns:a16="http://schemas.microsoft.com/office/drawing/2014/main" id="{DC1F587A-22BB-470D-A27E-B1FAF3D0AC33}"/>
+              </a:ext>
+            </a:extLst>
+          </p:cNvPr>
+          <p:cNvCxnSpPr>
+            <a:stCxn id="19" idx="3"/>
+            <a:endCxn id="18" idx="1"/>
+          </p:cNvCxnSpPr>
+          <p:nvPr/>
+        </p:nvCxnSpPr>
+        <p:spPr>
+          <a:xfrm>
+            <a:off x="6041734" y="3180766"/>
+            <a:ext cx="218878" cy="3080"/>
+          </a:xfrm>
+          <a:prstGeom prst="bentConnector3">
+            <a:avLst/>
+          </a:prstGeom>
+          <a:ln w="19050">
+            <a:solidFill>
+              <a:srgbClr val="7030A0"/>
+            </a:solidFill>
+            <a:headEnd type="none" w="med" len="med"/>
+            <a:tailEnd type="arrow" w="med" len="med"/>
+          </a:ln>
+          <a:effectLst/>
+        </p:spPr>
+        <p:style>
+          <a:lnRef idx="1">
+            <a:schemeClr val="accent2"/>
+          </a:lnRef>
+          <a:fillRef idx="2">
+            <a:schemeClr val="accent2"/>
+          </a:fillRef>
+          <a:effectRef idx="1">
+            <a:schemeClr val="accent2"/>
+          </a:effectRef>
+          <a:fontRef idx="minor">
+            <a:schemeClr val="dk1"/>
+          </a:fontRef>
+        </p:style>
+      </p:cxnSp>
+      <p:sp>
+        <p:nvSpPr>
+          <p:cNvPr id="21" name="Rectangle 8">
+            <a:extLst>
+              <a:ext uri="{FF2B5EF4-FFF2-40B4-BE49-F238E27FC236}">
+                <a16:creationId xmlns:a16="http://schemas.microsoft.com/office/drawing/2014/main" id="{8FB5BDAA-7ACE-47B3-9981-80381197CE3B}"/>
+              </a:ext>
+            </a:extLst>
+          </p:cNvPr>
+          <p:cNvSpPr/>
+          <p:nvPr/>
+        </p:nvSpPr>
+        <p:spPr>
+          <a:xfrm>
+            <a:off x="7659332" y="2716638"/>
+            <a:ext cx="708186" cy="285783"/>
+          </a:xfrm>
+          <a:prstGeom prst="rect">
+            <a:avLst/>
+          </a:prstGeom>
+          <a:ln w="19050">
+            <a:solidFill>
+              <a:srgbClr val="7030A0"/>
+            </a:solidFill>
+          </a:ln>
+          <a:effectLst/>
+        </p:spPr>
+        <p:style>
+          <a:lnRef idx="1">
+            <a:schemeClr val="accent4"/>
+          </a:lnRef>
+          <a:fillRef idx="2">
+            <a:schemeClr val="accent4"/>
+          </a:fillRef>
+          <a:effectRef idx="1">
+            <a:schemeClr val="accent4"/>
+          </a:effectRef>
+          <a:fontRef idx="minor">
+            <a:schemeClr val="dk1"/>
+          </a:fontRef>
+        </p:style>
+        <p:txBody>
+          <a:bodyPr rtlCol="0" anchor="ctr"/>
+          <a:lstStyle/>
+          <a:p>
+            <a:pPr algn="ctr"/>
+            <a:r>
+              <a:rPr lang="en-US" sz="1050" dirty="0">
+                <a:solidFill>
+                  <a:srgbClr val="7030A0"/>
+                </a:solidFill>
+              </a:rPr>
+              <a:t>Name</a:t>
+            </a:r>
+            <a:endParaRPr lang="en-SG" sz="1050" dirty="0">
+              <a:solidFill>
+                <a:srgbClr val="7030A0"/>
+              </a:solidFill>
+            </a:endParaRPr>
+          </a:p>
+        </p:txBody>
+      </p:sp>
+      <p:sp>
+        <p:nvSpPr>
+          <p:cNvPr id="22" name="Flowchart: Decision 96">
+            <a:extLst>
+              <a:ext uri="{FF2B5EF4-FFF2-40B4-BE49-F238E27FC236}">
+                <a16:creationId xmlns:a16="http://schemas.microsoft.com/office/drawing/2014/main" id="{E474C773-B90F-4E8C-98BE-CB9F3222DD2A}"/>
+              </a:ext>
+            </a:extLst>
+          </p:cNvPr>
+          <p:cNvSpPr/>
+          <p:nvPr/>
+        </p:nvSpPr>
+        <p:spPr>
+          <a:xfrm>
+            <a:off x="6988882" y="3100601"/>
+            <a:ext cx="236048" cy="173380"/>
+          </a:xfrm>
+          <a:prstGeom prst="flowChartDecision">
+            <a:avLst/>
+          </a:prstGeom>
+          <a:solidFill>
+            <a:srgbClr val="7030A0"/>
+          </a:solidFill>
+          <a:ln w="19050">
+            <a:solidFill>
+              <a:srgbClr val="7030A0"/>
+            </a:solidFill>
+          </a:ln>
+          <a:effectLst/>
+        </p:spPr>
+        <p:style>
+          <a:lnRef idx="1">
+            <a:schemeClr val="accent6"/>
+          </a:lnRef>
+          <a:fillRef idx="2">
+            <a:schemeClr val="accent6"/>
+          </a:fillRef>
+          <a:effectRef idx="1">
+            <a:schemeClr val="accent6"/>
+          </a:effectRef>
+          <a:fontRef idx="minor">
+            <a:schemeClr val="dk1"/>
+          </a:fontRef>
+        </p:style>
+        <p:txBody>
+          <a:bodyPr rtlCol="0" anchor="ctr"/>
+          <a:lstStyle/>
+          <a:p>
+            <a:pPr algn="ctr"/>
+            <a:endParaRPr lang="en-US" sz="1050"/>
+          </a:p>
+        </p:txBody>
+      </p:sp>
+      <p:cxnSp>
+        <p:nvCxnSpPr>
+          <p:cNvPr id="23" name="Elbow Connector 78">
+            <a:extLst>
+              <a:ext uri="{FF2B5EF4-FFF2-40B4-BE49-F238E27FC236}">
+                <a16:creationId xmlns:a16="http://schemas.microsoft.com/office/drawing/2014/main" id="{3CC37038-87C2-49B2-8DC6-8358D0667114}"/>
+              </a:ext>
+            </a:extLst>
+          </p:cNvPr>
+          <p:cNvCxnSpPr>
+            <a:cxnSpLocks/>
+          </p:cNvCxnSpPr>
+          <p:nvPr/>
+        </p:nvCxnSpPr>
+        <p:spPr>
+          <a:xfrm flipV="1">
+            <a:off x="7224930" y="2859221"/>
+            <a:ext cx="434402" cy="327761"/>
+          </a:xfrm>
+          <a:prstGeom prst="bentConnector3">
+            <a:avLst/>
+          </a:prstGeom>
+          <a:ln w="19050">
+            <a:solidFill>
+              <a:srgbClr val="7030A0"/>
+            </a:solidFill>
+            <a:headEnd type="none" w="med" len="med"/>
+            <a:tailEnd type="arrow" w="med" len="med"/>
+          </a:ln>
+          <a:effectLst/>
+        </p:spPr>
+        <p:style>
+          <a:lnRef idx="1">
+            <a:schemeClr val="accent2"/>
+          </a:lnRef>
+          <a:fillRef idx="2">
+            <a:schemeClr val="accent2"/>
+          </a:fillRef>
+          <a:effectRef idx="1">
+            <a:schemeClr val="accent2"/>
+          </a:effectRef>
+          <a:fontRef idx="minor">
+            <a:schemeClr val="dk1"/>
+          </a:fontRef>
+        </p:style>
+      </p:cxnSp>
+      <p:sp>
+        <p:nvSpPr>
+          <p:cNvPr id="24" name="Rectangle 8">
+            <a:extLst>
+              <a:ext uri="{FF2B5EF4-FFF2-40B4-BE49-F238E27FC236}">
+                <a16:creationId xmlns:a16="http://schemas.microsoft.com/office/drawing/2014/main" id="{0FC44942-29B1-453F-8085-F001397B2D09}"/>
+              </a:ext>
+            </a:extLst>
+          </p:cNvPr>
+          <p:cNvSpPr/>
+          <p:nvPr/>
+        </p:nvSpPr>
+        <p:spPr>
+          <a:xfrm>
+            <a:off x="7659332" y="3039616"/>
+            <a:ext cx="708186" cy="285783"/>
+          </a:xfrm>
+          <a:prstGeom prst="rect">
+            <a:avLst/>
+          </a:prstGeom>
+          <a:ln w="19050">
+            <a:solidFill>
+              <a:srgbClr val="7030A0"/>
+            </a:solidFill>
+          </a:ln>
+          <a:effectLst/>
+        </p:spPr>
+        <p:style>
+          <a:lnRef idx="1">
+            <a:schemeClr val="accent4"/>
+          </a:lnRef>
+          <a:fillRef idx="2">
+            <a:schemeClr val="accent4"/>
+          </a:fillRef>
+          <a:effectRef idx="1">
+            <a:schemeClr val="accent4"/>
+          </a:effectRef>
+          <a:fontRef idx="minor">
+            <a:schemeClr val="dk1"/>
+          </a:fontRef>
+        </p:style>
+        <p:txBody>
+          <a:bodyPr rtlCol="0" anchor="ctr"/>
+          <a:lstStyle/>
+          <a:p>
+            <a:pPr algn="ctr"/>
+            <a:r>
+              <a:rPr lang="en-US" sz="1050" dirty="0">
+                <a:solidFill>
+                  <a:srgbClr val="7030A0"/>
+                </a:solidFill>
+              </a:rPr>
+              <a:t>Phone</a:t>
+            </a:r>
+            <a:endParaRPr lang="en-SG" sz="1050" dirty="0">
+              <a:solidFill>
+                <a:srgbClr val="7030A0"/>
+              </a:solidFill>
+            </a:endParaRPr>
+          </a:p>
+        </p:txBody>
+      </p:sp>
+      <p:cxnSp>
+        <p:nvCxnSpPr>
+          <p:cNvPr id="25" name="Elbow Connector 80">
+            <a:extLst>
+              <a:ext uri="{FF2B5EF4-FFF2-40B4-BE49-F238E27FC236}">
+                <a16:creationId xmlns:a16="http://schemas.microsoft.com/office/drawing/2014/main" id="{06AA7309-F910-40CA-ADC2-65CC9E42C322}"/>
+              </a:ext>
+            </a:extLst>
+          </p:cNvPr>
+          <p:cNvCxnSpPr>
+            <a:stCxn id="22" idx="3"/>
+            <a:endCxn id="24" idx="1"/>
+          </p:cNvCxnSpPr>
+          <p:nvPr/>
+        </p:nvCxnSpPr>
+        <p:spPr>
+          <a:xfrm flipV="1">
+            <a:off x="7224930" y="3182508"/>
+            <a:ext cx="434402" cy="4783"/>
+          </a:xfrm>
+          <a:prstGeom prst="bentConnector3">
+            <a:avLst/>
+          </a:prstGeom>
+          <a:ln w="19050">
+            <a:solidFill>
+              <a:srgbClr val="7030A0"/>
+            </a:solidFill>
+            <a:headEnd type="none" w="med" len="med"/>
+            <a:tailEnd type="arrow" w="med" len="med"/>
+          </a:ln>
+          <a:effectLst/>
+        </p:spPr>
+        <p:style>
+          <a:lnRef idx="1">
+            <a:schemeClr val="accent2"/>
+          </a:lnRef>
+          <a:fillRef idx="2">
+            <a:schemeClr val="accent2"/>
+          </a:fillRef>
+          <a:effectRef idx="1">
+            <a:schemeClr val="accent2"/>
+          </a:effectRef>
+          <a:fontRef idx="minor">
+            <a:schemeClr val="dk1"/>
+          </a:fontRef>
+        </p:style>
+      </p:cxnSp>
+      <p:sp>
+        <p:nvSpPr>
+          <p:cNvPr id="26" name="Rectangle 8">
+            <a:extLst>
+              <a:ext uri="{FF2B5EF4-FFF2-40B4-BE49-F238E27FC236}">
+                <a16:creationId xmlns:a16="http://schemas.microsoft.com/office/drawing/2014/main" id="{920732EA-09AA-46BE-84B3-160CF0DC21C1}"/>
+              </a:ext>
+            </a:extLst>
+          </p:cNvPr>
+          <p:cNvSpPr/>
+          <p:nvPr/>
+        </p:nvSpPr>
+        <p:spPr>
+          <a:xfrm>
+            <a:off x="7659332" y="3362594"/>
+            <a:ext cx="708186" cy="285783"/>
+          </a:xfrm>
+          <a:prstGeom prst="rect">
+            <a:avLst/>
+          </a:prstGeom>
+          <a:ln w="19050">
+            <a:solidFill>
+              <a:srgbClr val="7030A0"/>
+            </a:solidFill>
+          </a:ln>
+          <a:effectLst/>
+        </p:spPr>
+        <p:style>
+          <a:lnRef idx="1">
+            <a:schemeClr val="accent4"/>
+          </a:lnRef>
+          <a:fillRef idx="2">
+            <a:schemeClr val="accent4"/>
+          </a:fillRef>
+          <a:effectRef idx="1">
+            <a:schemeClr val="accent4"/>
+          </a:effectRef>
+          <a:fontRef idx="minor">
+            <a:schemeClr val="dk1"/>
+          </a:fontRef>
+        </p:style>
+        <p:txBody>
+          <a:bodyPr rtlCol="0" anchor="ctr"/>
+          <a:lstStyle/>
+          <a:p>
+            <a:pPr algn="ctr"/>
+            <a:r>
+              <a:rPr lang="en-US" sz="1050" dirty="0">
+                <a:solidFill>
+                  <a:srgbClr val="7030A0"/>
+                </a:solidFill>
+              </a:rPr>
+              <a:t>Email</a:t>
+            </a:r>
+            <a:endParaRPr lang="en-SG" sz="1050" dirty="0">
+              <a:solidFill>
+                <a:srgbClr val="7030A0"/>
+              </a:solidFill>
+            </a:endParaRPr>
+          </a:p>
+        </p:txBody>
+      </p:sp>
+      <p:cxnSp>
+        <p:nvCxnSpPr>
+          <p:cNvPr id="27" name="Elbow Connector 83">
+            <a:extLst>
+              <a:ext uri="{FF2B5EF4-FFF2-40B4-BE49-F238E27FC236}">
+                <a16:creationId xmlns:a16="http://schemas.microsoft.com/office/drawing/2014/main" id="{85045400-EE85-4F1C-B202-0F61CEE256CE}"/>
+              </a:ext>
+            </a:extLst>
+          </p:cNvPr>
+          <p:cNvCxnSpPr>
+            <a:stCxn id="22" idx="3"/>
+            <a:endCxn id="26" idx="1"/>
+          </p:cNvCxnSpPr>
+          <p:nvPr/>
+        </p:nvCxnSpPr>
+        <p:spPr>
+          <a:xfrm>
+            <a:off x="7224930" y="3187291"/>
+            <a:ext cx="434402" cy="318195"/>
+          </a:xfrm>
+          <a:prstGeom prst="bentConnector3">
+            <a:avLst/>
+          </a:prstGeom>
+          <a:ln w="19050">
+            <a:solidFill>
+              <a:srgbClr val="7030A0"/>
+            </a:solidFill>
+            <a:headEnd type="none" w="med" len="med"/>
+            <a:tailEnd type="arrow" w="med" len="med"/>
+          </a:ln>
+          <a:effectLst/>
+        </p:spPr>
+        <p:style>
+          <a:lnRef idx="1">
+            <a:schemeClr val="accent2"/>
+          </a:lnRef>
+          <a:fillRef idx="2">
+            <a:schemeClr val="accent2"/>
+          </a:fillRef>
+          <a:effectRef idx="1">
+            <a:schemeClr val="accent2"/>
+          </a:effectRef>
+          <a:fontRef idx="minor">
+            <a:schemeClr val="dk1"/>
+          </a:fontRef>
+        </p:style>
+      </p:cxnSp>
+      <p:sp>
+        <p:nvSpPr>
+          <p:cNvPr id="28" name="Rectangle 8">
+            <a:extLst>
+              <a:ext uri="{FF2B5EF4-FFF2-40B4-BE49-F238E27FC236}">
+                <a16:creationId xmlns:a16="http://schemas.microsoft.com/office/drawing/2014/main" id="{7EC9DAED-0DDB-49A7-99EC-371BB4F00EF2}"/>
+              </a:ext>
+            </a:extLst>
+          </p:cNvPr>
+          <p:cNvSpPr/>
+          <p:nvPr/>
+        </p:nvSpPr>
+        <p:spPr>
+          <a:xfrm>
+            <a:off x="7659332" y="3685571"/>
+            <a:ext cx="708186" cy="285783"/>
+          </a:xfrm>
+          <a:prstGeom prst="rect">
+            <a:avLst/>
+          </a:prstGeom>
+          <a:ln w="19050">
+            <a:solidFill>
+              <a:srgbClr val="7030A0"/>
+            </a:solidFill>
+          </a:ln>
+          <a:effectLst/>
+        </p:spPr>
+        <p:style>
+          <a:lnRef idx="1">
+            <a:schemeClr val="accent4"/>
+          </a:lnRef>
+          <a:fillRef idx="2">
+            <a:schemeClr val="accent4"/>
+          </a:fillRef>
+          <a:effectRef idx="1">
+            <a:schemeClr val="accent4"/>
+          </a:effectRef>
+          <a:fontRef idx="minor">
+            <a:schemeClr val="dk1"/>
+          </a:fontRef>
+        </p:style>
+        <p:txBody>
+          <a:bodyPr rtlCol="0" anchor="ctr"/>
+          <a:lstStyle/>
+          <a:p>
+            <a:pPr algn="ctr"/>
+            <a:r>
+              <a:rPr lang="en-US" sz="1050" dirty="0">
+                <a:solidFill>
+                  <a:srgbClr val="7030A0"/>
+                </a:solidFill>
+              </a:rPr>
+              <a:t>Address</a:t>
+            </a:r>
+            <a:endParaRPr lang="en-SG" sz="1050" dirty="0">
+              <a:solidFill>
+                <a:srgbClr val="7030A0"/>
+              </a:solidFill>
+            </a:endParaRPr>
+          </a:p>
+        </p:txBody>
+      </p:sp>
+      <p:cxnSp>
+        <p:nvCxnSpPr>
+          <p:cNvPr id="29" name="Elbow Connector 85">
+            <a:extLst>
+              <a:ext uri="{FF2B5EF4-FFF2-40B4-BE49-F238E27FC236}">
+                <a16:creationId xmlns:a16="http://schemas.microsoft.com/office/drawing/2014/main" id="{E0C8C7DC-6961-48CD-A3E3-0779273A1B7C}"/>
+              </a:ext>
+            </a:extLst>
+          </p:cNvPr>
+          <p:cNvCxnSpPr>
+            <a:stCxn id="22" idx="3"/>
+            <a:endCxn id="28" idx="1"/>
+          </p:cNvCxnSpPr>
+          <p:nvPr/>
+        </p:nvCxnSpPr>
+        <p:spPr>
+          <a:xfrm>
+            <a:off x="7224930" y="3187291"/>
+            <a:ext cx="434402" cy="641172"/>
+          </a:xfrm>
+          <a:prstGeom prst="bentConnector3">
+            <a:avLst/>
+          </a:prstGeom>
+          <a:ln w="19050">
+            <a:solidFill>
+              <a:srgbClr val="7030A0"/>
+            </a:solidFill>
+            <a:headEnd type="none" w="med" len="med"/>
+            <a:tailEnd type="arrow" w="med" len="med"/>
+          </a:ln>
+          <a:effectLst/>
+        </p:spPr>
+        <p:style>
+          <a:lnRef idx="1">
+            <a:schemeClr val="accent2"/>
+          </a:lnRef>
+          <a:fillRef idx="2">
+            <a:schemeClr val="accent2"/>
+          </a:fillRef>
+          <a:effectRef idx="1">
+            <a:schemeClr val="accent2"/>
+          </a:effectRef>
+          <a:fontRef idx="minor">
+            <a:schemeClr val="dk1"/>
+          </a:fontRef>
+        </p:style>
+      </p:cxnSp>
+      <p:cxnSp>
+        <p:nvCxnSpPr>
+          <p:cNvPr id="30" name="Elbow Connector 63">
+            <a:extLst>
+              <a:ext uri="{FF2B5EF4-FFF2-40B4-BE49-F238E27FC236}">
+                <a16:creationId xmlns:a16="http://schemas.microsoft.com/office/drawing/2014/main" id="{BE9AEC9F-6ED7-4327-BC3A-5256F734B53E}"/>
+              </a:ext>
+            </a:extLst>
+          </p:cNvPr>
+          <p:cNvCxnSpPr>
+            <a:stCxn id="31" idx="3"/>
+          </p:cNvCxnSpPr>
+          <p:nvPr/>
+        </p:nvCxnSpPr>
+        <p:spPr>
+          <a:xfrm rot="5400000">
+            <a:off x="3500546" y="2839959"/>
+            <a:ext cx="293825" cy="5938"/>
+          </a:xfrm>
+          <a:prstGeom prst="bentConnector3">
+            <a:avLst>
+              <a:gd name="adj1" fmla="val 50000"/>
+            </a:avLst>
+          </a:prstGeom>
+          <a:ln w="19050">
+            <a:solidFill>
+              <a:srgbClr val="7030A0"/>
+            </a:solidFill>
+            <a:prstDash val="sysDot"/>
+            <a:headEnd type="none" w="med" len="med"/>
+            <a:tailEnd type="none" w="med" len="med"/>
+          </a:ln>
+          <a:effectLst/>
+        </p:spPr>
+        <p:style>
+          <a:lnRef idx="1">
+            <a:schemeClr val="accent2"/>
+          </a:lnRef>
+          <a:fillRef idx="2">
+            <a:schemeClr val="accent2"/>
+          </a:fillRef>
+          <a:effectRef idx="1">
+            <a:schemeClr val="accent2"/>
+          </a:effectRef>
+          <a:fontRef idx="minor">
+            <a:schemeClr val="dk1"/>
+          </a:fontRef>
+        </p:style>
+      </p:cxnSp>
+      <p:sp>
+        <p:nvSpPr>
+          <p:cNvPr id="31" name="Isosceles Triangle 102">
+            <a:extLst>
+              <a:ext uri="{FF2B5EF4-FFF2-40B4-BE49-F238E27FC236}">
+                <a16:creationId xmlns:a16="http://schemas.microsoft.com/office/drawing/2014/main" id="{B688DDC2-6225-4E3D-9BC3-0EBC04D331C4}"/>
+              </a:ext>
+            </a:extLst>
+          </p:cNvPr>
+          <p:cNvSpPr/>
+          <p:nvPr/>
+        </p:nvSpPr>
+        <p:spPr>
+          <a:xfrm rot="10800000" flipV="1">
+            <a:off x="3509234" y="2538954"/>
+            <a:ext cx="282387" cy="157062"/>
+          </a:xfrm>
+          <a:prstGeom prst="triangle">
+            <a:avLst/>
+          </a:prstGeom>
+          <a:ln w="19050">
+            <a:solidFill>
+              <a:srgbClr val="7030A0"/>
+            </a:solidFill>
+          </a:ln>
+          <a:effectLst/>
+        </p:spPr>
+        <p:style>
+          <a:lnRef idx="1">
+            <a:schemeClr val="accent4"/>
+          </a:lnRef>
+          <a:fillRef idx="2">
+            <a:schemeClr val="accent4"/>
+          </a:fillRef>
+          <a:effectRef idx="1">
+            <a:schemeClr val="accent4"/>
+          </a:effectRef>
+          <a:fontRef idx="minor">
+            <a:schemeClr val="dk1"/>
+          </a:fontRef>
+        </p:style>
+        <p:txBody>
+          <a:bodyPr rtlCol="0" anchor="ctr"/>
+          <a:lstStyle/>
+          <a:p>
+            <a:pPr algn="ctr"/>
+            <a:endParaRPr lang="en-SG" sz="1050" b="1">
+              <a:solidFill>
+                <a:srgbClr val="92D050"/>
+              </a:solidFill>
+            </a:endParaRPr>
+          </a:p>
+        </p:txBody>
+      </p:sp>
+      <p:sp>
+        <p:nvSpPr>
+          <p:cNvPr id="32" name="Rectangle 8">
+            <a:extLst>
+              <a:ext uri="{FF2B5EF4-FFF2-40B4-BE49-F238E27FC236}">
+                <a16:creationId xmlns:a16="http://schemas.microsoft.com/office/drawing/2014/main" id="{9C3CF21F-1C90-43DC-A775-26102169C430}"/>
+              </a:ext>
+            </a:extLst>
+          </p:cNvPr>
+          <p:cNvSpPr/>
+          <p:nvPr/>
+        </p:nvSpPr>
+        <p:spPr>
+          <a:xfrm>
+            <a:off x="1207857" y="2150750"/>
+            <a:ext cx="1443661" cy="364396"/>
+          </a:xfrm>
+          <a:prstGeom prst="rect">
+            <a:avLst/>
+          </a:prstGeom>
+          <a:ln w="19050">
+            <a:solidFill>
+              <a:srgbClr val="7030A0"/>
+            </a:solidFill>
+          </a:ln>
+          <a:effectLst/>
+        </p:spPr>
+        <p:style>
+          <a:lnRef idx="1">
+            <a:schemeClr val="accent4"/>
+          </a:lnRef>
+          <a:fillRef idx="2">
+            <a:schemeClr val="accent4"/>
+          </a:fillRef>
+          <a:effectRef idx="1">
+            <a:schemeClr val="accent4"/>
+          </a:effectRef>
+          <a:fontRef idx="minor">
+            <a:schemeClr val="dk1"/>
+          </a:fontRef>
+        </p:style>
+        <p:txBody>
+          <a:bodyPr rtlCol="0" anchor="ctr"/>
+          <a:lstStyle/>
+          <a:p>
+            <a:pPr algn="ctr"/>
+            <a:r>
+              <a:rPr lang="en-US" sz="1050" dirty="0">
+                <a:solidFill>
+                  <a:srgbClr val="7030A0"/>
+                </a:solidFill>
+              </a:rPr>
+              <a:t>&lt;&lt;interface&gt;&gt;</a:t>
+            </a:r>
+            <a:br>
+              <a:rPr lang="en-US" sz="1050" dirty="0">
+                <a:solidFill>
+                  <a:srgbClr val="7030A0"/>
+                </a:solidFill>
+              </a:rPr>
+            </a:br>
+            <a:r>
+              <a:rPr lang="en-US" sz="1050" dirty="0" err="1">
+                <a:solidFill>
+                  <a:srgbClr val="7030A0"/>
+                </a:solidFill>
+              </a:rPr>
+              <a:t>ReadOnlyAddressBook</a:t>
+            </a:r>
+            <a:endParaRPr lang="en-SG" sz="1050" dirty="0">
+              <a:solidFill>
+                <a:srgbClr val="7030A0"/>
+              </a:solidFill>
+            </a:endParaRPr>
+          </a:p>
+        </p:txBody>
+      </p:sp>
+      <p:sp>
+        <p:nvSpPr>
+          <p:cNvPr id="33" name="TextBox 32">
+            <a:extLst>
+              <a:ext uri="{FF2B5EF4-FFF2-40B4-BE49-F238E27FC236}">
+                <a16:creationId xmlns:a16="http://schemas.microsoft.com/office/drawing/2014/main" id="{1A8ECAD1-AE4E-4934-B059-33EAF66767F2}"/>
+              </a:ext>
+            </a:extLst>
+          </p:cNvPr>
+          <p:cNvSpPr txBox="1"/>
+          <p:nvPr/>
+        </p:nvSpPr>
+        <p:spPr>
+          <a:xfrm rot="16200000">
+            <a:off x="6309821" y="3738705"/>
+            <a:ext cx="881018" cy="261610"/>
+          </a:xfrm>
+          <a:prstGeom prst="rect">
+            <a:avLst/>
+          </a:prstGeom>
+          <a:noFill/>
+        </p:spPr>
+        <p:txBody>
+          <a:bodyPr wrap="square" rtlCol="0">
+            <a:spAutoFit/>
+          </a:bodyPr>
+          <a:lstStyle/>
+          <a:p>
+            <a:pPr algn="r"/>
+            <a:r>
+              <a:rPr lang="en-US" sz="1100" dirty="0">
+                <a:solidFill>
+                  <a:srgbClr val="7030A0"/>
+                </a:solidFill>
+              </a:rPr>
+              <a:t>filtered list</a:t>
+            </a:r>
+            <a:endParaRPr lang="en-SG" sz="1100" dirty="0">
+              <a:solidFill>
+                <a:srgbClr val="7030A0"/>
+              </a:solidFill>
+            </a:endParaRPr>
+          </a:p>
+        </p:txBody>
+      </p:sp>
+      <p:sp>
+        <p:nvSpPr>
+          <p:cNvPr id="34" name="Rectangle 8">
+            <a:extLst>
+              <a:ext uri="{FF2B5EF4-FFF2-40B4-BE49-F238E27FC236}">
+                <a16:creationId xmlns:a16="http://schemas.microsoft.com/office/drawing/2014/main" id="{F8C2EEB8-04DB-45E9-8777-3C9E54CE09BA}"/>
+              </a:ext>
+            </a:extLst>
+          </p:cNvPr>
+          <p:cNvSpPr/>
+          <p:nvPr/>
+        </p:nvSpPr>
+        <p:spPr>
+          <a:xfrm>
+            <a:off x="2004336" y="4391891"/>
+            <a:ext cx="1066800" cy="346760"/>
+          </a:xfrm>
+          <a:prstGeom prst="rect">
+            <a:avLst/>
+          </a:prstGeom>
+          <a:ln w="19050">
+            <a:solidFill>
+              <a:srgbClr val="7030A0"/>
+            </a:solidFill>
+          </a:ln>
+          <a:effectLst/>
+        </p:spPr>
+        <p:style>
+          <a:lnRef idx="1">
+            <a:schemeClr val="accent4"/>
+          </a:lnRef>
+          <a:fillRef idx="2">
+            <a:schemeClr val="accent4"/>
+          </a:fillRef>
+          <a:effectRef idx="1">
+            <a:schemeClr val="accent4"/>
+          </a:effectRef>
+          <a:fontRef idx="minor">
+            <a:schemeClr val="dk1"/>
+          </a:fontRef>
+        </p:style>
+        <p:txBody>
+          <a:bodyPr rtlCol="0" anchor="ctr"/>
+          <a:lstStyle/>
+          <a:p>
+            <a:pPr algn="ctr"/>
+            <a:r>
+              <a:rPr lang="en-US" sz="1050" dirty="0">
+                <a:solidFill>
+                  <a:srgbClr val="7030A0"/>
+                </a:solidFill>
+              </a:rPr>
+              <a:t>&lt;&lt;interface&gt;&gt;</a:t>
+            </a:r>
+            <a:br>
+              <a:rPr lang="en-US" sz="1050">
+                <a:solidFill>
+                  <a:srgbClr val="7030A0"/>
+                </a:solidFill>
+              </a:rPr>
+            </a:br>
+            <a:r>
+              <a:rPr lang="en-US" sz="1050" dirty="0" err="1">
+                <a:solidFill>
+                  <a:srgbClr val="7030A0"/>
+                </a:solidFill>
+              </a:rPr>
+              <a:t>ObservableList</a:t>
+            </a:r>
+            <a:endParaRPr lang="en-SG" sz="1050" dirty="0">
+              <a:solidFill>
+                <a:srgbClr val="7030A0"/>
+              </a:solidFill>
+            </a:endParaRPr>
+          </a:p>
+        </p:txBody>
+      </p:sp>
+      <p:cxnSp>
+        <p:nvCxnSpPr>
+          <p:cNvPr id="35" name="Elbow Connector 122">
+            <a:extLst>
+              <a:ext uri="{FF2B5EF4-FFF2-40B4-BE49-F238E27FC236}">
+                <a16:creationId xmlns:a16="http://schemas.microsoft.com/office/drawing/2014/main" id="{0A71B04F-C2A3-4042-AF0C-D7636879469D}"/>
+              </a:ext>
+            </a:extLst>
+          </p:cNvPr>
+          <p:cNvCxnSpPr>
+            <a:stCxn id="7" idx="1"/>
+            <a:endCxn id="34" idx="1"/>
+          </p:cNvCxnSpPr>
+          <p:nvPr/>
+        </p:nvCxnSpPr>
+        <p:spPr>
+          <a:xfrm rot="16200000" flipH="1">
+            <a:off x="1311410" y="3872344"/>
+            <a:ext cx="831471" cy="554381"/>
+          </a:xfrm>
+          <a:prstGeom prst="bentConnector2">
+            <a:avLst/>
+          </a:prstGeom>
+          <a:ln w="19050">
+            <a:solidFill>
+              <a:srgbClr val="7030A0"/>
+            </a:solidFill>
+            <a:prstDash val="sysDot"/>
+            <a:headEnd type="none" w="med" len="med"/>
+            <a:tailEnd type="arrow" w="med" len="med"/>
+          </a:ln>
+          <a:effectLst/>
+        </p:spPr>
+        <p:style>
+          <a:lnRef idx="1">
+            <a:schemeClr val="accent2"/>
+          </a:lnRef>
+          <a:fillRef idx="2">
+            <a:schemeClr val="accent2"/>
+          </a:fillRef>
+          <a:effectRef idx="1">
+            <a:schemeClr val="accent2"/>
+          </a:effectRef>
+          <a:fontRef idx="minor">
+            <a:schemeClr val="dk1"/>
+          </a:fontRef>
+        </p:style>
+      </p:cxnSp>
+      <p:sp>
+        <p:nvSpPr>
+          <p:cNvPr id="36" name="TextBox 35">
+            <a:extLst>
+              <a:ext uri="{FF2B5EF4-FFF2-40B4-BE49-F238E27FC236}">
+                <a16:creationId xmlns:a16="http://schemas.microsoft.com/office/drawing/2014/main" id="{6BC80E5A-A580-4C5C-8B60-1FC85DCEB3F5}"/>
+              </a:ext>
+            </a:extLst>
+          </p:cNvPr>
+          <p:cNvSpPr txBox="1"/>
+          <p:nvPr/>
+        </p:nvSpPr>
+        <p:spPr>
+          <a:xfrm>
+            <a:off x="4376914" y="3263879"/>
+            <a:ext cx="189257" cy="178683"/>
+          </a:xfrm>
+          <a:prstGeom prst="rect">
+            <a:avLst/>
+          </a:prstGeom>
+          <a:noFill/>
+        </p:spPr>
+        <p:txBody>
+          <a:bodyPr wrap="square" lIns="0" tIns="0" rIns="0" bIns="0" rtlCol="0">
+            <a:noAutofit/>
+          </a:bodyPr>
+          <a:lstStyle/>
+          <a:p>
+            <a:pPr algn="ctr"/>
+            <a:r>
+              <a:rPr lang="en-US" sz="1100" dirty="0">
+                <a:solidFill>
+                  <a:srgbClr val="7030A0"/>
+                </a:solidFill>
+              </a:rPr>
+              <a:t>1</a:t>
+            </a:r>
+            <a:endParaRPr lang="en-SG" sz="1100" dirty="0">
+              <a:solidFill>
+                <a:srgbClr val="7030A0"/>
+              </a:solidFill>
+            </a:endParaRPr>
+          </a:p>
+        </p:txBody>
+      </p:sp>
+      <p:sp>
+        <p:nvSpPr>
+          <p:cNvPr id="37" name="TextBox 36">
+            <a:extLst>
+              <a:ext uri="{FF2B5EF4-FFF2-40B4-BE49-F238E27FC236}">
+                <a16:creationId xmlns:a16="http://schemas.microsoft.com/office/drawing/2014/main" id="{55723224-D3BF-4323-B2A6-12D2A87C3AA7}"/>
+              </a:ext>
+            </a:extLst>
+          </p:cNvPr>
+          <p:cNvSpPr txBox="1"/>
+          <p:nvPr/>
+        </p:nvSpPr>
+        <p:spPr>
+          <a:xfrm>
+            <a:off x="6082191" y="3250317"/>
+            <a:ext cx="189257" cy="178683"/>
+          </a:xfrm>
+          <a:prstGeom prst="rect">
+            <a:avLst/>
+          </a:prstGeom>
+          <a:noFill/>
+        </p:spPr>
+        <p:txBody>
+          <a:bodyPr wrap="square" lIns="0" tIns="0" rIns="0" bIns="0" rtlCol="0">
+            <a:noAutofit/>
+          </a:bodyPr>
+          <a:lstStyle/>
+          <a:p>
+            <a:pPr algn="ctr"/>
+            <a:r>
+              <a:rPr lang="en-US" sz="1100" dirty="0">
+                <a:solidFill>
+                  <a:srgbClr val="7030A0"/>
+                </a:solidFill>
+              </a:rPr>
+              <a:t>*</a:t>
+            </a:r>
+            <a:endParaRPr lang="en-SG" sz="1100" dirty="0">
+              <a:solidFill>
+                <a:srgbClr val="7030A0"/>
+              </a:solidFill>
+            </a:endParaRPr>
+          </a:p>
+        </p:txBody>
+      </p:sp>
+      <p:sp>
+        <p:nvSpPr>
+          <p:cNvPr id="38" name="TextBox 37">
+            <a:extLst>
+              <a:ext uri="{FF2B5EF4-FFF2-40B4-BE49-F238E27FC236}">
+                <a16:creationId xmlns:a16="http://schemas.microsoft.com/office/drawing/2014/main" id="{862F558C-5021-439F-88FB-CB9B8F4EAF58}"/>
+              </a:ext>
+            </a:extLst>
+          </p:cNvPr>
+          <p:cNvSpPr txBox="1"/>
+          <p:nvPr/>
+        </p:nvSpPr>
+        <p:spPr>
+          <a:xfrm>
+            <a:off x="2520329" y="2909115"/>
+            <a:ext cx="170110" cy="137542"/>
+          </a:xfrm>
+          <a:prstGeom prst="rect">
+            <a:avLst/>
+          </a:prstGeom>
+          <a:noFill/>
+        </p:spPr>
+        <p:txBody>
+          <a:bodyPr wrap="square" lIns="0" tIns="0" rIns="0" bIns="0" rtlCol="0">
+            <a:noAutofit/>
+          </a:bodyPr>
+          <a:lstStyle/>
+          <a:p>
+            <a:pPr algn="ctr"/>
+            <a:r>
+              <a:rPr lang="en-US" sz="1100" dirty="0">
+                <a:solidFill>
+                  <a:srgbClr val="7030A0"/>
+                </a:solidFill>
+              </a:rPr>
+              <a:t>1</a:t>
+            </a:r>
+            <a:endParaRPr lang="en-SG" sz="1100" dirty="0">
+              <a:solidFill>
+                <a:srgbClr val="7030A0"/>
+              </a:solidFill>
+            </a:endParaRPr>
+          </a:p>
+        </p:txBody>
+      </p:sp>
+      <p:sp>
+        <p:nvSpPr>
+          <p:cNvPr id="39" name="TextBox 38">
+            <a:extLst>
+              <a:ext uri="{FF2B5EF4-FFF2-40B4-BE49-F238E27FC236}">
+                <a16:creationId xmlns:a16="http://schemas.microsoft.com/office/drawing/2014/main" id="{E33DA306-4CEA-4C13-A1EF-3584A9239ED5}"/>
+              </a:ext>
+            </a:extLst>
+          </p:cNvPr>
+          <p:cNvSpPr txBox="1"/>
+          <p:nvPr/>
+        </p:nvSpPr>
+        <p:spPr>
+          <a:xfrm>
+            <a:off x="2654005" y="3820137"/>
+            <a:ext cx="189257" cy="178683"/>
+          </a:xfrm>
+          <a:prstGeom prst="rect">
+            <a:avLst/>
+          </a:prstGeom>
+          <a:noFill/>
+        </p:spPr>
+        <p:txBody>
+          <a:bodyPr wrap="square" lIns="0" tIns="0" rIns="0" bIns="0" rtlCol="0">
+            <a:noAutofit/>
+          </a:bodyPr>
+          <a:lstStyle/>
+          <a:p>
+            <a:pPr algn="ctr"/>
+            <a:r>
+              <a:rPr lang="en-US" sz="1100" dirty="0">
+                <a:solidFill>
+                  <a:srgbClr val="7030A0"/>
+                </a:solidFill>
+              </a:rPr>
+              <a:t>1</a:t>
+            </a:r>
+            <a:endParaRPr lang="en-SG" sz="1100" dirty="0">
+              <a:solidFill>
+                <a:srgbClr val="7030A0"/>
+              </a:solidFill>
+            </a:endParaRPr>
+          </a:p>
+        </p:txBody>
+      </p:sp>
+      <p:sp>
+        <p:nvSpPr>
+          <p:cNvPr id="40" name="TextBox 39">
+            <a:extLst>
+              <a:ext uri="{FF2B5EF4-FFF2-40B4-BE49-F238E27FC236}">
+                <a16:creationId xmlns:a16="http://schemas.microsoft.com/office/drawing/2014/main" id="{BEA56301-D04F-40CC-8F24-00464098C4AA}"/>
+              </a:ext>
+            </a:extLst>
+          </p:cNvPr>
+          <p:cNvSpPr txBox="1"/>
+          <p:nvPr/>
+        </p:nvSpPr>
+        <p:spPr>
+          <a:xfrm>
+            <a:off x="6396831" y="3357226"/>
+            <a:ext cx="189257" cy="178683"/>
+          </a:xfrm>
+          <a:prstGeom prst="rect">
+            <a:avLst/>
+          </a:prstGeom>
+          <a:noFill/>
+        </p:spPr>
+        <p:txBody>
+          <a:bodyPr wrap="square" lIns="0" tIns="0" rIns="0" bIns="0" rtlCol="0">
+            <a:noAutofit/>
+          </a:bodyPr>
+          <a:lstStyle/>
+          <a:p>
+            <a:pPr algn="ctr"/>
+            <a:r>
+              <a:rPr lang="en-US" sz="1100" dirty="0">
+                <a:solidFill>
+                  <a:srgbClr val="7030A0"/>
+                </a:solidFill>
+              </a:rPr>
+              <a:t>1</a:t>
+            </a:r>
+            <a:endParaRPr lang="en-SG" sz="1100" dirty="0">
+              <a:solidFill>
+                <a:srgbClr val="7030A0"/>
+              </a:solidFill>
+            </a:endParaRPr>
+          </a:p>
+        </p:txBody>
+      </p:sp>
+      <p:sp>
+        <p:nvSpPr>
+          <p:cNvPr id="41" name="Rectangle 8">
+            <a:extLst>
+              <a:ext uri="{FF2B5EF4-FFF2-40B4-BE49-F238E27FC236}">
+                <a16:creationId xmlns:a16="http://schemas.microsoft.com/office/drawing/2014/main" id="{E26F98F9-A54B-4401-B990-C22365CADEA9}"/>
+              </a:ext>
+            </a:extLst>
+          </p:cNvPr>
+          <p:cNvSpPr/>
+          <p:nvPr/>
+        </p:nvSpPr>
+        <p:spPr>
+          <a:xfrm>
+            <a:off x="7659332" y="2381217"/>
+            <a:ext cx="708186" cy="285783"/>
+          </a:xfrm>
+          <a:prstGeom prst="rect">
+            <a:avLst/>
+          </a:prstGeom>
+          <a:ln w="19050">
+            <a:solidFill>
+              <a:srgbClr val="7030A0"/>
+            </a:solidFill>
+          </a:ln>
+          <a:effectLst/>
+        </p:spPr>
+        <p:style>
+          <a:lnRef idx="1">
+            <a:schemeClr val="accent4"/>
+          </a:lnRef>
+          <a:fillRef idx="2">
+            <a:schemeClr val="accent4"/>
+          </a:fillRef>
+          <a:effectRef idx="1">
+            <a:schemeClr val="accent4"/>
+          </a:effectRef>
+          <a:fontRef idx="minor">
+            <a:schemeClr val="dk1"/>
+          </a:fontRef>
+        </p:style>
+        <p:txBody>
+          <a:bodyPr rtlCol="0" anchor="ctr"/>
+          <a:lstStyle/>
+          <a:p>
+            <a:pPr algn="ctr"/>
+            <a:r>
+              <a:rPr lang="en-US" sz="1050" dirty="0">
+                <a:solidFill>
+                  <a:srgbClr val="7030A0"/>
+                </a:solidFill>
+              </a:rPr>
+              <a:t>Tag</a:t>
+            </a:r>
+            <a:endParaRPr lang="en-SG" sz="1050" dirty="0">
+              <a:solidFill>
+                <a:srgbClr val="7030A0"/>
+              </a:solidFill>
+            </a:endParaRPr>
+          </a:p>
+        </p:txBody>
+      </p:sp>
+      <p:cxnSp>
+        <p:nvCxnSpPr>
+          <p:cNvPr id="42" name="Elbow Connector 78">
+            <a:extLst>
+              <a:ext uri="{FF2B5EF4-FFF2-40B4-BE49-F238E27FC236}">
+                <a16:creationId xmlns:a16="http://schemas.microsoft.com/office/drawing/2014/main" id="{07905133-E72A-403B-81A5-F2785CA86049}"/>
+              </a:ext>
+            </a:extLst>
+          </p:cNvPr>
+          <p:cNvCxnSpPr>
+            <a:cxnSpLocks/>
+            <a:stCxn id="22" idx="3"/>
+            <a:endCxn id="41" idx="1"/>
+          </p:cNvCxnSpPr>
+          <p:nvPr/>
+        </p:nvCxnSpPr>
+        <p:spPr>
+          <a:xfrm flipV="1">
+            <a:off x="7224930" y="2524109"/>
+            <a:ext cx="434402" cy="663182"/>
+          </a:xfrm>
+          <a:prstGeom prst="bentConnector3">
+            <a:avLst>
+              <a:gd name="adj1" fmla="val 50000"/>
+            </a:avLst>
+          </a:prstGeom>
+          <a:ln w="19050">
+            <a:solidFill>
+              <a:srgbClr val="7030A0"/>
+            </a:solidFill>
+            <a:headEnd type="none" w="med" len="med"/>
+            <a:tailEnd type="arrow" w="med" len="med"/>
+          </a:ln>
+          <a:effectLst/>
+        </p:spPr>
+        <p:style>
+          <a:lnRef idx="1">
+            <a:schemeClr val="accent2"/>
+          </a:lnRef>
+          <a:fillRef idx="2">
+            <a:schemeClr val="accent2"/>
+          </a:fillRef>
+          <a:effectRef idx="1">
+            <a:schemeClr val="accent2"/>
+          </a:effectRef>
+          <a:fontRef idx="minor">
+            <a:schemeClr val="dk1"/>
+          </a:fontRef>
+        </p:style>
+      </p:cxnSp>
+      <p:sp>
+        <p:nvSpPr>
+          <p:cNvPr id="43" name="TextBox 42">
+            <a:extLst>
+              <a:ext uri="{FF2B5EF4-FFF2-40B4-BE49-F238E27FC236}">
+                <a16:creationId xmlns:a16="http://schemas.microsoft.com/office/drawing/2014/main" id="{65892FD3-25F0-44C1-A211-7B3C6CBE2F44}"/>
+              </a:ext>
+            </a:extLst>
+          </p:cNvPr>
+          <p:cNvSpPr txBox="1"/>
+          <p:nvPr/>
+        </p:nvSpPr>
+        <p:spPr>
+          <a:xfrm>
+            <a:off x="7413178" y="2408111"/>
+            <a:ext cx="189257" cy="178683"/>
+          </a:xfrm>
+          <a:prstGeom prst="rect">
+            <a:avLst/>
+          </a:prstGeom>
+          <a:noFill/>
+        </p:spPr>
+        <p:txBody>
+          <a:bodyPr wrap="square" lIns="0" tIns="0" rIns="0" bIns="0" rtlCol="0">
+            <a:noAutofit/>
+          </a:bodyPr>
+          <a:lstStyle/>
+          <a:p>
+            <a:pPr algn="ctr"/>
+            <a:r>
+              <a:rPr lang="en-US" sz="1100" dirty="0">
+                <a:solidFill>
+                  <a:srgbClr val="7030A0"/>
+                </a:solidFill>
+              </a:rPr>
+              <a:t>*</a:t>
+            </a:r>
+            <a:endParaRPr lang="en-SG" sz="1100" dirty="0">
+              <a:solidFill>
+                <a:srgbClr val="7030A0"/>
+              </a:solidFill>
+            </a:endParaRPr>
+          </a:p>
+        </p:txBody>
+      </p:sp>
+      <p:sp>
+        <p:nvSpPr>
+          <p:cNvPr id="44" name="Rectangle 8">
+            <a:extLst>
+              <a:ext uri="{FF2B5EF4-FFF2-40B4-BE49-F238E27FC236}">
+                <a16:creationId xmlns:a16="http://schemas.microsoft.com/office/drawing/2014/main" id="{D8B27A06-1D20-497F-8CF8-FAC64954B2FF}"/>
+              </a:ext>
+            </a:extLst>
+          </p:cNvPr>
+          <p:cNvSpPr/>
+          <p:nvPr/>
+        </p:nvSpPr>
+        <p:spPr>
+          <a:xfrm>
+            <a:off x="3117116" y="2150750"/>
+            <a:ext cx="1060683" cy="364396"/>
+          </a:xfrm>
+          <a:prstGeom prst="rect">
+            <a:avLst/>
+          </a:prstGeom>
+          <a:ln w="19050">
+            <a:solidFill>
+              <a:srgbClr val="7030A0"/>
+            </a:solidFill>
+          </a:ln>
+          <a:effectLst/>
+        </p:spPr>
+        <p:style>
+          <a:lnRef idx="1">
+            <a:schemeClr val="accent4"/>
+          </a:lnRef>
+          <a:fillRef idx="2">
+            <a:schemeClr val="accent4"/>
+          </a:fillRef>
+          <a:effectRef idx="1">
+            <a:schemeClr val="accent4"/>
+          </a:effectRef>
+          <a:fontRef idx="minor">
+            <a:schemeClr val="dk1"/>
+          </a:fontRef>
+        </p:style>
+        <p:txBody>
+          <a:bodyPr rtlCol="0" anchor="ctr"/>
+          <a:lstStyle/>
+          <a:p>
+            <a:pPr algn="ctr"/>
+            <a:r>
+              <a:rPr lang="en-US" sz="1050" dirty="0" err="1">
+                <a:solidFill>
+                  <a:srgbClr val="7030A0"/>
+                </a:solidFill>
+              </a:rPr>
+              <a:t>AddressBook</a:t>
+            </a:r>
+            <a:endParaRPr lang="en-SG" sz="1050" dirty="0">
+              <a:solidFill>
+                <a:srgbClr val="7030A0"/>
+              </a:solidFill>
+            </a:endParaRPr>
+          </a:p>
+        </p:txBody>
+      </p:sp>
+      <p:cxnSp>
+        <p:nvCxnSpPr>
+          <p:cNvPr id="45" name="Straight Arrow Connector 44">
+            <a:extLst>
+              <a:ext uri="{FF2B5EF4-FFF2-40B4-BE49-F238E27FC236}">
+                <a16:creationId xmlns:a16="http://schemas.microsoft.com/office/drawing/2014/main" id="{489304E3-7033-41D9-9A2B-CCA79CB7ECF4}"/>
+              </a:ext>
+            </a:extLst>
+          </p:cNvPr>
+          <p:cNvCxnSpPr>
+            <a:stCxn id="17" idx="1"/>
+            <a:endCxn id="16" idx="1"/>
+          </p:cNvCxnSpPr>
+          <p:nvPr/>
+        </p:nvCxnSpPr>
+        <p:spPr>
+          <a:xfrm>
+            <a:off x="4271907" y="3159622"/>
+            <a:ext cx="367678" cy="12320"/>
+          </a:xfrm>
+          <a:prstGeom prst="straightConnector1">
+            <a:avLst/>
+          </a:prstGeom>
+          <a:ln w="19050">
+            <a:solidFill>
+              <a:srgbClr val="7030A0"/>
+            </a:solidFill>
+            <a:headEnd type="none" w="med" len="med"/>
+            <a:tailEnd type="arrow" w="med" len="med"/>
+          </a:ln>
+          <a:effectLst/>
+        </p:spPr>
+        <p:style>
+          <a:lnRef idx="1">
+            <a:schemeClr val="accent2"/>
+          </a:lnRef>
+          <a:fillRef idx="2">
+            <a:schemeClr val="accent2"/>
+          </a:fillRef>
+          <a:effectRef idx="1">
+            <a:schemeClr val="accent2"/>
+          </a:effectRef>
+          <a:fontRef idx="minor">
+            <a:schemeClr val="dk1"/>
+          </a:fontRef>
+        </p:style>
+      </p:cxnSp>
+      <p:sp>
+        <p:nvSpPr>
+          <p:cNvPr id="46" name="Isosceles Triangle 102">
+            <a:extLst>
+              <a:ext uri="{FF2B5EF4-FFF2-40B4-BE49-F238E27FC236}">
+                <a16:creationId xmlns:a16="http://schemas.microsoft.com/office/drawing/2014/main" id="{B5DC3666-3ADC-4B78-992B-A779D03CFEFD}"/>
+              </a:ext>
+            </a:extLst>
+          </p:cNvPr>
+          <p:cNvSpPr/>
+          <p:nvPr/>
+        </p:nvSpPr>
+        <p:spPr>
+          <a:xfrm rot="16200000">
+            <a:off x="2616008" y="2221558"/>
+            <a:ext cx="271014" cy="187417"/>
+          </a:xfrm>
+          <a:prstGeom prst="triangle">
+            <a:avLst>
+              <a:gd name="adj" fmla="val 44517"/>
+            </a:avLst>
+          </a:prstGeom>
+          <a:solidFill>
+            <a:schemeClr val="accent4">
+              <a:lumMod val="20000"/>
+              <a:lumOff val="80000"/>
+            </a:schemeClr>
+          </a:solidFill>
+          <a:ln w="19050">
+            <a:solidFill>
+              <a:srgbClr val="7030A0"/>
+            </a:solidFill>
+          </a:ln>
+          <a:effectLst/>
+        </p:spPr>
+        <p:style>
+          <a:lnRef idx="1">
+            <a:schemeClr val="accent6"/>
+          </a:lnRef>
+          <a:fillRef idx="2">
+            <a:schemeClr val="accent6"/>
+          </a:fillRef>
+          <a:effectRef idx="1">
+            <a:schemeClr val="accent6"/>
+          </a:effectRef>
+          <a:fontRef idx="minor">
+            <a:schemeClr val="dk1"/>
+          </a:fontRef>
+        </p:style>
+        <p:txBody>
+          <a:bodyPr rtlCol="0" anchor="ctr"/>
+          <a:lstStyle/>
+          <a:p>
+            <a:pPr algn="ctr"/>
+            <a:endParaRPr lang="en-SG" sz="1050"/>
+          </a:p>
+        </p:txBody>
+      </p:sp>
+      <p:cxnSp>
+        <p:nvCxnSpPr>
+          <p:cNvPr id="47" name="Elbow Connector 63">
+            <a:extLst>
+              <a:ext uri="{FF2B5EF4-FFF2-40B4-BE49-F238E27FC236}">
+                <a16:creationId xmlns:a16="http://schemas.microsoft.com/office/drawing/2014/main" id="{BFC50FF5-547A-4703-80AC-5A193F3FE119}"/>
+              </a:ext>
+            </a:extLst>
+          </p:cNvPr>
+          <p:cNvCxnSpPr>
+            <a:stCxn id="46" idx="3"/>
+            <a:endCxn id="44" idx="1"/>
+          </p:cNvCxnSpPr>
+          <p:nvPr/>
+        </p:nvCxnSpPr>
+        <p:spPr>
+          <a:xfrm>
+            <a:off x="2845224" y="2330127"/>
+            <a:ext cx="271892" cy="2821"/>
+          </a:xfrm>
+          <a:prstGeom prst="bentConnector3">
+            <a:avLst>
+              <a:gd name="adj1" fmla="val 50000"/>
+            </a:avLst>
+          </a:prstGeom>
+          <a:ln w="19050">
+            <a:solidFill>
+              <a:srgbClr val="7030A0"/>
+            </a:solidFill>
+            <a:prstDash val="sysDot"/>
+            <a:headEnd type="none" w="med" len="med"/>
+            <a:tailEnd type="none" w="med" len="med"/>
+          </a:ln>
+          <a:effectLst/>
+        </p:spPr>
+        <p:style>
+          <a:lnRef idx="1">
+            <a:schemeClr val="accent2"/>
+          </a:lnRef>
+          <a:fillRef idx="2">
+            <a:schemeClr val="accent2"/>
+          </a:fillRef>
+          <a:effectRef idx="1">
+            <a:schemeClr val="accent2"/>
+          </a:effectRef>
+          <a:fontRef idx="minor">
+            <a:schemeClr val="dk1"/>
+          </a:fontRef>
+        </p:style>
+      </p:cxnSp>
+    </p:spTree>
+    <p:extLst>
+      <p:ext uri="{BB962C8B-B14F-4D97-AF65-F5344CB8AC3E}">
+        <p14:creationId xmlns:p14="http://schemas.microsoft.com/office/powerpoint/2010/main" val="981040252"/>
+      </p:ext>
+    </p:extLst>
+  </p:cSld>
+  <p:clrMapOvr>
+    <a:masterClrMapping/>
+  </p:clrMapOvr>
+</p:sld>
+</file>
+
+<file path=ppt/slides/slide2.xml><?xml version="1.0" encoding="utf-8"?>
+<p:sld xmlns:a="http://schemas.openxmlformats.org/drawingml/2006/main" xmlns:r="http://schemas.openxmlformats.org/officeDocument/2006/relationships" xmlns:p="http://schemas.openxmlformats.org/presentationml/2006/main">
+  <p:cSld>
+    <p:spTree>
+      <p:nvGrpSpPr>
+        <p:cNvPr id="1" name=""/>
+        <p:cNvGrpSpPr/>
+        <p:nvPr/>
+      </p:nvGrpSpPr>
+      <p:grpSpPr>
+        <a:xfrm>
+          <a:off x="0" y="0"/>
+          <a:ext cx="0" cy="0"/>
+          <a:chOff x="0" y="0"/>
+          <a:chExt cx="0" cy="0"/>
+        </a:xfrm>
+      </p:grpSpPr>
+      <p:sp>
+        <p:nvSpPr>
+          <p:cNvPr id="118" name="Rectangle 65"/>
+          <p:cNvSpPr/>
+          <p:nvPr/>
+        </p:nvSpPr>
+        <p:spPr>
+          <a:xfrm>
+            <a:off x="1119865" y="1676400"/>
+            <a:ext cx="7490735" cy="3059747"/>
+          </a:xfrm>
+          <a:prstGeom prst="roundRect">
+            <a:avLst>
+              <a:gd name="adj" fmla="val 3484"/>
+            </a:avLst>
+          </a:prstGeom>
+          <a:solidFill>
+            <a:schemeClr val="accent4">
+              <a:lumMod val="20000"/>
+              <a:lumOff val="80000"/>
+            </a:schemeClr>
+          </a:solidFill>
+          <a:ln w="19050">
+            <a:noFill/>
+          </a:ln>
+          <a:effectLst/>
+        </p:spPr>
+        <p:style>
+          <a:lnRef idx="1">
+            <a:schemeClr val="accent2"/>
+          </a:lnRef>
+          <a:fillRef idx="2">
+            <a:schemeClr val="accent2"/>
+          </a:fillRef>
+          <a:effectRef idx="1">
+            <a:schemeClr val="accent2"/>
+          </a:effectRef>
+          <a:fontRef idx="minor">
+            <a:schemeClr val="dk1"/>
+          </a:fontRef>
+        </p:style>
+        <p:txBody>
+          <a:bodyPr rtlCol="0" anchor="t"/>
+          <a:lstStyle/>
+          <a:p>
+            <a:r>
+              <a:rPr lang="en-US" sz="1200" b="1" dirty="0">
+                <a:solidFill>
+                  <a:srgbClr val="7030A0"/>
+                </a:solidFill>
+              </a:rPr>
+              <a:t>Model</a:t>
+            </a:r>
+            <a:endParaRPr lang="en-SG" sz="1200" b="1" dirty="0">
+              <a:solidFill>
+                <a:srgbClr val="7030A0"/>
+              </a:solidFill>
+            </a:endParaRPr>
+          </a:p>
+        </p:txBody>
+      </p:sp>
+      <p:sp>
+        <p:nvSpPr>
+          <p:cNvPr id="2" name="Rectangle 8"/>
+          <p:cNvSpPr/>
+          <p:nvPr/>
+        </p:nvSpPr>
+        <p:spPr>
+          <a:xfrm>
+            <a:off x="2877180" y="3463240"/>
+            <a:ext cx="1093635" cy="346760"/>
+          </a:xfrm>
+          <a:prstGeom prst="rect">
+            <a:avLst/>
+          </a:prstGeom>
+          <a:solidFill>
+            <a:srgbClr val="7030A0"/>
+          </a:solidFill>
+          <a:ln w="19050">
+            <a:solidFill>
+              <a:srgbClr val="7030A0"/>
+            </a:solidFill>
+          </a:ln>
+          <a:effectLst/>
+        </p:spPr>
+        <p:style>
+          <a:lnRef idx="1">
+            <a:schemeClr val="accent2"/>
+          </a:lnRef>
+          <a:fillRef idx="2">
+            <a:schemeClr val="accent2"/>
+          </a:fillRef>
+          <a:effectRef idx="1">
+            <a:schemeClr val="accent2"/>
+          </a:effectRef>
+          <a:fontRef idx="minor">
+            <a:schemeClr val="dk1"/>
+          </a:fontRef>
+        </p:style>
+        <p:txBody>
+          <a:bodyPr rtlCol="0" anchor="ctr"/>
+          <a:lstStyle/>
+          <a:p>
+            <a:pPr algn="ctr"/>
+            <a:r>
+              <a:rPr lang="en-US" sz="1050" dirty="0" err="1">
+                <a:solidFill>
+                  <a:schemeClr val="bg1"/>
+                </a:solidFill>
+              </a:rPr>
+              <a:t>UserPref</a:t>
+            </a:r>
+            <a:endParaRPr lang="en-SG" sz="1050" dirty="0">
+              <a:solidFill>
+                <a:schemeClr val="bg1"/>
+              </a:solidFill>
+            </a:endParaRPr>
+          </a:p>
+        </p:txBody>
+      </p:sp>
+      <p:sp>
+        <p:nvSpPr>
+          <p:cNvPr id="9" name="Rectangle 62"/>
+          <p:cNvSpPr/>
+          <p:nvPr/>
+        </p:nvSpPr>
+        <p:spPr>
+          <a:xfrm rot="16200000">
+            <a:off x="1661548" y="3097750"/>
+            <a:ext cx="1093635" cy="346760"/>
+          </a:xfrm>
+          <a:prstGeom prst="rect">
+            <a:avLst/>
+          </a:prstGeom>
+          <a:solidFill>
+            <a:srgbClr val="7030A0"/>
+          </a:solidFill>
+          <a:ln w="19050">
+            <a:solidFill>
+              <a:srgbClr val="7030A0"/>
+            </a:solidFill>
+          </a:ln>
+          <a:effectLst/>
+        </p:spPr>
+        <p:style>
+          <a:lnRef idx="1">
+            <a:schemeClr val="accent2"/>
+          </a:lnRef>
+          <a:fillRef idx="2">
+            <a:schemeClr val="accent2"/>
+          </a:fillRef>
+          <a:effectRef idx="1">
+            <a:schemeClr val="accent2"/>
+          </a:effectRef>
+          <a:fontRef idx="minor">
+            <a:schemeClr val="dk1"/>
+          </a:fontRef>
+        </p:style>
+        <p:txBody>
+          <a:bodyPr rtlCol="0" anchor="ctr"/>
+          <a:lstStyle/>
+          <a:p>
+            <a:pPr algn="ctr"/>
+            <a:r>
+              <a:rPr lang="en-US" sz="1050" dirty="0" err="1">
+                <a:solidFill>
+                  <a:schemeClr val="bg1"/>
+                </a:solidFill>
+              </a:rPr>
+              <a:t>ModelManager</a:t>
+            </a:r>
+            <a:endParaRPr lang="en-SG" sz="1050" dirty="0">
+              <a:solidFill>
+                <a:schemeClr val="bg1"/>
+              </a:solidFill>
+            </a:endParaRPr>
+          </a:p>
+        </p:txBody>
+      </p:sp>
+      <p:cxnSp>
+        <p:nvCxnSpPr>
           <p:cNvPr id="107" name="Elbow Connector 106"/>
           <p:cNvCxnSpPr>
             <a:cxnSpLocks/>
-            <a:stCxn id="9" idx="1"/>
-            <a:endCxn id="62" idx="2"/>
           </p:cNvCxnSpPr>
           <p:nvPr/>
         </p:nvCxnSpPr>
         <p:spPr>
           <a:xfrm rot="5400000" flipH="1" flipV="1">
-            <a:off x="4131507" y="1281685"/>
+            <a:off x="4155901" y="1308943"/>
             <a:ext cx="613122" cy="4459404"/>
           </a:xfrm>
           <a:prstGeom prst="bentConnector3">
@@ -3961,8 +6434,8 @@
         </p:nvSpPr>
         <p:spPr>
           <a:xfrm>
-            <a:off x="2825280" y="2846162"/>
-            <a:ext cx="1490560" cy="334856"/>
+            <a:off x="2786406" y="2834911"/>
+            <a:ext cx="1447688" cy="346760"/>
           </a:xfrm>
           <a:prstGeom prst="rect">
             <a:avLst/>
@@ -3994,7 +6467,7 @@
           <a:p>
             <a:pPr algn="ctr"/>
             <a:r>
-              <a:rPr lang="en-US" sz="1050" dirty="0" err="1" smtClean="0">
+              <a:rPr lang="en-US" sz="1050" dirty="0" err="1">
                 <a:solidFill>
                   <a:srgbClr val="7030A0"/>
                 </a:solidFill>
@@ -4021,7 +6494,7 @@
         <p:spPr>
           <a:xfrm>
             <a:off x="2624360" y="3003033"/>
-            <a:ext cx="200920" cy="10557"/>
+            <a:ext cx="162046" cy="5258"/>
           </a:xfrm>
           <a:prstGeom prst="straightConnector1">
             <a:avLst/>
@@ -4103,7 +6576,7 @@
         </p:nvSpPr>
         <p:spPr>
           <a:xfrm>
-            <a:off x="4692650" y="2846162"/>
+            <a:off x="4762209" y="2863434"/>
             <a:ext cx="1156969" cy="346760"/>
           </a:xfrm>
           <a:prstGeom prst="rect">
@@ -4159,7 +6632,7 @@
         </p:nvSpPr>
         <p:spPr>
           <a:xfrm>
-            <a:off x="4324972" y="2920532"/>
+            <a:off x="4233246" y="2948201"/>
             <a:ext cx="236048" cy="173380"/>
           </a:xfrm>
           <a:prstGeom prst="flowChartDecision">
@@ -4198,6 +6671,47 @@
           </a:p>
         </p:txBody>
       </p:sp>
+      <p:cxnSp>
+        <p:nvCxnSpPr>
+          <p:cNvPr id="30" name="Elbow Connector 29"/>
+          <p:cNvCxnSpPr>
+            <a:stCxn id="51" idx="3"/>
+            <a:endCxn id="49" idx="1"/>
+          </p:cNvCxnSpPr>
+          <p:nvPr/>
+        </p:nvCxnSpPr>
+        <p:spPr>
+          <a:xfrm>
+            <a:off x="4469294" y="3034891"/>
+            <a:ext cx="292915" cy="1923"/>
+          </a:xfrm>
+          <a:prstGeom prst="bentConnector3">
+            <a:avLst/>
+          </a:prstGeom>
+          <a:ln w="19050">
+            <a:solidFill>
+              <a:srgbClr val="7030A0"/>
+            </a:solidFill>
+            <a:headEnd type="none" w="med" len="med"/>
+            <a:tailEnd type="arrow" w="med" len="med"/>
+          </a:ln>
+          <a:effectLst/>
+        </p:spPr>
+        <p:style>
+          <a:lnRef idx="1">
+            <a:schemeClr val="accent2"/>
+          </a:lnRef>
+          <a:fillRef idx="2">
+            <a:schemeClr val="accent2"/>
+          </a:fillRef>
+          <a:effectRef idx="1">
+            <a:schemeClr val="accent2"/>
+          </a:effectRef>
+          <a:fontRef idx="minor">
+            <a:schemeClr val="dk1"/>
+          </a:fontRef>
+        </p:style>
+      </p:cxnSp>
       <p:sp>
         <p:nvSpPr>
           <p:cNvPr id="62" name="Rectangle 8"/>
@@ -4262,7 +6776,7 @@
         </p:nvSpPr>
         <p:spPr>
           <a:xfrm>
-            <a:off x="5858751" y="2941676"/>
+            <a:off x="5918460" y="2941065"/>
             <a:ext cx="236048" cy="173380"/>
           </a:xfrm>
           <a:prstGeom prst="flowChartDecision">
@@ -4303,6 +6817,7 @@
         <p:nvCxnSpPr>
           <p:cNvPr id="64" name="Elbow Connector 63"/>
           <p:cNvCxnSpPr>
+            <a:cxnSpLocks/>
             <a:stCxn id="63" idx="3"/>
             <a:endCxn id="62" idx="1"/>
           </p:cNvCxnSpPr>
@@ -4310,8 +6825,8 @@
         </p:nvCxnSpPr>
         <p:spPr>
           <a:xfrm>
-            <a:off x="6094799" y="3028366"/>
-            <a:ext cx="218878" cy="3080"/>
+            <a:off x="6154508" y="3027755"/>
+            <a:ext cx="159169" cy="3691"/>
           </a:xfrm>
           <a:prstGeom prst="bentConnector3">
             <a:avLst/>
@@ -4774,92 +7289,40 @@
           </a:fontRef>
         </p:style>
       </p:cxnSp>
-      <p:cxnSp>
-        <p:nvCxnSpPr>
-          <p:cNvPr id="97" name="Elbow Connector 63"/>
-          <p:cNvCxnSpPr>
-            <a:stCxn id="99" idx="3"/>
-          </p:cNvCxnSpPr>
-          <p:nvPr/>
-        </p:nvCxnSpPr>
-        <p:spPr>
-          <a:xfrm rot="5400000">
-            <a:off x="3553611" y="2687559"/>
-            <a:ext cx="293825" cy="5938"/>
-          </a:xfrm>
-          <a:prstGeom prst="bentConnector3">
-            <a:avLst>
-              <a:gd name="adj1" fmla="val 50000"/>
-            </a:avLst>
-          </a:prstGeom>
-          <a:ln w="19050">
-            <a:solidFill>
-              <a:srgbClr val="7030A0"/>
-            </a:solidFill>
-            <a:prstDash val="sysDot"/>
-            <a:headEnd type="none" w="med" len="med"/>
-            <a:tailEnd type="none" w="med" len="med"/>
-          </a:ln>
-          <a:effectLst/>
-        </p:spPr>
-        <p:style>
-          <a:lnRef idx="1">
-            <a:schemeClr val="accent2"/>
-          </a:lnRef>
-          <a:fillRef idx="2">
-            <a:schemeClr val="accent2"/>
-          </a:fillRef>
-          <a:effectRef idx="1">
-            <a:schemeClr val="accent2"/>
-          </a:effectRef>
-          <a:fontRef idx="minor">
-            <a:schemeClr val="dk1"/>
-          </a:fontRef>
-        </p:style>
-      </p:cxnSp>
-      <p:sp>
-        <p:nvSpPr>
-          <p:cNvPr id="99" name="Isosceles Triangle 102"/>
-          <p:cNvSpPr/>
-          <p:nvPr/>
-        </p:nvSpPr>
-        <p:spPr>
-          <a:xfrm rot="10800000" flipV="1">
-            <a:off x="3562299" y="2386554"/>
-            <a:ext cx="282387" cy="157062"/>
-          </a:xfrm>
-          <a:prstGeom prst="triangle">
-            <a:avLst/>
-          </a:prstGeom>
-          <a:ln w="19050">
-            <a:solidFill>
-              <a:srgbClr val="7030A0"/>
-            </a:solidFill>
-          </a:ln>
-          <a:effectLst/>
-        </p:spPr>
-        <p:style>
-          <a:lnRef idx="1">
-            <a:schemeClr val="accent4"/>
-          </a:lnRef>
-          <a:fillRef idx="2">
-            <a:schemeClr val="accent4"/>
-          </a:fillRef>
-          <a:effectRef idx="1">
-            <a:schemeClr val="accent4"/>
-          </a:effectRef>
-          <a:fontRef idx="minor">
-            <a:schemeClr val="dk1"/>
-          </a:fontRef>
-        </p:style>
-        <p:txBody>
-          <a:bodyPr rtlCol="0" anchor="ctr"/>
-          <a:lstStyle/>
-          <a:p>
-            <a:pPr algn="ctr"/>
-            <a:endParaRPr lang="en-SG" sz="1050" b="1">
+      <p:sp>
+        <p:nvSpPr>
+          <p:cNvPr id="114" name="TextBox 113"/>
+          <p:cNvSpPr txBox="1"/>
+          <p:nvPr/>
+        </p:nvSpPr>
+        <p:spPr>
+          <a:xfrm rot="16200000">
+            <a:off x="6362886" y="3586305"/>
+            <a:ext cx="881018" cy="261610"/>
+          </a:xfrm>
+          <a:prstGeom prst="rect">
+            <a:avLst/>
+          </a:prstGeom>
+          <a:noFill/>
+        </p:spPr>
+        <p:txBody>
+          <a:bodyPr wrap="square" rtlCol="0">
+            <a:spAutoFit/>
+          </a:bodyPr>
+          <a:lstStyle/>
+          <a:p>
+            <a:pPr algn="r"/>
+            <a:r>
+              <a:rPr lang="en-US" sz="1100" dirty="0">
+                <a:solidFill>
+                  <a:srgbClr val="7030A0"/>
+                </a:solidFill>
+              </a:rPr>
+              <a:t>filtered list</a:t>
+            </a:r>
+            <a:endParaRPr lang="en-SG" sz="1100" dirty="0">
               <a:solidFill>
-                <a:srgbClr val="92D050"/>
+                <a:srgbClr val="7030A0"/>
               </a:solidFill>
             </a:endParaRPr>
           </a:p>
@@ -4867,14 +7330,14 @@
       </p:sp>
       <p:sp>
         <p:nvSpPr>
-          <p:cNvPr id="100" name="Rectangle 8"/>
+          <p:cNvPr id="122" name="Rectangle 8"/>
           <p:cNvSpPr/>
           <p:nvPr/>
         </p:nvSpPr>
         <p:spPr>
           <a:xfrm>
-            <a:off x="1260922" y="1998350"/>
-            <a:ext cx="1443661" cy="364396"/>
+            <a:off x="2057401" y="4239491"/>
+            <a:ext cx="1066800" cy="346760"/>
           </a:xfrm>
           <a:prstGeom prst="rect">
             <a:avLst/>
@@ -4912,124 +7375,6 @@
                 </a:solidFill>
               </a:rPr>
               <a:t>&lt;&lt;interface&gt;&gt;</a:t>
-            </a:r>
-            <a:br>
-              <a:rPr lang="en-US" sz="1050" dirty="0">
-                <a:solidFill>
-                  <a:srgbClr val="7030A0"/>
-                </a:solidFill>
-              </a:rPr>
-            </a:br>
-            <a:r>
-              <a:rPr lang="en-US" sz="1050" dirty="0" err="1">
-                <a:solidFill>
-                  <a:srgbClr val="7030A0"/>
-                </a:solidFill>
-              </a:rPr>
-              <a:t>ReadOnlyAddressBook</a:t>
-            </a:r>
-            <a:endParaRPr lang="en-SG" sz="1050" dirty="0">
-              <a:solidFill>
-                <a:srgbClr val="7030A0"/>
-              </a:solidFill>
-            </a:endParaRPr>
-          </a:p>
-        </p:txBody>
-      </p:sp>
-      <p:sp>
-        <p:nvSpPr>
-          <p:cNvPr id="114" name="TextBox 113"/>
-          <p:cNvSpPr txBox="1"/>
-          <p:nvPr/>
-        </p:nvSpPr>
-        <p:spPr>
-          <a:xfrm rot="16200000">
-            <a:off x="6362886" y="3586305"/>
-            <a:ext cx="881018" cy="261610"/>
-          </a:xfrm>
-          <a:prstGeom prst="rect">
-            <a:avLst/>
-          </a:prstGeom>
-          <a:noFill/>
-        </p:spPr>
-        <p:txBody>
-          <a:bodyPr wrap="square" rtlCol="0">
-            <a:spAutoFit/>
-          </a:bodyPr>
-          <a:lstStyle/>
-          <a:p>
-            <a:pPr algn="r"/>
-            <a:r>
-              <a:rPr lang="en-US" sz="1100" dirty="0">
-                <a:solidFill>
-                  <a:srgbClr val="7030A0"/>
-                </a:solidFill>
-              </a:rPr>
-              <a:t>filtered list</a:t>
-            </a:r>
-            <a:endParaRPr lang="en-SG" sz="1100" dirty="0">
-              <a:solidFill>
-                <a:srgbClr val="7030A0"/>
-              </a:solidFill>
-            </a:endParaRPr>
-          </a:p>
-        </p:txBody>
-      </p:sp>
-      <p:sp>
-        <p:nvSpPr>
-          <p:cNvPr id="122" name="Rectangle 8"/>
-          <p:cNvSpPr/>
-          <p:nvPr/>
-        </p:nvSpPr>
-        <p:spPr>
-          <a:xfrm>
-            <a:off x="2057401" y="4239491"/>
-            <a:ext cx="1066800" cy="346760"/>
-          </a:xfrm>
-          <a:prstGeom prst="rect">
-            <a:avLst/>
-          </a:prstGeom>
-          <a:ln w="19050">
-            <a:solidFill>
-              <a:srgbClr val="7030A0"/>
-            </a:solidFill>
-          </a:ln>
-          <a:effectLst/>
-        </p:spPr>
-        <p:style>
-          <a:lnRef idx="1">
-            <a:schemeClr val="accent4"/>
-          </a:lnRef>
-          <a:fillRef idx="2">
-            <a:schemeClr val="accent4"/>
-          </a:fillRef>
-          <a:effectRef idx="1">
-            <a:schemeClr val="accent4"/>
-          </a:effectRef>
-          <a:fontRef idx="minor">
-            <a:schemeClr val="dk1"/>
-          </a:fontRef>
-        </p:style>
-        <p:txBody>
-          <a:bodyPr rtlCol="0" anchor="ctr"/>
-          <a:lstStyle/>
-          <a:p>
-            <a:pPr algn="ctr"/>
-            <a:r>
-              <a:rPr lang="en-US" sz="1050" dirty="0">
-                <a:solidFill>
-                  <a:srgbClr val="7030A0"/>
-                </a:solidFill>
-              </a:rPr>
-              <a:t>&lt;&lt;interface&gt;&gt;</a:t>
-            </a:r>
-            <a:r>
-              <a:rPr lang="en-US" sz="1050">
-                <a:solidFill>
-                  <a:srgbClr val="7030A0"/>
-                </a:solidFill>
-              </a:rPr>
-              <a:t/>
             </a:r>
             <a:br>
               <a:rPr lang="en-US" sz="1050">
@@ -5104,7 +7449,7 @@
         </p:nvSpPr>
         <p:spPr>
           <a:xfrm>
-            <a:off x="4429979" y="3111479"/>
+            <a:off x="4324972" y="3058864"/>
             <a:ext cx="189257" cy="178683"/>
           </a:xfrm>
           <a:prstGeom prst="rect">
@@ -5182,8 +7527,8 @@
         </p:nvSpPr>
         <p:spPr>
           <a:xfrm>
-            <a:off x="2573394" y="2756715"/>
-            <a:ext cx="170110" cy="137542"/>
+            <a:off x="2560167" y="2753818"/>
+            <a:ext cx="78378" cy="193767"/>
           </a:xfrm>
           <a:prstGeom prst="rect">
             <a:avLst/>
@@ -5305,8 +7650,8 @@
         </p:nvSpPr>
         <p:spPr>
           <a:xfrm>
-            <a:off x="7712397" y="2228817"/>
-            <a:ext cx="708186" cy="285783"/>
+            <a:off x="4755872" y="2206861"/>
+            <a:ext cx="1156969" cy="285783"/>
           </a:xfrm>
           <a:prstGeom prst="rect">
             <a:avLst/>
@@ -5338,12 +7683,12 @@
           <a:p>
             <a:pPr algn="ctr"/>
             <a:r>
-              <a:rPr lang="en-US" sz="1050" dirty="0">
+              <a:rPr lang="en-US" sz="1050" dirty="0" err="1">
                 <a:solidFill>
                   <a:srgbClr val="7030A0"/>
                 </a:solidFill>
               </a:rPr>
-              <a:t>Tag</a:t>
+              <a:t>UniqueTagList</a:t>
             </a:r>
             <a:endParaRPr lang="en-SG" sz="1050" dirty="0">
               <a:solidFill>
@@ -5364,20 +7709,18 @@
           </p:cNvPr>
           <p:cNvCxnSpPr>
             <a:cxnSpLocks/>
-            <a:stCxn id="78" idx="3"/>
+            <a:stCxn id="54" idx="0"/>
             <a:endCxn id="52" idx="1"/>
           </p:cNvCxnSpPr>
           <p:nvPr/>
         </p:nvCxnSpPr>
         <p:spPr>
-          <a:xfrm flipV="1">
-            <a:off x="7277995" y="2371709"/>
-            <a:ext cx="434402" cy="663182"/>
-          </a:xfrm>
-          <a:prstGeom prst="bentConnector3">
-            <a:avLst>
-              <a:gd name="adj1" fmla="val 50000"/>
-            </a:avLst>
+          <a:xfrm rot="5400000" flipH="1" flipV="1">
+            <a:off x="4233181" y="2536174"/>
+            <a:ext cx="709111" cy="336271"/>
+          </a:xfrm>
+          <a:prstGeom prst="bentConnector2">
+            <a:avLst/>
           </a:prstGeom>
           <a:ln w="19050">
             <a:solidFill>
@@ -5417,7 +7760,7 @@
         </p:nvSpPr>
         <p:spPr>
           <a:xfrm>
-            <a:off x="7466243" y="2255711"/>
+            <a:off x="6714344" y="2430721"/>
             <a:ext cx="189257" cy="178683"/>
           </a:xfrm>
           <a:prstGeom prst="rect">
@@ -5450,13 +7793,528 @@
       </p:sp>
       <p:sp>
         <p:nvSpPr>
-          <p:cNvPr id="55" name="Rectangle 8"/>
+          <p:cNvPr id="55" name="Flowchart: Decision 96">
+            <a:extLst>
+              <a:ext uri="{FF2B5EF4-FFF2-40B4-BE49-F238E27FC236}">
+                <a16:creationId xmlns:a16="http://schemas.microsoft.com/office/drawing/2014/main" id="{B9F96195-942D-4692-91B7-CF34229E7461}"/>
+              </a:ext>
+            </a:extLst>
+          </p:cNvPr>
           <p:cNvSpPr/>
           <p:nvPr/>
         </p:nvSpPr>
         <p:spPr>
-          <a:xfrm>
-            <a:off x="3170181" y="1998350"/>
+          <a:xfrm rot="16200000">
+            <a:off x="6553482" y="2664721"/>
+            <a:ext cx="236048" cy="173380"/>
+          </a:xfrm>
+          <a:prstGeom prst="flowChartDecision">
+            <a:avLst/>
+          </a:prstGeom>
+          <a:noFill/>
+          <a:ln w="19050">
+            <a:solidFill>
+              <a:srgbClr val="7030A0"/>
+            </a:solidFill>
+          </a:ln>
+          <a:effectLst/>
+        </p:spPr>
+        <p:style>
+          <a:lnRef idx="1">
+            <a:schemeClr val="accent6"/>
+          </a:lnRef>
+          <a:fillRef idx="2">
+            <a:schemeClr val="accent6"/>
+          </a:fillRef>
+          <a:effectRef idx="1">
+            <a:schemeClr val="accent6"/>
+          </a:effectRef>
+          <a:fontRef idx="minor">
+            <a:schemeClr val="dk1"/>
+          </a:fontRef>
+        </p:style>
+        <p:txBody>
+          <a:bodyPr rtlCol="0" anchor="ctr"/>
+          <a:lstStyle/>
+          <a:p>
+            <a:pPr algn="ctr"/>
+            <a:endParaRPr lang="en-US" sz="1050"/>
+          </a:p>
+        </p:txBody>
+      </p:sp>
+      <p:cxnSp>
+        <p:nvCxnSpPr>
+          <p:cNvPr id="59" name="Elbow Connector 63">
+            <a:extLst>
+              <a:ext uri="{FF2B5EF4-FFF2-40B4-BE49-F238E27FC236}">
+                <a16:creationId xmlns:a16="http://schemas.microsoft.com/office/drawing/2014/main" id="{E2D6A56C-A223-4236-A1F0-7EFEBA2FC940}"/>
+              </a:ext>
+            </a:extLst>
+          </p:cNvPr>
+          <p:cNvCxnSpPr>
+            <a:cxnSpLocks/>
+            <a:endCxn id="67" idx="1"/>
+          </p:cNvCxnSpPr>
+          <p:nvPr/>
+        </p:nvCxnSpPr>
+        <p:spPr>
+          <a:xfrm flipV="1">
+            <a:off x="5884280" y="2233006"/>
+            <a:ext cx="432916" cy="111294"/>
+          </a:xfrm>
+          <a:prstGeom prst="bentConnector3">
+            <a:avLst/>
+          </a:prstGeom>
+          <a:ln w="19050">
+            <a:solidFill>
+              <a:srgbClr val="7030A0"/>
+            </a:solidFill>
+            <a:headEnd type="none" w="med" len="med"/>
+            <a:tailEnd type="arrow" w="med" len="med"/>
+          </a:ln>
+          <a:effectLst/>
+        </p:spPr>
+        <p:style>
+          <a:lnRef idx="1">
+            <a:schemeClr val="accent2"/>
+          </a:lnRef>
+          <a:fillRef idx="2">
+            <a:schemeClr val="accent2"/>
+          </a:fillRef>
+          <a:effectRef idx="1">
+            <a:schemeClr val="accent2"/>
+          </a:effectRef>
+          <a:fontRef idx="minor">
+            <a:schemeClr val="dk1"/>
+          </a:fontRef>
+        </p:style>
+      </p:cxnSp>
+      <p:sp>
+        <p:nvSpPr>
+          <p:cNvPr id="67" name="Rectangle 8">
+            <a:extLst>
+              <a:ext uri="{FF2B5EF4-FFF2-40B4-BE49-F238E27FC236}">
+                <a16:creationId xmlns:a16="http://schemas.microsoft.com/office/drawing/2014/main" id="{36D68104-33BB-4C8F-B764-F3F0B25E592B}"/>
+              </a:ext>
+            </a:extLst>
+          </p:cNvPr>
+          <p:cNvSpPr/>
+          <p:nvPr/>
+        </p:nvSpPr>
+        <p:spPr>
+          <a:xfrm>
+            <a:off x="6317196" y="2059626"/>
+            <a:ext cx="708186" cy="346760"/>
+          </a:xfrm>
+          <a:prstGeom prst="rect">
+            <a:avLst/>
+          </a:prstGeom>
+          <a:ln w="19050">
+            <a:solidFill>
+              <a:srgbClr val="7030A0"/>
+            </a:solidFill>
+          </a:ln>
+          <a:effectLst/>
+        </p:spPr>
+        <p:style>
+          <a:lnRef idx="1">
+            <a:schemeClr val="accent4"/>
+          </a:lnRef>
+          <a:fillRef idx="2">
+            <a:schemeClr val="accent4"/>
+          </a:fillRef>
+          <a:effectRef idx="1">
+            <a:schemeClr val="accent4"/>
+          </a:effectRef>
+          <a:fontRef idx="minor">
+            <a:schemeClr val="dk1"/>
+          </a:fontRef>
+        </p:style>
+        <p:txBody>
+          <a:bodyPr rtlCol="0" anchor="ctr"/>
+          <a:lstStyle/>
+          <a:p>
+            <a:pPr algn="ctr"/>
+            <a:r>
+              <a:rPr lang="en-US" sz="1050" dirty="0">
+                <a:solidFill>
+                  <a:srgbClr val="7030A0"/>
+                </a:solidFill>
+              </a:rPr>
+              <a:t>Tag</a:t>
+            </a:r>
+            <a:endParaRPr lang="en-SG" sz="1050" dirty="0">
+              <a:solidFill>
+                <a:srgbClr val="7030A0"/>
+              </a:solidFill>
+            </a:endParaRPr>
+          </a:p>
+        </p:txBody>
+      </p:sp>
+      <p:sp>
+        <p:nvSpPr>
+          <p:cNvPr id="68" name="TextBox 67">
+            <a:extLst>
+              <a:ext uri="{FF2B5EF4-FFF2-40B4-BE49-F238E27FC236}">
+                <a16:creationId xmlns:a16="http://schemas.microsoft.com/office/drawing/2014/main" id="{18A2ABF0-4DA8-43EE-BACE-A737C4E4CFEC}"/>
+              </a:ext>
+            </a:extLst>
+          </p:cNvPr>
+          <p:cNvSpPr txBox="1"/>
+          <p:nvPr/>
+        </p:nvSpPr>
+        <p:spPr>
+          <a:xfrm>
+            <a:off x="6135256" y="2278014"/>
+            <a:ext cx="189257" cy="178683"/>
+          </a:xfrm>
+          <a:prstGeom prst="rect">
+            <a:avLst/>
+          </a:prstGeom>
+          <a:noFill/>
+        </p:spPr>
+        <p:txBody>
+          <a:bodyPr wrap="square" lIns="0" tIns="0" rIns="0" bIns="0" rtlCol="0">
+            <a:noAutofit/>
+          </a:bodyPr>
+          <a:lstStyle/>
+          <a:p>
+            <a:pPr algn="ctr"/>
+            <a:r>
+              <a:rPr lang="en-US" sz="1100" dirty="0">
+                <a:solidFill>
+                  <a:srgbClr val="7030A0"/>
+                </a:solidFill>
+              </a:rPr>
+              <a:t>*</a:t>
+            </a:r>
+            <a:endParaRPr lang="en-SG" sz="1100" dirty="0">
+              <a:solidFill>
+                <a:srgbClr val="7030A0"/>
+              </a:solidFill>
+            </a:endParaRPr>
+          </a:p>
+        </p:txBody>
+      </p:sp>
+      <p:sp>
+        <p:nvSpPr>
+          <p:cNvPr id="69" name="TextBox 68">
+            <a:extLst>
+              <a:ext uri="{FF2B5EF4-FFF2-40B4-BE49-F238E27FC236}">
+                <a16:creationId xmlns:a16="http://schemas.microsoft.com/office/drawing/2014/main" id="{8CF9406A-39C7-4163-8880-BB65541FC08E}"/>
+              </a:ext>
+            </a:extLst>
+          </p:cNvPr>
+          <p:cNvSpPr txBox="1"/>
+          <p:nvPr/>
+        </p:nvSpPr>
+        <p:spPr>
+          <a:xfrm>
+            <a:off x="4367100" y="2172972"/>
+            <a:ext cx="189257" cy="178683"/>
+          </a:xfrm>
+          <a:prstGeom prst="rect">
+            <a:avLst/>
+          </a:prstGeom>
+          <a:noFill/>
+        </p:spPr>
+        <p:txBody>
+          <a:bodyPr wrap="square" lIns="0" tIns="0" rIns="0" bIns="0" rtlCol="0">
+            <a:noAutofit/>
+          </a:bodyPr>
+          <a:lstStyle/>
+          <a:p>
+            <a:pPr algn="ctr"/>
+            <a:r>
+              <a:rPr lang="en-US" sz="1100" dirty="0">
+                <a:solidFill>
+                  <a:srgbClr val="7030A0"/>
+                </a:solidFill>
+              </a:rPr>
+              <a:t>1</a:t>
+            </a:r>
+            <a:endParaRPr lang="en-SG" sz="1100" dirty="0">
+              <a:solidFill>
+                <a:srgbClr val="7030A0"/>
+              </a:solidFill>
+            </a:endParaRPr>
+          </a:p>
+        </p:txBody>
+      </p:sp>
+      <p:sp>
+        <p:nvSpPr>
+          <p:cNvPr id="71" name="Flowchart: Decision 96">
+            <a:extLst>
+              <a:ext uri="{FF2B5EF4-FFF2-40B4-BE49-F238E27FC236}">
+                <a16:creationId xmlns:a16="http://schemas.microsoft.com/office/drawing/2014/main" id="{233007D4-EEA2-4CA6-ACFE-1517B654224E}"/>
+              </a:ext>
+            </a:extLst>
+          </p:cNvPr>
+          <p:cNvSpPr/>
+          <p:nvPr/>
+        </p:nvSpPr>
+        <p:spPr>
+          <a:xfrm>
+            <a:off x="5911329" y="2262081"/>
+            <a:ext cx="236048" cy="173380"/>
+          </a:xfrm>
+          <a:prstGeom prst="flowChartDecision">
+            <a:avLst/>
+          </a:prstGeom>
+          <a:solidFill>
+            <a:srgbClr val="7030A0"/>
+          </a:solidFill>
+          <a:ln w="19050">
+            <a:solidFill>
+              <a:srgbClr val="7030A0"/>
+            </a:solidFill>
+          </a:ln>
+          <a:effectLst/>
+        </p:spPr>
+        <p:style>
+          <a:lnRef idx="1">
+            <a:schemeClr val="accent6"/>
+          </a:lnRef>
+          <a:fillRef idx="2">
+            <a:schemeClr val="accent6"/>
+          </a:fillRef>
+          <a:effectRef idx="1">
+            <a:schemeClr val="accent6"/>
+          </a:effectRef>
+          <a:fontRef idx="minor">
+            <a:schemeClr val="dk1"/>
+          </a:fontRef>
+        </p:style>
+        <p:txBody>
+          <a:bodyPr rtlCol="0" anchor="ctr"/>
+          <a:lstStyle/>
+          <a:p>
+            <a:pPr algn="ctr"/>
+            <a:endParaRPr lang="en-US" sz="1050"/>
+          </a:p>
+        </p:txBody>
+      </p:sp>
+      <p:cxnSp>
+        <p:nvCxnSpPr>
+          <p:cNvPr id="72" name="Elbow Connector 78">
+            <a:extLst>
+              <a:ext uri="{FF2B5EF4-FFF2-40B4-BE49-F238E27FC236}">
+                <a16:creationId xmlns:a16="http://schemas.microsoft.com/office/drawing/2014/main" id="{D5DFB8C5-B0B0-46C1-967B-4449112ABD6F}"/>
+              </a:ext>
+            </a:extLst>
+          </p:cNvPr>
+          <p:cNvCxnSpPr>
+            <a:cxnSpLocks/>
+            <a:stCxn id="55" idx="3"/>
+            <a:endCxn id="67" idx="2"/>
+          </p:cNvCxnSpPr>
+          <p:nvPr/>
+        </p:nvCxnSpPr>
+        <p:spPr>
+          <a:xfrm rot="16200000" flipV="1">
+            <a:off x="6557898" y="2519778"/>
+            <a:ext cx="227001" cy="217"/>
+          </a:xfrm>
+          <a:prstGeom prst="bentConnector3">
+            <a:avLst>
+              <a:gd name="adj1" fmla="val 50000"/>
+            </a:avLst>
+          </a:prstGeom>
+          <a:ln w="19050">
+            <a:solidFill>
+              <a:srgbClr val="7030A0"/>
+            </a:solidFill>
+            <a:headEnd type="none" w="med" len="med"/>
+            <a:tailEnd type="arrow" w="med" len="med"/>
+          </a:ln>
+          <a:effectLst/>
+        </p:spPr>
+        <p:style>
+          <a:lnRef idx="1">
+            <a:schemeClr val="accent2"/>
+          </a:lnRef>
+          <a:fillRef idx="2">
+            <a:schemeClr val="accent2"/>
+          </a:fillRef>
+          <a:effectRef idx="1">
+            <a:schemeClr val="accent2"/>
+          </a:effectRef>
+          <a:fontRef idx="minor">
+            <a:schemeClr val="dk1"/>
+          </a:fontRef>
+        </p:style>
+      </p:cxnSp>
+      <p:cxnSp>
+        <p:nvCxnSpPr>
+          <p:cNvPr id="90" name="Elbow Connector 63"/>
+          <p:cNvCxnSpPr>
+            <a:stCxn id="91" idx="3"/>
+          </p:cNvCxnSpPr>
+          <p:nvPr/>
+        </p:nvCxnSpPr>
+        <p:spPr>
+          <a:xfrm rot="5400000">
+            <a:off x="3470636" y="2687353"/>
+            <a:ext cx="293825" cy="5938"/>
+          </a:xfrm>
+          <a:prstGeom prst="bentConnector3">
+            <a:avLst>
+              <a:gd name="adj1" fmla="val 50000"/>
+            </a:avLst>
+          </a:prstGeom>
+          <a:ln w="19050">
+            <a:solidFill>
+              <a:srgbClr val="7030A0"/>
+            </a:solidFill>
+            <a:prstDash val="sysDot"/>
+            <a:headEnd type="none" w="med" len="med"/>
+            <a:tailEnd type="none" w="med" len="med"/>
+          </a:ln>
+          <a:effectLst/>
+        </p:spPr>
+        <p:style>
+          <a:lnRef idx="1">
+            <a:schemeClr val="accent2"/>
+          </a:lnRef>
+          <a:fillRef idx="2">
+            <a:schemeClr val="accent2"/>
+          </a:fillRef>
+          <a:effectRef idx="1">
+            <a:schemeClr val="accent2"/>
+          </a:effectRef>
+          <a:fontRef idx="minor">
+            <a:schemeClr val="dk1"/>
+          </a:fontRef>
+        </p:style>
+      </p:cxnSp>
+      <p:sp>
+        <p:nvSpPr>
+          <p:cNvPr id="91" name="Isosceles Triangle 102"/>
+          <p:cNvSpPr/>
+          <p:nvPr/>
+        </p:nvSpPr>
+        <p:spPr>
+          <a:xfrm rot="10800000" flipV="1">
+            <a:off x="3479324" y="2386348"/>
+            <a:ext cx="282387" cy="157062"/>
+          </a:xfrm>
+          <a:prstGeom prst="triangle">
+            <a:avLst/>
+          </a:prstGeom>
+          <a:ln w="19050">
+            <a:solidFill>
+              <a:srgbClr val="7030A0"/>
+            </a:solidFill>
+          </a:ln>
+          <a:effectLst/>
+        </p:spPr>
+        <p:style>
+          <a:lnRef idx="1">
+            <a:schemeClr val="accent4"/>
+          </a:lnRef>
+          <a:fillRef idx="2">
+            <a:schemeClr val="accent4"/>
+          </a:fillRef>
+          <a:effectRef idx="1">
+            <a:schemeClr val="accent4"/>
+          </a:effectRef>
+          <a:fontRef idx="minor">
+            <a:schemeClr val="dk1"/>
+          </a:fontRef>
+        </p:style>
+        <p:txBody>
+          <a:bodyPr rtlCol="0" anchor="ctr"/>
+          <a:lstStyle/>
+          <a:p>
+            <a:pPr algn="ctr"/>
+            <a:endParaRPr lang="en-SG" sz="1050" b="1">
+              <a:solidFill>
+                <a:srgbClr val="92D050"/>
+              </a:solidFill>
+            </a:endParaRPr>
+          </a:p>
+        </p:txBody>
+      </p:sp>
+      <p:sp>
+        <p:nvSpPr>
+          <p:cNvPr id="92" name="Rectangle 8"/>
+          <p:cNvSpPr/>
+          <p:nvPr/>
+        </p:nvSpPr>
+        <p:spPr>
+          <a:xfrm>
+            <a:off x="1177947" y="1998144"/>
+            <a:ext cx="1443661" cy="364396"/>
+          </a:xfrm>
+          <a:prstGeom prst="rect">
+            <a:avLst/>
+          </a:prstGeom>
+          <a:ln w="19050">
+            <a:solidFill>
+              <a:srgbClr val="7030A0"/>
+            </a:solidFill>
+          </a:ln>
+          <a:effectLst/>
+        </p:spPr>
+        <p:style>
+          <a:lnRef idx="1">
+            <a:schemeClr val="accent4"/>
+          </a:lnRef>
+          <a:fillRef idx="2">
+            <a:schemeClr val="accent4"/>
+          </a:fillRef>
+          <a:effectRef idx="1">
+            <a:schemeClr val="accent4"/>
+          </a:effectRef>
+          <a:fontRef idx="minor">
+            <a:schemeClr val="dk1"/>
+          </a:fontRef>
+        </p:style>
+        <p:txBody>
+          <a:bodyPr rtlCol="0" anchor="ctr"/>
+          <a:lstStyle/>
+          <a:p>
+            <a:pPr algn="ctr"/>
+            <a:r>
+              <a:rPr lang="en-US" sz="1050" dirty="0">
+                <a:solidFill>
+                  <a:srgbClr val="7030A0"/>
+                </a:solidFill>
+              </a:rPr>
+              <a:t>&lt;&lt;interface&gt;&gt;</a:t>
+            </a:r>
+            <a:br>
+              <a:rPr lang="en-US" sz="1050" dirty="0">
+                <a:solidFill>
+                  <a:srgbClr val="7030A0"/>
+                </a:solidFill>
+              </a:rPr>
+            </a:br>
+            <a:r>
+              <a:rPr lang="en-US" sz="1050" dirty="0" err="1">
+                <a:solidFill>
+                  <a:srgbClr val="7030A0"/>
+                </a:solidFill>
+              </a:rPr>
+              <a:t>ReadOnlyAddressBook</a:t>
+            </a:r>
+            <a:endParaRPr lang="en-SG" sz="1050" dirty="0">
+              <a:solidFill>
+                <a:srgbClr val="7030A0"/>
+              </a:solidFill>
+            </a:endParaRPr>
+          </a:p>
+        </p:txBody>
+      </p:sp>
+      <p:sp>
+        <p:nvSpPr>
+          <p:cNvPr id="93" name="Rectangle 8"/>
+          <p:cNvSpPr/>
+          <p:nvPr/>
+        </p:nvSpPr>
+        <p:spPr>
+          <a:xfrm>
+            <a:off x="3087206" y="1998144"/>
             <a:ext cx="1060683" cy="364396"/>
           </a:xfrm>
           <a:prstGeom prst="rect">
@@ -5504,56 +8362,15 @@
           </a:p>
         </p:txBody>
       </p:sp>
-      <p:cxnSp>
-        <p:nvCxnSpPr>
-          <p:cNvPr id="60" name="Straight Arrow Connector 59"/>
-          <p:cNvCxnSpPr>
-            <a:stCxn id="51" idx="1"/>
-            <a:endCxn id="49" idx="1"/>
-          </p:cNvCxnSpPr>
-          <p:nvPr/>
-        </p:nvCxnSpPr>
-        <p:spPr>
-          <a:xfrm>
-            <a:off x="4324972" y="3007222"/>
-            <a:ext cx="367678" cy="12320"/>
-          </a:xfrm>
-          <a:prstGeom prst="straightConnector1">
-            <a:avLst/>
-          </a:prstGeom>
-          <a:ln w="19050">
-            <a:solidFill>
-              <a:srgbClr val="7030A0"/>
-            </a:solidFill>
-            <a:headEnd type="none" w="med" len="med"/>
-            <a:tailEnd type="arrow" w="med" len="med"/>
-          </a:ln>
-          <a:effectLst/>
-        </p:spPr>
-        <p:style>
-          <a:lnRef idx="1">
-            <a:schemeClr val="accent2"/>
-          </a:lnRef>
-          <a:fillRef idx="2">
-            <a:schemeClr val="accent2"/>
-          </a:fillRef>
-          <a:effectRef idx="1">
-            <a:schemeClr val="accent2"/>
-          </a:effectRef>
-          <a:fontRef idx="minor">
-            <a:schemeClr val="dk1"/>
-          </a:fontRef>
-        </p:style>
-      </p:cxnSp>
-      <p:sp>
-        <p:nvSpPr>
-          <p:cNvPr id="68" name="Isosceles Triangle 102"/>
+      <p:sp>
+        <p:nvSpPr>
+          <p:cNvPr id="94" name="Isosceles Triangle 102"/>
           <p:cNvSpPr/>
           <p:nvPr/>
         </p:nvSpPr>
         <p:spPr>
           <a:xfrm rot="16200000">
-            <a:off x="2669073" y="2069158"/>
+            <a:off x="2586098" y="2068952"/>
             <a:ext cx="271014" cy="187417"/>
           </a:xfrm>
           <a:prstGeom prst="triangle">
@@ -5599,16 +8416,16 @@
       </p:sp>
       <p:cxnSp>
         <p:nvCxnSpPr>
-          <p:cNvPr id="69" name="Elbow Connector 63"/>
+          <p:cNvPr id="95" name="Elbow Connector 63"/>
           <p:cNvCxnSpPr>
-            <a:stCxn id="68" idx="3"/>
-            <a:endCxn id="55" idx="1"/>
+            <a:stCxn id="94" idx="3"/>
+            <a:endCxn id="93" idx="1"/>
           </p:cNvCxnSpPr>
           <p:nvPr/>
         </p:nvCxnSpPr>
         <p:spPr>
           <a:xfrm>
-            <a:off x="2898289" y="2177727"/>
+            <a:off x="2815314" y="2177521"/>
             <a:ext cx="271892" cy="2821"/>
           </a:xfrm>
           <a:prstGeom prst="bentConnector3">
@@ -5641,6 +8458,3369 @@
           </a:fontRef>
         </p:style>
       </p:cxnSp>
+    </p:spTree>
+    <p:extLst>
+      <p:ext uri="{BB962C8B-B14F-4D97-AF65-F5344CB8AC3E}">
+        <p14:creationId xmlns:p14="http://schemas.microsoft.com/office/powerpoint/2010/main" val="859478087"/>
+      </p:ext>
+    </p:extLst>
+  </p:cSld>
+  <p:clrMapOvr>
+    <a:masterClrMapping/>
+  </p:clrMapOvr>
+</p:sld>
+</file>
+
+<file path=ppt/slides/slide3.xml><?xml version="1.0" encoding="utf-8"?>
+<p:sld xmlns:a="http://schemas.openxmlformats.org/drawingml/2006/main" xmlns:r="http://schemas.openxmlformats.org/officeDocument/2006/relationships" xmlns:p="http://schemas.openxmlformats.org/presentationml/2006/main">
+  <p:cSld>
+    <p:spTree>
+      <p:nvGrpSpPr>
+        <p:cNvPr id="1" name=""/>
+        <p:cNvGrpSpPr/>
+        <p:nvPr/>
+      </p:nvGrpSpPr>
+      <p:grpSpPr>
+        <a:xfrm>
+          <a:off x="0" y="0"/>
+          <a:ext cx="0" cy="0"/>
+          <a:chOff x="0" y="0"/>
+          <a:chExt cx="0" cy="0"/>
+        </a:xfrm>
+      </p:grpSpPr>
+      <p:sp>
+        <p:nvSpPr>
+          <p:cNvPr id="56" name="Rectangle 65">
+            <a:extLst>
+              <a:ext uri="{FF2B5EF4-FFF2-40B4-BE49-F238E27FC236}">
+                <a16:creationId xmlns:a16="http://schemas.microsoft.com/office/drawing/2014/main" id="{F38CFE2D-B74A-41AE-9197-DC1A3412C43B}"/>
+              </a:ext>
+            </a:extLst>
+          </p:cNvPr>
+          <p:cNvSpPr/>
+          <p:nvPr/>
+        </p:nvSpPr>
+        <p:spPr>
+          <a:xfrm>
+            <a:off x="654973" y="1342743"/>
+            <a:ext cx="7834053" cy="4172514"/>
+          </a:xfrm>
+          <a:prstGeom prst="roundRect">
+            <a:avLst>
+              <a:gd name="adj" fmla="val 3484"/>
+            </a:avLst>
+          </a:prstGeom>
+          <a:solidFill>
+            <a:schemeClr val="accent4">
+              <a:lumMod val="20000"/>
+              <a:lumOff val="80000"/>
+            </a:schemeClr>
+          </a:solidFill>
+          <a:ln w="19050">
+            <a:noFill/>
+          </a:ln>
+          <a:effectLst/>
+        </p:spPr>
+        <p:style>
+          <a:lnRef idx="1">
+            <a:schemeClr val="accent2"/>
+          </a:lnRef>
+          <a:fillRef idx="2">
+            <a:schemeClr val="accent2"/>
+          </a:fillRef>
+          <a:effectRef idx="1">
+            <a:schemeClr val="accent2"/>
+          </a:effectRef>
+          <a:fontRef idx="minor">
+            <a:schemeClr val="dk1"/>
+          </a:fontRef>
+        </p:style>
+        <p:txBody>
+          <a:bodyPr rtlCol="0" anchor="t"/>
+          <a:lstStyle/>
+          <a:p>
+            <a:r>
+              <a:rPr lang="en-US" sz="1200" b="1" dirty="0">
+                <a:solidFill>
+                  <a:srgbClr val="7030A0"/>
+                </a:solidFill>
+              </a:rPr>
+              <a:t>Model</a:t>
+            </a:r>
+            <a:endParaRPr lang="en-SG" sz="1200" b="1" dirty="0">
+              <a:solidFill>
+                <a:srgbClr val="7030A0"/>
+              </a:solidFill>
+            </a:endParaRPr>
+          </a:p>
+        </p:txBody>
+      </p:sp>
+      <p:sp>
+        <p:nvSpPr>
+          <p:cNvPr id="57" name="Rectangle 8">
+            <a:extLst>
+              <a:ext uri="{FF2B5EF4-FFF2-40B4-BE49-F238E27FC236}">
+                <a16:creationId xmlns:a16="http://schemas.microsoft.com/office/drawing/2014/main" id="{C65B91FE-7CEC-46FF-9C7A-4DA155B350EE}"/>
+              </a:ext>
+            </a:extLst>
+          </p:cNvPr>
+          <p:cNvSpPr/>
+          <p:nvPr/>
+        </p:nvSpPr>
+        <p:spPr>
+          <a:xfrm>
+            <a:off x="2425914" y="2976354"/>
+            <a:ext cx="1093635" cy="346760"/>
+          </a:xfrm>
+          <a:prstGeom prst="rect">
+            <a:avLst/>
+          </a:prstGeom>
+          <a:solidFill>
+            <a:srgbClr val="7030A0"/>
+          </a:solidFill>
+          <a:ln w="19050">
+            <a:solidFill>
+              <a:srgbClr val="7030A0"/>
+            </a:solidFill>
+          </a:ln>
+          <a:effectLst/>
+        </p:spPr>
+        <p:style>
+          <a:lnRef idx="1">
+            <a:schemeClr val="accent2"/>
+          </a:lnRef>
+          <a:fillRef idx="2">
+            <a:schemeClr val="accent2"/>
+          </a:fillRef>
+          <a:effectRef idx="1">
+            <a:schemeClr val="accent2"/>
+          </a:effectRef>
+          <a:fontRef idx="minor">
+            <a:schemeClr val="dk1"/>
+          </a:fontRef>
+        </p:style>
+        <p:txBody>
+          <a:bodyPr rtlCol="0" anchor="ctr"/>
+          <a:lstStyle/>
+          <a:p>
+            <a:pPr algn="ctr"/>
+            <a:r>
+              <a:rPr lang="en-US" sz="1050" dirty="0" err="1">
+                <a:solidFill>
+                  <a:schemeClr val="bg1"/>
+                </a:solidFill>
+              </a:rPr>
+              <a:t>UserPrefs</a:t>
+            </a:r>
+            <a:endParaRPr lang="en-SG" sz="1050" dirty="0">
+              <a:solidFill>
+                <a:schemeClr val="bg1"/>
+              </a:solidFill>
+            </a:endParaRPr>
+          </a:p>
+        </p:txBody>
+      </p:sp>
+      <p:sp>
+        <p:nvSpPr>
+          <p:cNvPr id="59" name="Rectangle 62">
+            <a:extLst>
+              <a:ext uri="{FF2B5EF4-FFF2-40B4-BE49-F238E27FC236}">
+                <a16:creationId xmlns:a16="http://schemas.microsoft.com/office/drawing/2014/main" id="{5947703E-2F7C-4CCE-AA06-0F886E67EE67}"/>
+              </a:ext>
+            </a:extLst>
+          </p:cNvPr>
+          <p:cNvSpPr/>
+          <p:nvPr/>
+        </p:nvSpPr>
+        <p:spPr>
+          <a:xfrm rot="16200000">
+            <a:off x="478905" y="3467702"/>
+            <a:ext cx="2529137" cy="346760"/>
+          </a:xfrm>
+          <a:prstGeom prst="rect">
+            <a:avLst/>
+          </a:prstGeom>
+          <a:solidFill>
+            <a:srgbClr val="7030A0"/>
+          </a:solidFill>
+          <a:ln w="19050">
+            <a:solidFill>
+              <a:srgbClr val="7030A0"/>
+            </a:solidFill>
+          </a:ln>
+          <a:effectLst/>
+        </p:spPr>
+        <p:style>
+          <a:lnRef idx="1">
+            <a:schemeClr val="accent2"/>
+          </a:lnRef>
+          <a:fillRef idx="2">
+            <a:schemeClr val="accent2"/>
+          </a:fillRef>
+          <a:effectRef idx="1">
+            <a:schemeClr val="accent2"/>
+          </a:effectRef>
+          <a:fontRef idx="minor">
+            <a:schemeClr val="dk1"/>
+          </a:fontRef>
+        </p:style>
+        <p:txBody>
+          <a:bodyPr rtlCol="0" anchor="ctr"/>
+          <a:lstStyle/>
+          <a:p>
+            <a:pPr algn="ctr"/>
+            <a:r>
+              <a:rPr lang="en-US" sz="1050" dirty="0" err="1">
+                <a:solidFill>
+                  <a:schemeClr val="bg1"/>
+                </a:solidFill>
+              </a:rPr>
+              <a:t>ModelManager</a:t>
+            </a:r>
+            <a:endParaRPr lang="en-SG" sz="1050" dirty="0">
+              <a:solidFill>
+                <a:schemeClr val="bg1"/>
+              </a:solidFill>
+            </a:endParaRPr>
+          </a:p>
+        </p:txBody>
+      </p:sp>
+      <p:cxnSp>
+        <p:nvCxnSpPr>
+          <p:cNvPr id="67" name="Elbow Connector 106">
+            <a:extLst>
+              <a:ext uri="{FF2B5EF4-FFF2-40B4-BE49-F238E27FC236}">
+                <a16:creationId xmlns:a16="http://schemas.microsoft.com/office/drawing/2014/main" id="{8BACFC8C-C570-451D-BA04-FB747C151FF9}"/>
+              </a:ext>
+            </a:extLst>
+          </p:cNvPr>
+          <p:cNvCxnSpPr>
+            <a:cxnSpLocks/>
+            <a:endCxn id="92" idx="2"/>
+          </p:cNvCxnSpPr>
+          <p:nvPr/>
+        </p:nvCxnSpPr>
+        <p:spPr>
+          <a:xfrm flipV="1">
+            <a:off x="1916854" y="2847780"/>
+            <a:ext cx="4414324" cy="551681"/>
+          </a:xfrm>
+          <a:prstGeom prst="bentConnector2">
+            <a:avLst/>
+          </a:prstGeom>
+          <a:ln w="19050">
+            <a:solidFill>
+              <a:srgbClr val="7030A0"/>
+            </a:solidFill>
+            <a:prstDash val="solid"/>
+            <a:headEnd type="none" w="med" len="med"/>
+            <a:tailEnd type="arrow" w="med" len="med"/>
+          </a:ln>
+          <a:effectLst/>
+        </p:spPr>
+        <p:style>
+          <a:lnRef idx="1">
+            <a:schemeClr val="accent2"/>
+          </a:lnRef>
+          <a:fillRef idx="2">
+            <a:schemeClr val="accent2"/>
+          </a:fillRef>
+          <a:effectRef idx="1">
+            <a:schemeClr val="accent2"/>
+          </a:effectRef>
+          <a:fontRef idx="minor">
+            <a:schemeClr val="dk1"/>
+          </a:fontRef>
+        </p:style>
+      </p:cxnSp>
+      <p:sp>
+        <p:nvSpPr>
+          <p:cNvPr id="71" name="Rectangle 62">
+            <a:extLst>
+              <a:ext uri="{FF2B5EF4-FFF2-40B4-BE49-F238E27FC236}">
+                <a16:creationId xmlns:a16="http://schemas.microsoft.com/office/drawing/2014/main" id="{CF9A61D0-55A6-4E00-9BC8-53F59234CC41}"/>
+              </a:ext>
+            </a:extLst>
+          </p:cNvPr>
+          <p:cNvSpPr/>
+          <p:nvPr/>
+        </p:nvSpPr>
+        <p:spPr>
+          <a:xfrm rot="16200000">
+            <a:off x="491310" y="2513404"/>
+            <a:ext cx="1093635" cy="346760"/>
+          </a:xfrm>
+          <a:prstGeom prst="rect">
+            <a:avLst/>
+          </a:prstGeom>
+          <a:solidFill>
+            <a:srgbClr val="7030A0"/>
+          </a:solidFill>
+          <a:ln w="19050">
+            <a:solidFill>
+              <a:srgbClr val="7030A0"/>
+            </a:solidFill>
+          </a:ln>
+          <a:effectLst/>
+        </p:spPr>
+        <p:style>
+          <a:lnRef idx="1">
+            <a:schemeClr val="accent2"/>
+          </a:lnRef>
+          <a:fillRef idx="2">
+            <a:schemeClr val="accent2"/>
+          </a:fillRef>
+          <a:effectRef idx="1">
+            <a:schemeClr val="accent2"/>
+          </a:effectRef>
+          <a:fontRef idx="minor">
+            <a:schemeClr val="dk1"/>
+          </a:fontRef>
+        </p:style>
+        <p:txBody>
+          <a:bodyPr rtlCol="0" anchor="ctr"/>
+          <a:lstStyle/>
+          <a:p>
+            <a:pPr algn="ctr"/>
+            <a:r>
+              <a:rPr lang="en-US" sz="1050" dirty="0">
+                <a:solidFill>
+                  <a:schemeClr val="bg1"/>
+                </a:solidFill>
+              </a:rPr>
+              <a:t>&lt;&lt;interface&gt;&gt;</a:t>
+            </a:r>
+          </a:p>
+          <a:p>
+            <a:pPr algn="ctr"/>
+            <a:r>
+              <a:rPr lang="en-US" sz="1050" dirty="0">
+                <a:solidFill>
+                  <a:schemeClr val="bg1"/>
+                </a:solidFill>
+              </a:rPr>
+              <a:t>Model</a:t>
+            </a:r>
+            <a:endParaRPr lang="en-SG" sz="1050" dirty="0">
+              <a:solidFill>
+                <a:schemeClr val="bg1"/>
+              </a:solidFill>
+            </a:endParaRPr>
+          </a:p>
+        </p:txBody>
+      </p:sp>
+      <p:sp>
+        <p:nvSpPr>
+          <p:cNvPr id="72" name="Isosceles Triangle 102">
+            <a:extLst>
+              <a:ext uri="{FF2B5EF4-FFF2-40B4-BE49-F238E27FC236}">
+                <a16:creationId xmlns:a16="http://schemas.microsoft.com/office/drawing/2014/main" id="{23384341-44D1-4DFF-8DEF-041720F71550}"/>
+              </a:ext>
+            </a:extLst>
+          </p:cNvPr>
+          <p:cNvSpPr/>
+          <p:nvPr/>
+        </p:nvSpPr>
+        <p:spPr>
+          <a:xfrm rot="16200000">
+            <a:off x="1162018" y="2604493"/>
+            <a:ext cx="270504" cy="175523"/>
+          </a:xfrm>
+          <a:prstGeom prst="triangle">
+            <a:avLst/>
+          </a:prstGeom>
+          <a:solidFill>
+            <a:srgbClr val="7030A0"/>
+          </a:solidFill>
+          <a:ln w="19050">
+            <a:solidFill>
+              <a:srgbClr val="7030A0"/>
+            </a:solidFill>
+          </a:ln>
+          <a:effectLst/>
+        </p:spPr>
+        <p:style>
+          <a:lnRef idx="1">
+            <a:schemeClr val="accent6"/>
+          </a:lnRef>
+          <a:fillRef idx="2">
+            <a:schemeClr val="accent6"/>
+          </a:fillRef>
+          <a:effectRef idx="1">
+            <a:schemeClr val="accent6"/>
+          </a:effectRef>
+          <a:fontRef idx="minor">
+            <a:schemeClr val="dk1"/>
+          </a:fontRef>
+        </p:style>
+        <p:txBody>
+          <a:bodyPr rtlCol="0" anchor="ctr"/>
+          <a:lstStyle/>
+          <a:p>
+            <a:pPr algn="ctr"/>
+            <a:endParaRPr lang="en-SG" sz="1050"/>
+          </a:p>
+        </p:txBody>
+      </p:sp>
+      <p:cxnSp>
+        <p:nvCxnSpPr>
+          <p:cNvPr id="73" name="Straight Arrow Connector 72">
+            <a:extLst>
+              <a:ext uri="{FF2B5EF4-FFF2-40B4-BE49-F238E27FC236}">
+                <a16:creationId xmlns:a16="http://schemas.microsoft.com/office/drawing/2014/main" id="{CC8A0EDF-015A-4658-B038-52FF3E299BB9}"/>
+              </a:ext>
+            </a:extLst>
+          </p:cNvPr>
+          <p:cNvCxnSpPr>
+            <a:stCxn id="82" idx="3"/>
+            <a:endCxn id="57" idx="1"/>
+          </p:cNvCxnSpPr>
+          <p:nvPr/>
+        </p:nvCxnSpPr>
+        <p:spPr>
+          <a:xfrm>
+            <a:off x="2158562" y="3149734"/>
+            <a:ext cx="267352" cy="0"/>
+          </a:xfrm>
+          <a:prstGeom prst="straightConnector1">
+            <a:avLst/>
+          </a:prstGeom>
+          <a:ln w="19050">
+            <a:solidFill>
+              <a:srgbClr val="7030A0"/>
+            </a:solidFill>
+            <a:headEnd type="none" w="med" len="med"/>
+            <a:tailEnd type="arrow" w="med" len="med"/>
+          </a:ln>
+          <a:effectLst/>
+        </p:spPr>
+        <p:style>
+          <a:lnRef idx="1">
+            <a:schemeClr val="accent2"/>
+          </a:lnRef>
+          <a:fillRef idx="2">
+            <a:schemeClr val="accent2"/>
+          </a:fillRef>
+          <a:effectRef idx="1">
+            <a:schemeClr val="accent2"/>
+          </a:effectRef>
+          <a:fontRef idx="minor">
+            <a:schemeClr val="dk1"/>
+          </a:fontRef>
+        </p:style>
+      </p:cxnSp>
+      <p:cxnSp>
+        <p:nvCxnSpPr>
+          <p:cNvPr id="74" name="Elbow Connector 122">
+            <a:extLst>
+              <a:ext uri="{FF2B5EF4-FFF2-40B4-BE49-F238E27FC236}">
+                <a16:creationId xmlns:a16="http://schemas.microsoft.com/office/drawing/2014/main" id="{53E0BDAC-528F-4BCC-AAAD-07EF8E762AEA}"/>
+              </a:ext>
+            </a:extLst>
+          </p:cNvPr>
+          <p:cNvCxnSpPr/>
+          <p:nvPr/>
+        </p:nvCxnSpPr>
+        <p:spPr>
+          <a:xfrm>
+            <a:off x="445199" y="2692255"/>
+            <a:ext cx="419548" cy="2860"/>
+          </a:xfrm>
+          <a:prstGeom prst="bentConnector3">
+            <a:avLst>
+              <a:gd name="adj1" fmla="val 50000"/>
+            </a:avLst>
+          </a:prstGeom>
+          <a:ln w="19050">
+            <a:solidFill>
+              <a:schemeClr val="bg1">
+                <a:lumMod val="75000"/>
+              </a:schemeClr>
+            </a:solidFill>
+            <a:prstDash val="sysDot"/>
+            <a:headEnd type="none" w="med" len="med"/>
+            <a:tailEnd type="arrow" w="med" len="med"/>
+          </a:ln>
+          <a:effectLst/>
+        </p:spPr>
+        <p:style>
+          <a:lnRef idx="1">
+            <a:schemeClr val="accent2"/>
+          </a:lnRef>
+          <a:fillRef idx="2">
+            <a:schemeClr val="accent2"/>
+          </a:fillRef>
+          <a:effectRef idx="1">
+            <a:schemeClr val="accent2"/>
+          </a:effectRef>
+          <a:fontRef idx="minor">
+            <a:schemeClr val="dk1"/>
+          </a:fontRef>
+        </p:style>
+      </p:cxnSp>
+      <p:cxnSp>
+        <p:nvCxnSpPr>
+          <p:cNvPr id="77" name="Straight Connector 76">
+            <a:extLst>
+              <a:ext uri="{FF2B5EF4-FFF2-40B4-BE49-F238E27FC236}">
+                <a16:creationId xmlns:a16="http://schemas.microsoft.com/office/drawing/2014/main" id="{55EDEAC6-B059-4DBC-9650-EB57863FBA51}"/>
+              </a:ext>
+            </a:extLst>
+          </p:cNvPr>
+          <p:cNvCxnSpPr>
+            <a:stCxn id="72" idx="3"/>
+          </p:cNvCxnSpPr>
+          <p:nvPr/>
+        </p:nvCxnSpPr>
+        <p:spPr>
+          <a:xfrm flipV="1">
+            <a:off x="1385032" y="2692254"/>
+            <a:ext cx="216105" cy="1"/>
+          </a:xfrm>
+          <a:prstGeom prst="line">
+            <a:avLst/>
+          </a:prstGeom>
+          <a:ln w="19050">
+            <a:solidFill>
+              <a:srgbClr val="7030A0"/>
+            </a:solidFill>
+            <a:prstDash val="sysDot"/>
+            <a:headEnd type="none" w="med" len="med"/>
+            <a:tailEnd type="none" w="med" len="med"/>
+          </a:ln>
+          <a:effectLst/>
+        </p:spPr>
+        <p:style>
+          <a:lnRef idx="1">
+            <a:schemeClr val="accent2"/>
+          </a:lnRef>
+          <a:fillRef idx="2">
+            <a:schemeClr val="accent2"/>
+          </a:fillRef>
+          <a:effectRef idx="1">
+            <a:schemeClr val="accent2"/>
+          </a:effectRef>
+          <a:fontRef idx="minor">
+            <a:schemeClr val="dk1"/>
+          </a:fontRef>
+        </p:style>
+      </p:cxnSp>
+      <p:sp>
+        <p:nvSpPr>
+          <p:cNvPr id="82" name="Flowchart: Decision 96">
+            <a:extLst>
+              <a:ext uri="{FF2B5EF4-FFF2-40B4-BE49-F238E27FC236}">
+                <a16:creationId xmlns:a16="http://schemas.microsoft.com/office/drawing/2014/main" id="{1BAA2185-E574-478A-8947-1E592E664C46}"/>
+              </a:ext>
+            </a:extLst>
+          </p:cNvPr>
+          <p:cNvSpPr/>
+          <p:nvPr/>
+        </p:nvSpPr>
+        <p:spPr>
+          <a:xfrm>
+            <a:off x="1922514" y="3063044"/>
+            <a:ext cx="236048" cy="173380"/>
+          </a:xfrm>
+          <a:prstGeom prst="flowChartDecision">
+            <a:avLst/>
+          </a:prstGeom>
+          <a:noFill/>
+          <a:ln w="19050">
+            <a:solidFill>
+              <a:srgbClr val="7030A0"/>
+            </a:solidFill>
+          </a:ln>
+          <a:effectLst/>
+        </p:spPr>
+        <p:style>
+          <a:lnRef idx="1">
+            <a:schemeClr val="accent6"/>
+          </a:lnRef>
+          <a:fillRef idx="2">
+            <a:schemeClr val="accent6"/>
+          </a:fillRef>
+          <a:effectRef idx="1">
+            <a:schemeClr val="accent6"/>
+          </a:effectRef>
+          <a:fontRef idx="minor">
+            <a:schemeClr val="dk1"/>
+          </a:fontRef>
+        </p:style>
+        <p:txBody>
+          <a:bodyPr rtlCol="0" anchor="ctr"/>
+          <a:lstStyle/>
+          <a:p>
+            <a:pPr algn="ctr"/>
+            <a:endParaRPr lang="en-US" sz="1050"/>
+          </a:p>
+        </p:txBody>
+      </p:sp>
+      <p:sp>
+        <p:nvSpPr>
+          <p:cNvPr id="87" name="Rectangle 8">
+            <a:extLst>
+              <a:ext uri="{FF2B5EF4-FFF2-40B4-BE49-F238E27FC236}">
+                <a16:creationId xmlns:a16="http://schemas.microsoft.com/office/drawing/2014/main" id="{546BACE2-E728-4C8B-BA96-CBA14AC0D4D8}"/>
+              </a:ext>
+            </a:extLst>
+          </p:cNvPr>
+          <p:cNvSpPr/>
+          <p:nvPr/>
+        </p:nvSpPr>
+        <p:spPr>
+          <a:xfrm>
+            <a:off x="2360388" y="2498364"/>
+            <a:ext cx="1490560" cy="334856"/>
+          </a:xfrm>
+          <a:prstGeom prst="rect">
+            <a:avLst/>
+          </a:prstGeom>
+          <a:ln w="19050">
+            <a:solidFill>
+              <a:srgbClr val="7030A0"/>
+            </a:solidFill>
+          </a:ln>
+          <a:effectLst/>
+        </p:spPr>
+        <p:style>
+          <a:lnRef idx="1">
+            <a:schemeClr val="accent4"/>
+          </a:lnRef>
+          <a:fillRef idx="2">
+            <a:schemeClr val="accent4"/>
+          </a:fillRef>
+          <a:effectRef idx="1">
+            <a:schemeClr val="accent4"/>
+          </a:effectRef>
+          <a:fontRef idx="minor">
+            <a:schemeClr val="dk1"/>
+          </a:fontRef>
+        </p:style>
+        <p:txBody>
+          <a:bodyPr rtlCol="0" anchor="ctr"/>
+          <a:lstStyle/>
+          <a:p>
+            <a:pPr algn="ctr"/>
+            <a:r>
+              <a:rPr lang="en-US" sz="1050" dirty="0" err="1">
+                <a:solidFill>
+                  <a:srgbClr val="7030A0"/>
+                </a:solidFill>
+              </a:rPr>
+              <a:t>VersionedEntryBook</a:t>
+            </a:r>
+            <a:endParaRPr lang="en-SG" sz="1050" dirty="0">
+              <a:solidFill>
+                <a:srgbClr val="7030A0"/>
+              </a:solidFill>
+            </a:endParaRPr>
+          </a:p>
+        </p:txBody>
+      </p:sp>
+      <p:cxnSp>
+        <p:nvCxnSpPr>
+          <p:cNvPr id="88" name="Straight Arrow Connector 87">
+            <a:extLst>
+              <a:ext uri="{FF2B5EF4-FFF2-40B4-BE49-F238E27FC236}">
+                <a16:creationId xmlns:a16="http://schemas.microsoft.com/office/drawing/2014/main" id="{2A3B0A14-6D37-48AD-BF92-63A0FCCFEB68}"/>
+              </a:ext>
+            </a:extLst>
+          </p:cNvPr>
+          <p:cNvCxnSpPr>
+            <a:stCxn id="89" idx="3"/>
+            <a:endCxn id="87" idx="1"/>
+          </p:cNvCxnSpPr>
+          <p:nvPr/>
+        </p:nvCxnSpPr>
+        <p:spPr>
+          <a:xfrm>
+            <a:off x="2159468" y="2655235"/>
+            <a:ext cx="200920" cy="10557"/>
+          </a:xfrm>
+          <a:prstGeom prst="straightConnector1">
+            <a:avLst/>
+          </a:prstGeom>
+          <a:ln w="19050">
+            <a:solidFill>
+              <a:srgbClr val="7030A0"/>
+            </a:solidFill>
+            <a:headEnd type="none" w="med" len="med"/>
+            <a:tailEnd type="arrow" w="med" len="med"/>
+          </a:ln>
+          <a:effectLst/>
+        </p:spPr>
+        <p:style>
+          <a:lnRef idx="1">
+            <a:schemeClr val="accent2"/>
+          </a:lnRef>
+          <a:fillRef idx="2">
+            <a:schemeClr val="accent2"/>
+          </a:fillRef>
+          <a:effectRef idx="1">
+            <a:schemeClr val="accent2"/>
+          </a:effectRef>
+          <a:fontRef idx="minor">
+            <a:schemeClr val="dk1"/>
+          </a:fontRef>
+        </p:style>
+      </p:cxnSp>
+      <p:sp>
+        <p:nvSpPr>
+          <p:cNvPr id="89" name="Flowchart: Decision 96">
+            <a:extLst>
+              <a:ext uri="{FF2B5EF4-FFF2-40B4-BE49-F238E27FC236}">
+                <a16:creationId xmlns:a16="http://schemas.microsoft.com/office/drawing/2014/main" id="{3D91705B-8345-4812-AB67-730E83DB8F77}"/>
+              </a:ext>
+            </a:extLst>
+          </p:cNvPr>
+          <p:cNvSpPr/>
+          <p:nvPr/>
+        </p:nvSpPr>
+        <p:spPr>
+          <a:xfrm>
+            <a:off x="1923420" y="2568545"/>
+            <a:ext cx="236048" cy="173380"/>
+          </a:xfrm>
+          <a:prstGeom prst="flowChartDecision">
+            <a:avLst/>
+          </a:prstGeom>
+          <a:noFill/>
+          <a:ln w="19050">
+            <a:solidFill>
+              <a:srgbClr val="7030A0"/>
+            </a:solidFill>
+          </a:ln>
+          <a:effectLst/>
+        </p:spPr>
+        <p:style>
+          <a:lnRef idx="1">
+            <a:schemeClr val="accent6"/>
+          </a:lnRef>
+          <a:fillRef idx="2">
+            <a:schemeClr val="accent6"/>
+          </a:fillRef>
+          <a:effectRef idx="1">
+            <a:schemeClr val="accent6"/>
+          </a:effectRef>
+          <a:fontRef idx="minor">
+            <a:schemeClr val="dk1"/>
+          </a:fontRef>
+        </p:style>
+        <p:txBody>
+          <a:bodyPr rtlCol="0" anchor="ctr"/>
+          <a:lstStyle/>
+          <a:p>
+            <a:pPr algn="ctr"/>
+            <a:endParaRPr lang="en-US" sz="1050"/>
+          </a:p>
+        </p:txBody>
+      </p:sp>
+      <p:sp>
+        <p:nvSpPr>
+          <p:cNvPr id="90" name="Rectangle 8">
+            <a:extLst>
+              <a:ext uri="{FF2B5EF4-FFF2-40B4-BE49-F238E27FC236}">
+                <a16:creationId xmlns:a16="http://schemas.microsoft.com/office/drawing/2014/main" id="{0BD2D8F5-5897-4AC7-90AC-66BC38B33992}"/>
+              </a:ext>
+            </a:extLst>
+          </p:cNvPr>
+          <p:cNvSpPr/>
+          <p:nvPr/>
+        </p:nvSpPr>
+        <p:spPr>
+          <a:xfrm>
+            <a:off x="4227758" y="2498364"/>
+            <a:ext cx="1156969" cy="346760"/>
+          </a:xfrm>
+          <a:prstGeom prst="rect">
+            <a:avLst/>
+          </a:prstGeom>
+          <a:ln w="19050">
+            <a:solidFill>
+              <a:srgbClr val="7030A0"/>
+            </a:solidFill>
+          </a:ln>
+          <a:effectLst/>
+        </p:spPr>
+        <p:style>
+          <a:lnRef idx="1">
+            <a:schemeClr val="accent4"/>
+          </a:lnRef>
+          <a:fillRef idx="2">
+            <a:schemeClr val="accent4"/>
+          </a:fillRef>
+          <a:effectRef idx="1">
+            <a:schemeClr val="accent4"/>
+          </a:effectRef>
+          <a:fontRef idx="minor">
+            <a:schemeClr val="dk1"/>
+          </a:fontRef>
+        </p:style>
+        <p:txBody>
+          <a:bodyPr rtlCol="0" anchor="ctr"/>
+          <a:lstStyle/>
+          <a:p>
+            <a:pPr algn="ctr"/>
+            <a:r>
+              <a:rPr lang="en-US" sz="1050" dirty="0" err="1">
+                <a:solidFill>
+                  <a:srgbClr val="7030A0"/>
+                </a:solidFill>
+              </a:rPr>
+              <a:t>UniqueEntryList</a:t>
+            </a:r>
+            <a:endParaRPr lang="en-SG" sz="1050" dirty="0">
+              <a:solidFill>
+                <a:srgbClr val="7030A0"/>
+              </a:solidFill>
+            </a:endParaRPr>
+          </a:p>
+        </p:txBody>
+      </p:sp>
+      <p:sp>
+        <p:nvSpPr>
+          <p:cNvPr id="91" name="Flowchart: Decision 96">
+            <a:extLst>
+              <a:ext uri="{FF2B5EF4-FFF2-40B4-BE49-F238E27FC236}">
+                <a16:creationId xmlns:a16="http://schemas.microsoft.com/office/drawing/2014/main" id="{E30E5F4F-89CE-4E24-8C2F-A1DE13F4624C}"/>
+              </a:ext>
+            </a:extLst>
+          </p:cNvPr>
+          <p:cNvSpPr/>
+          <p:nvPr/>
+        </p:nvSpPr>
+        <p:spPr>
+          <a:xfrm>
+            <a:off x="3860080" y="2572734"/>
+            <a:ext cx="236048" cy="173380"/>
+          </a:xfrm>
+          <a:prstGeom prst="flowChartDecision">
+            <a:avLst/>
+          </a:prstGeom>
+          <a:solidFill>
+            <a:srgbClr val="7030A0"/>
+          </a:solidFill>
+          <a:ln w="19050">
+            <a:solidFill>
+              <a:srgbClr val="7030A0"/>
+            </a:solidFill>
+          </a:ln>
+          <a:effectLst/>
+        </p:spPr>
+        <p:style>
+          <a:lnRef idx="1">
+            <a:schemeClr val="accent6"/>
+          </a:lnRef>
+          <a:fillRef idx="2">
+            <a:schemeClr val="accent6"/>
+          </a:fillRef>
+          <a:effectRef idx="1">
+            <a:schemeClr val="accent6"/>
+          </a:effectRef>
+          <a:fontRef idx="minor">
+            <a:schemeClr val="dk1"/>
+          </a:fontRef>
+        </p:style>
+        <p:txBody>
+          <a:bodyPr rtlCol="0" anchor="ctr"/>
+          <a:lstStyle/>
+          <a:p>
+            <a:pPr algn="ctr"/>
+            <a:endParaRPr lang="en-US" sz="1050"/>
+          </a:p>
+        </p:txBody>
+      </p:sp>
+      <p:sp>
+        <p:nvSpPr>
+          <p:cNvPr id="92" name="Rectangle 8">
+            <a:extLst>
+              <a:ext uri="{FF2B5EF4-FFF2-40B4-BE49-F238E27FC236}">
+                <a16:creationId xmlns:a16="http://schemas.microsoft.com/office/drawing/2014/main" id="{FF4603C4-913F-4EB7-970C-CEC10BD4A119}"/>
+              </a:ext>
+            </a:extLst>
+          </p:cNvPr>
+          <p:cNvSpPr/>
+          <p:nvPr/>
+        </p:nvSpPr>
+        <p:spPr>
+          <a:xfrm>
+            <a:off x="5852186" y="2501020"/>
+            <a:ext cx="957984" cy="346760"/>
+          </a:xfrm>
+          <a:prstGeom prst="rect">
+            <a:avLst/>
+          </a:prstGeom>
+          <a:ln w="19050">
+            <a:solidFill>
+              <a:srgbClr val="7030A0"/>
+            </a:solidFill>
+          </a:ln>
+          <a:effectLst/>
+        </p:spPr>
+        <p:style>
+          <a:lnRef idx="1">
+            <a:schemeClr val="accent4"/>
+          </a:lnRef>
+          <a:fillRef idx="2">
+            <a:schemeClr val="accent4"/>
+          </a:fillRef>
+          <a:effectRef idx="1">
+            <a:schemeClr val="accent4"/>
+          </a:effectRef>
+          <a:fontRef idx="minor">
+            <a:schemeClr val="dk1"/>
+          </a:fontRef>
+        </p:style>
+        <p:txBody>
+          <a:bodyPr rtlCol="0" anchor="ctr"/>
+          <a:lstStyle/>
+          <a:p>
+            <a:pPr algn="ctr"/>
+            <a:r>
+              <a:rPr lang="en-US" sz="1050" dirty="0" err="1">
+                <a:solidFill>
+                  <a:srgbClr val="7030A0"/>
+                </a:solidFill>
+              </a:rPr>
+              <a:t>ResumeEntry</a:t>
+            </a:r>
+            <a:endParaRPr lang="en-SG" sz="1050" dirty="0">
+              <a:solidFill>
+                <a:srgbClr val="7030A0"/>
+              </a:solidFill>
+            </a:endParaRPr>
+          </a:p>
+        </p:txBody>
+      </p:sp>
+      <p:sp>
+        <p:nvSpPr>
+          <p:cNvPr id="93" name="Flowchart: Decision 96">
+            <a:extLst>
+              <a:ext uri="{FF2B5EF4-FFF2-40B4-BE49-F238E27FC236}">
+                <a16:creationId xmlns:a16="http://schemas.microsoft.com/office/drawing/2014/main" id="{1798B6BC-555B-4BDE-9C40-F8200CC08B6C}"/>
+              </a:ext>
+            </a:extLst>
+          </p:cNvPr>
+          <p:cNvSpPr/>
+          <p:nvPr/>
+        </p:nvSpPr>
+        <p:spPr>
+          <a:xfrm>
+            <a:off x="5389237" y="2585054"/>
+            <a:ext cx="236048" cy="173380"/>
+          </a:xfrm>
+          <a:prstGeom prst="flowChartDecision">
+            <a:avLst/>
+          </a:prstGeom>
+          <a:noFill/>
+          <a:ln w="19050">
+            <a:solidFill>
+              <a:srgbClr val="7030A0"/>
+            </a:solidFill>
+          </a:ln>
+          <a:effectLst/>
+        </p:spPr>
+        <p:style>
+          <a:lnRef idx="1">
+            <a:schemeClr val="accent6"/>
+          </a:lnRef>
+          <a:fillRef idx="2">
+            <a:schemeClr val="accent6"/>
+          </a:fillRef>
+          <a:effectRef idx="1">
+            <a:schemeClr val="accent6"/>
+          </a:effectRef>
+          <a:fontRef idx="minor">
+            <a:schemeClr val="dk1"/>
+          </a:fontRef>
+        </p:style>
+        <p:txBody>
+          <a:bodyPr rtlCol="0" anchor="ctr"/>
+          <a:lstStyle/>
+          <a:p>
+            <a:pPr algn="ctr"/>
+            <a:endParaRPr lang="en-US" sz="1050"/>
+          </a:p>
+        </p:txBody>
+      </p:sp>
+      <p:cxnSp>
+        <p:nvCxnSpPr>
+          <p:cNvPr id="94" name="Elbow Connector 63">
+            <a:extLst>
+              <a:ext uri="{FF2B5EF4-FFF2-40B4-BE49-F238E27FC236}">
+                <a16:creationId xmlns:a16="http://schemas.microsoft.com/office/drawing/2014/main" id="{615CBEFE-E5BA-40D7-8E68-5D6974A9AE37}"/>
+              </a:ext>
+            </a:extLst>
+          </p:cNvPr>
+          <p:cNvCxnSpPr>
+            <a:cxnSpLocks/>
+            <a:stCxn id="93" idx="3"/>
+            <a:endCxn id="92" idx="1"/>
+          </p:cNvCxnSpPr>
+          <p:nvPr/>
+        </p:nvCxnSpPr>
+        <p:spPr>
+          <a:xfrm>
+            <a:off x="5625285" y="2671744"/>
+            <a:ext cx="226901" cy="2656"/>
+          </a:xfrm>
+          <a:prstGeom prst="bentConnector3">
+            <a:avLst>
+              <a:gd name="adj1" fmla="val 50000"/>
+            </a:avLst>
+          </a:prstGeom>
+          <a:ln w="19050">
+            <a:solidFill>
+              <a:srgbClr val="7030A0"/>
+            </a:solidFill>
+            <a:headEnd type="none" w="med" len="med"/>
+            <a:tailEnd type="arrow" w="med" len="med"/>
+          </a:ln>
+          <a:effectLst/>
+        </p:spPr>
+        <p:style>
+          <a:lnRef idx="1">
+            <a:schemeClr val="accent2"/>
+          </a:lnRef>
+          <a:fillRef idx="2">
+            <a:schemeClr val="accent2"/>
+          </a:fillRef>
+          <a:effectRef idx="1">
+            <a:schemeClr val="accent2"/>
+          </a:effectRef>
+          <a:fontRef idx="minor">
+            <a:schemeClr val="dk1"/>
+          </a:fontRef>
+        </p:style>
+      </p:cxnSp>
+      <p:sp>
+        <p:nvSpPr>
+          <p:cNvPr id="95" name="Rectangle 8">
+            <a:extLst>
+              <a:ext uri="{FF2B5EF4-FFF2-40B4-BE49-F238E27FC236}">
+                <a16:creationId xmlns:a16="http://schemas.microsoft.com/office/drawing/2014/main" id="{F3CAF768-7A42-42E4-9362-9BD3C430D71C}"/>
+              </a:ext>
+            </a:extLst>
+          </p:cNvPr>
+          <p:cNvSpPr/>
+          <p:nvPr/>
+        </p:nvSpPr>
+        <p:spPr>
+          <a:xfrm>
+            <a:off x="7496052" y="2421323"/>
+            <a:ext cx="839700" cy="285783"/>
+          </a:xfrm>
+          <a:prstGeom prst="rect">
+            <a:avLst/>
+          </a:prstGeom>
+          <a:ln w="19050">
+            <a:solidFill>
+              <a:srgbClr val="7030A0"/>
+            </a:solidFill>
+          </a:ln>
+          <a:effectLst/>
+        </p:spPr>
+        <p:style>
+          <a:lnRef idx="1">
+            <a:schemeClr val="accent4"/>
+          </a:lnRef>
+          <a:fillRef idx="2">
+            <a:schemeClr val="accent4"/>
+          </a:fillRef>
+          <a:effectRef idx="1">
+            <a:schemeClr val="accent4"/>
+          </a:effectRef>
+          <a:fontRef idx="minor">
+            <a:schemeClr val="dk1"/>
+          </a:fontRef>
+        </p:style>
+        <p:txBody>
+          <a:bodyPr rtlCol="0" anchor="ctr"/>
+          <a:lstStyle/>
+          <a:p>
+            <a:pPr algn="ctr"/>
+            <a:r>
+              <a:rPr lang="en-US" sz="1050" dirty="0">
+                <a:solidFill>
+                  <a:srgbClr val="7030A0"/>
+                </a:solidFill>
+              </a:rPr>
+              <a:t>Category</a:t>
+            </a:r>
+            <a:endParaRPr lang="en-SG" sz="1050" dirty="0">
+              <a:solidFill>
+                <a:srgbClr val="7030A0"/>
+              </a:solidFill>
+            </a:endParaRPr>
+          </a:p>
+        </p:txBody>
+      </p:sp>
+      <p:sp>
+        <p:nvSpPr>
+          <p:cNvPr id="96" name="Flowchart: Decision 96">
+            <a:extLst>
+              <a:ext uri="{FF2B5EF4-FFF2-40B4-BE49-F238E27FC236}">
+                <a16:creationId xmlns:a16="http://schemas.microsoft.com/office/drawing/2014/main" id="{E14A834A-FD01-4164-8810-83BFB05C5104}"/>
+              </a:ext>
+            </a:extLst>
+          </p:cNvPr>
+          <p:cNvSpPr/>
+          <p:nvPr/>
+        </p:nvSpPr>
+        <p:spPr>
+          <a:xfrm>
+            <a:off x="6805681" y="2587710"/>
+            <a:ext cx="236048" cy="173380"/>
+          </a:xfrm>
+          <a:prstGeom prst="flowChartDecision">
+            <a:avLst/>
+          </a:prstGeom>
+          <a:solidFill>
+            <a:srgbClr val="7030A0"/>
+          </a:solidFill>
+          <a:ln w="19050">
+            <a:solidFill>
+              <a:srgbClr val="7030A0"/>
+            </a:solidFill>
+          </a:ln>
+          <a:effectLst/>
+        </p:spPr>
+        <p:style>
+          <a:lnRef idx="1">
+            <a:schemeClr val="accent6"/>
+          </a:lnRef>
+          <a:fillRef idx="2">
+            <a:schemeClr val="accent6"/>
+          </a:fillRef>
+          <a:effectRef idx="1">
+            <a:schemeClr val="accent6"/>
+          </a:effectRef>
+          <a:fontRef idx="minor">
+            <a:schemeClr val="dk1"/>
+          </a:fontRef>
+        </p:style>
+        <p:txBody>
+          <a:bodyPr rtlCol="0" anchor="ctr"/>
+          <a:lstStyle/>
+          <a:p>
+            <a:pPr algn="ctr"/>
+            <a:endParaRPr lang="en-US" sz="1050" dirty="0"/>
+          </a:p>
+        </p:txBody>
+      </p:sp>
+      <p:cxnSp>
+        <p:nvCxnSpPr>
+          <p:cNvPr id="98" name="Elbow Connector 78">
+            <a:extLst>
+              <a:ext uri="{FF2B5EF4-FFF2-40B4-BE49-F238E27FC236}">
+                <a16:creationId xmlns:a16="http://schemas.microsoft.com/office/drawing/2014/main" id="{F2BF4072-E0B5-4CF7-905E-B0AFE67026DE}"/>
+              </a:ext>
+            </a:extLst>
+          </p:cNvPr>
+          <p:cNvCxnSpPr>
+            <a:cxnSpLocks/>
+            <a:stCxn id="96" idx="3"/>
+            <a:endCxn id="95" idx="1"/>
+          </p:cNvCxnSpPr>
+          <p:nvPr/>
+        </p:nvCxnSpPr>
+        <p:spPr>
+          <a:xfrm flipV="1">
+            <a:off x="7041729" y="2564215"/>
+            <a:ext cx="454323" cy="110185"/>
+          </a:xfrm>
+          <a:prstGeom prst="bentConnector3">
+            <a:avLst>
+              <a:gd name="adj1" fmla="val 31551"/>
+            </a:avLst>
+          </a:prstGeom>
+          <a:ln w="19050">
+            <a:solidFill>
+              <a:srgbClr val="7030A0"/>
+            </a:solidFill>
+            <a:headEnd type="none" w="med" len="med"/>
+            <a:tailEnd type="arrow" w="med" len="med"/>
+          </a:ln>
+          <a:effectLst/>
+        </p:spPr>
+        <p:style>
+          <a:lnRef idx="1">
+            <a:schemeClr val="accent2"/>
+          </a:lnRef>
+          <a:fillRef idx="2">
+            <a:schemeClr val="accent2"/>
+          </a:fillRef>
+          <a:effectRef idx="1">
+            <a:schemeClr val="accent2"/>
+          </a:effectRef>
+          <a:fontRef idx="minor">
+            <a:schemeClr val="dk1"/>
+          </a:fontRef>
+        </p:style>
+      </p:cxnSp>
+      <p:sp>
+        <p:nvSpPr>
+          <p:cNvPr id="101" name="Rectangle 8">
+            <a:extLst>
+              <a:ext uri="{FF2B5EF4-FFF2-40B4-BE49-F238E27FC236}">
+                <a16:creationId xmlns:a16="http://schemas.microsoft.com/office/drawing/2014/main" id="{D4CEECDE-03FD-471C-8CD7-056E966C7E01}"/>
+              </a:ext>
+            </a:extLst>
+          </p:cNvPr>
+          <p:cNvSpPr/>
+          <p:nvPr/>
+        </p:nvSpPr>
+        <p:spPr>
+          <a:xfrm>
+            <a:off x="7496051" y="2744301"/>
+            <a:ext cx="839701" cy="285783"/>
+          </a:xfrm>
+          <a:prstGeom prst="rect">
+            <a:avLst/>
+          </a:prstGeom>
+          <a:ln w="19050">
+            <a:solidFill>
+              <a:srgbClr val="7030A0"/>
+            </a:solidFill>
+          </a:ln>
+          <a:effectLst/>
+        </p:spPr>
+        <p:style>
+          <a:lnRef idx="1">
+            <a:schemeClr val="accent4"/>
+          </a:lnRef>
+          <a:fillRef idx="2">
+            <a:schemeClr val="accent4"/>
+          </a:fillRef>
+          <a:effectRef idx="1">
+            <a:schemeClr val="accent4"/>
+          </a:effectRef>
+          <a:fontRef idx="minor">
+            <a:schemeClr val="dk1"/>
+          </a:fontRef>
+        </p:style>
+        <p:txBody>
+          <a:bodyPr rtlCol="0" anchor="ctr"/>
+          <a:lstStyle/>
+          <a:p>
+            <a:pPr algn="ctr"/>
+            <a:r>
+              <a:rPr lang="en-US" sz="1050" dirty="0" err="1">
+                <a:solidFill>
+                  <a:srgbClr val="7030A0"/>
+                </a:solidFill>
+              </a:rPr>
+              <a:t>EntryInfo</a:t>
+            </a:r>
+            <a:endParaRPr lang="en-SG" sz="1050" dirty="0">
+              <a:solidFill>
+                <a:srgbClr val="7030A0"/>
+              </a:solidFill>
+            </a:endParaRPr>
+          </a:p>
+        </p:txBody>
+      </p:sp>
+      <p:sp>
+        <p:nvSpPr>
+          <p:cNvPr id="103" name="Rectangle 8">
+            <a:extLst>
+              <a:ext uri="{FF2B5EF4-FFF2-40B4-BE49-F238E27FC236}">
+                <a16:creationId xmlns:a16="http://schemas.microsoft.com/office/drawing/2014/main" id="{B05C3B11-2BF3-417E-83E9-7090E748DC7A}"/>
+              </a:ext>
+            </a:extLst>
+          </p:cNvPr>
+          <p:cNvSpPr/>
+          <p:nvPr/>
+        </p:nvSpPr>
+        <p:spPr>
+          <a:xfrm>
+            <a:off x="7496052" y="3067279"/>
+            <a:ext cx="839702" cy="285783"/>
+          </a:xfrm>
+          <a:prstGeom prst="rect">
+            <a:avLst/>
+          </a:prstGeom>
+          <a:ln w="19050">
+            <a:solidFill>
+              <a:srgbClr val="7030A0"/>
+            </a:solidFill>
+          </a:ln>
+          <a:effectLst/>
+        </p:spPr>
+        <p:style>
+          <a:lnRef idx="1">
+            <a:schemeClr val="accent4"/>
+          </a:lnRef>
+          <a:fillRef idx="2">
+            <a:schemeClr val="accent4"/>
+          </a:fillRef>
+          <a:effectRef idx="1">
+            <a:schemeClr val="accent4"/>
+          </a:effectRef>
+          <a:fontRef idx="minor">
+            <a:schemeClr val="dk1"/>
+          </a:fontRef>
+        </p:style>
+        <p:txBody>
+          <a:bodyPr rtlCol="0" anchor="ctr"/>
+          <a:lstStyle/>
+          <a:p>
+            <a:pPr algn="ctr">
+              <a:lnSpc>
+                <a:spcPts val="1100"/>
+              </a:lnSpc>
+            </a:pPr>
+            <a:r>
+              <a:rPr lang="en-SG" sz="1050" dirty="0">
+                <a:solidFill>
+                  <a:srgbClr val="7030A0"/>
+                </a:solidFill>
+              </a:rPr>
+              <a:t>Entry</a:t>
+            </a:r>
+            <a:br>
+              <a:rPr lang="en-SG" sz="1050" dirty="0">
+                <a:solidFill>
+                  <a:srgbClr val="7030A0"/>
+                </a:solidFill>
+              </a:rPr>
+            </a:br>
+            <a:r>
+              <a:rPr lang="en-SG" sz="1050" dirty="0">
+                <a:solidFill>
+                  <a:srgbClr val="7030A0"/>
+                </a:solidFill>
+              </a:rPr>
+              <a:t>Description</a:t>
+            </a:r>
+          </a:p>
+        </p:txBody>
+      </p:sp>
+      <p:cxnSp>
+        <p:nvCxnSpPr>
+          <p:cNvPr id="104" name="Elbow Connector 83">
+            <a:extLst>
+              <a:ext uri="{FF2B5EF4-FFF2-40B4-BE49-F238E27FC236}">
+                <a16:creationId xmlns:a16="http://schemas.microsoft.com/office/drawing/2014/main" id="{1EA48662-CFE0-4D43-B75A-3DDDBCE5F001}"/>
+              </a:ext>
+            </a:extLst>
+          </p:cNvPr>
+          <p:cNvCxnSpPr>
+            <a:cxnSpLocks/>
+            <a:stCxn id="96" idx="3"/>
+            <a:endCxn id="103" idx="1"/>
+          </p:cNvCxnSpPr>
+          <p:nvPr/>
+        </p:nvCxnSpPr>
+        <p:spPr>
+          <a:xfrm>
+            <a:off x="7041729" y="2674400"/>
+            <a:ext cx="454323" cy="535771"/>
+          </a:xfrm>
+          <a:prstGeom prst="bentConnector3">
+            <a:avLst>
+              <a:gd name="adj1" fmla="val 31551"/>
+            </a:avLst>
+          </a:prstGeom>
+          <a:ln w="19050">
+            <a:solidFill>
+              <a:srgbClr val="7030A0"/>
+            </a:solidFill>
+            <a:headEnd type="none" w="med" len="med"/>
+            <a:tailEnd type="arrow" w="med" len="med"/>
+          </a:ln>
+          <a:effectLst/>
+        </p:spPr>
+        <p:style>
+          <a:lnRef idx="1">
+            <a:schemeClr val="accent2"/>
+          </a:lnRef>
+          <a:fillRef idx="2">
+            <a:schemeClr val="accent2"/>
+          </a:fillRef>
+          <a:effectRef idx="1">
+            <a:schemeClr val="accent2"/>
+          </a:effectRef>
+          <a:fontRef idx="minor">
+            <a:schemeClr val="dk1"/>
+          </a:fontRef>
+        </p:style>
+      </p:cxnSp>
+      <p:cxnSp>
+        <p:nvCxnSpPr>
+          <p:cNvPr id="108" name="Elbow Connector 63">
+            <a:extLst>
+              <a:ext uri="{FF2B5EF4-FFF2-40B4-BE49-F238E27FC236}">
+                <a16:creationId xmlns:a16="http://schemas.microsoft.com/office/drawing/2014/main" id="{63431EDA-2326-44FF-8135-909B1215059C}"/>
+              </a:ext>
+            </a:extLst>
+          </p:cNvPr>
+          <p:cNvCxnSpPr>
+            <a:stCxn id="109" idx="3"/>
+          </p:cNvCxnSpPr>
+          <p:nvPr/>
+        </p:nvCxnSpPr>
+        <p:spPr>
+          <a:xfrm rot="5400000">
+            <a:off x="3088719" y="2339761"/>
+            <a:ext cx="293825" cy="5938"/>
+          </a:xfrm>
+          <a:prstGeom prst="bentConnector3">
+            <a:avLst>
+              <a:gd name="adj1" fmla="val 50000"/>
+            </a:avLst>
+          </a:prstGeom>
+          <a:ln w="19050">
+            <a:solidFill>
+              <a:srgbClr val="7030A0"/>
+            </a:solidFill>
+            <a:prstDash val="sysDot"/>
+            <a:headEnd type="none" w="med" len="med"/>
+            <a:tailEnd type="none" w="med" len="med"/>
+          </a:ln>
+          <a:effectLst/>
+        </p:spPr>
+        <p:style>
+          <a:lnRef idx="1">
+            <a:schemeClr val="accent2"/>
+          </a:lnRef>
+          <a:fillRef idx="2">
+            <a:schemeClr val="accent2"/>
+          </a:fillRef>
+          <a:effectRef idx="1">
+            <a:schemeClr val="accent2"/>
+          </a:effectRef>
+          <a:fontRef idx="minor">
+            <a:schemeClr val="dk1"/>
+          </a:fontRef>
+        </p:style>
+      </p:cxnSp>
+      <p:sp>
+        <p:nvSpPr>
+          <p:cNvPr id="109" name="Isosceles Triangle 102">
+            <a:extLst>
+              <a:ext uri="{FF2B5EF4-FFF2-40B4-BE49-F238E27FC236}">
+                <a16:creationId xmlns:a16="http://schemas.microsoft.com/office/drawing/2014/main" id="{C1D09931-C120-486A-A2A2-0674F49ECE40}"/>
+              </a:ext>
+            </a:extLst>
+          </p:cNvPr>
+          <p:cNvSpPr/>
+          <p:nvPr/>
+        </p:nvSpPr>
+        <p:spPr>
+          <a:xfrm rot="10800000" flipV="1">
+            <a:off x="3097407" y="2038756"/>
+            <a:ext cx="282387" cy="157062"/>
+          </a:xfrm>
+          <a:prstGeom prst="triangle">
+            <a:avLst/>
+          </a:prstGeom>
+          <a:ln w="19050">
+            <a:solidFill>
+              <a:srgbClr val="7030A0"/>
+            </a:solidFill>
+          </a:ln>
+          <a:effectLst/>
+        </p:spPr>
+        <p:style>
+          <a:lnRef idx="1">
+            <a:schemeClr val="accent4"/>
+          </a:lnRef>
+          <a:fillRef idx="2">
+            <a:schemeClr val="accent4"/>
+          </a:fillRef>
+          <a:effectRef idx="1">
+            <a:schemeClr val="accent4"/>
+          </a:effectRef>
+          <a:fontRef idx="minor">
+            <a:schemeClr val="dk1"/>
+          </a:fontRef>
+        </p:style>
+        <p:txBody>
+          <a:bodyPr rtlCol="0" anchor="ctr"/>
+          <a:lstStyle/>
+          <a:p>
+            <a:pPr algn="ctr"/>
+            <a:endParaRPr lang="en-SG" sz="1050" b="1">
+              <a:solidFill>
+                <a:srgbClr val="92D050"/>
+              </a:solidFill>
+            </a:endParaRPr>
+          </a:p>
+        </p:txBody>
+      </p:sp>
+      <p:sp>
+        <p:nvSpPr>
+          <p:cNvPr id="110" name="Rectangle 8">
+            <a:extLst>
+              <a:ext uri="{FF2B5EF4-FFF2-40B4-BE49-F238E27FC236}">
+                <a16:creationId xmlns:a16="http://schemas.microsoft.com/office/drawing/2014/main" id="{33FAA5DF-4463-4466-8A4F-0DEC3BAD0A33}"/>
+              </a:ext>
+            </a:extLst>
+          </p:cNvPr>
+          <p:cNvSpPr/>
+          <p:nvPr/>
+        </p:nvSpPr>
+        <p:spPr>
+          <a:xfrm>
+            <a:off x="796030" y="1650552"/>
+            <a:ext cx="1443661" cy="364396"/>
+          </a:xfrm>
+          <a:prstGeom prst="rect">
+            <a:avLst/>
+          </a:prstGeom>
+          <a:ln w="19050">
+            <a:solidFill>
+              <a:srgbClr val="7030A0"/>
+            </a:solidFill>
+          </a:ln>
+          <a:effectLst/>
+        </p:spPr>
+        <p:style>
+          <a:lnRef idx="1">
+            <a:schemeClr val="accent4"/>
+          </a:lnRef>
+          <a:fillRef idx="2">
+            <a:schemeClr val="accent4"/>
+          </a:fillRef>
+          <a:effectRef idx="1">
+            <a:schemeClr val="accent4"/>
+          </a:effectRef>
+          <a:fontRef idx="minor">
+            <a:schemeClr val="dk1"/>
+          </a:fontRef>
+        </p:style>
+        <p:txBody>
+          <a:bodyPr rtlCol="0" anchor="ctr"/>
+          <a:lstStyle/>
+          <a:p>
+            <a:pPr algn="ctr"/>
+            <a:r>
+              <a:rPr lang="en-US" sz="1050" dirty="0">
+                <a:solidFill>
+                  <a:srgbClr val="7030A0"/>
+                </a:solidFill>
+              </a:rPr>
+              <a:t>&lt;&lt;interface&gt;&gt;</a:t>
+            </a:r>
+            <a:br>
+              <a:rPr lang="en-US" sz="1050" dirty="0">
+                <a:solidFill>
+                  <a:srgbClr val="7030A0"/>
+                </a:solidFill>
+              </a:rPr>
+            </a:br>
+            <a:r>
+              <a:rPr lang="en-US" sz="1050" dirty="0" err="1">
+                <a:solidFill>
+                  <a:srgbClr val="7030A0"/>
+                </a:solidFill>
+              </a:rPr>
+              <a:t>ReadOnlyEntryBook</a:t>
+            </a:r>
+            <a:endParaRPr lang="en-SG" sz="1050" dirty="0">
+              <a:solidFill>
+                <a:srgbClr val="7030A0"/>
+              </a:solidFill>
+            </a:endParaRPr>
+          </a:p>
+        </p:txBody>
+      </p:sp>
+      <p:sp>
+        <p:nvSpPr>
+          <p:cNvPr id="111" name="TextBox 110">
+            <a:extLst>
+              <a:ext uri="{FF2B5EF4-FFF2-40B4-BE49-F238E27FC236}">
+                <a16:creationId xmlns:a16="http://schemas.microsoft.com/office/drawing/2014/main" id="{694FF7BF-01B7-465C-B274-2B7D4B92191A}"/>
+              </a:ext>
+            </a:extLst>
+          </p:cNvPr>
+          <p:cNvSpPr txBox="1"/>
+          <p:nvPr/>
+        </p:nvSpPr>
+        <p:spPr>
+          <a:xfrm rot="16200000">
+            <a:off x="6027881" y="3102282"/>
+            <a:ext cx="857360" cy="261610"/>
+          </a:xfrm>
+          <a:prstGeom prst="rect">
+            <a:avLst/>
+          </a:prstGeom>
+          <a:noFill/>
+        </p:spPr>
+        <p:txBody>
+          <a:bodyPr wrap="square" rtlCol="0">
+            <a:spAutoFit/>
+          </a:bodyPr>
+          <a:lstStyle/>
+          <a:p>
+            <a:pPr algn="r"/>
+            <a:r>
+              <a:rPr lang="en-US" sz="1100" dirty="0">
+                <a:solidFill>
+                  <a:srgbClr val="7030A0"/>
+                </a:solidFill>
+              </a:rPr>
+              <a:t>filtered list</a:t>
+            </a:r>
+            <a:endParaRPr lang="en-SG" sz="1100" dirty="0">
+              <a:solidFill>
+                <a:srgbClr val="7030A0"/>
+              </a:solidFill>
+            </a:endParaRPr>
+          </a:p>
+        </p:txBody>
+      </p:sp>
+      <p:sp>
+        <p:nvSpPr>
+          <p:cNvPr id="112" name="Rectangle 8">
+            <a:extLst>
+              <a:ext uri="{FF2B5EF4-FFF2-40B4-BE49-F238E27FC236}">
+                <a16:creationId xmlns:a16="http://schemas.microsoft.com/office/drawing/2014/main" id="{98580616-6BE8-4507-A81D-D97A4850E32B}"/>
+              </a:ext>
+            </a:extLst>
+          </p:cNvPr>
+          <p:cNvSpPr/>
+          <p:nvPr/>
+        </p:nvSpPr>
+        <p:spPr>
+          <a:xfrm>
+            <a:off x="864747" y="5028522"/>
+            <a:ext cx="1066800" cy="346760"/>
+          </a:xfrm>
+          <a:prstGeom prst="rect">
+            <a:avLst/>
+          </a:prstGeom>
+          <a:ln w="19050">
+            <a:solidFill>
+              <a:srgbClr val="7030A0"/>
+            </a:solidFill>
+          </a:ln>
+          <a:effectLst/>
+        </p:spPr>
+        <p:style>
+          <a:lnRef idx="1">
+            <a:schemeClr val="accent4"/>
+          </a:lnRef>
+          <a:fillRef idx="2">
+            <a:schemeClr val="accent4"/>
+          </a:fillRef>
+          <a:effectRef idx="1">
+            <a:schemeClr val="accent4"/>
+          </a:effectRef>
+          <a:fontRef idx="minor">
+            <a:schemeClr val="dk1"/>
+          </a:fontRef>
+        </p:style>
+        <p:txBody>
+          <a:bodyPr rtlCol="0" anchor="ctr"/>
+          <a:lstStyle/>
+          <a:p>
+            <a:pPr algn="ctr"/>
+            <a:r>
+              <a:rPr lang="en-US" sz="1050" dirty="0">
+                <a:solidFill>
+                  <a:srgbClr val="7030A0"/>
+                </a:solidFill>
+              </a:rPr>
+              <a:t>&lt;&lt;interface&gt;&gt;</a:t>
+            </a:r>
+            <a:br>
+              <a:rPr lang="en-US" sz="1050" dirty="0">
+                <a:solidFill>
+                  <a:srgbClr val="7030A0"/>
+                </a:solidFill>
+              </a:rPr>
+            </a:br>
+            <a:r>
+              <a:rPr lang="en-US" sz="1050" dirty="0" err="1">
+                <a:solidFill>
+                  <a:srgbClr val="7030A0"/>
+                </a:solidFill>
+              </a:rPr>
+              <a:t>ObservableList</a:t>
+            </a:r>
+            <a:endParaRPr lang="en-SG" sz="1050" dirty="0">
+              <a:solidFill>
+                <a:srgbClr val="7030A0"/>
+              </a:solidFill>
+            </a:endParaRPr>
+          </a:p>
+        </p:txBody>
+      </p:sp>
+      <p:cxnSp>
+        <p:nvCxnSpPr>
+          <p:cNvPr id="113" name="Elbow Connector 122">
+            <a:extLst>
+              <a:ext uri="{FF2B5EF4-FFF2-40B4-BE49-F238E27FC236}">
+                <a16:creationId xmlns:a16="http://schemas.microsoft.com/office/drawing/2014/main" id="{AF5AF91A-36ED-4D5C-9EB2-2B48D724BE38}"/>
+              </a:ext>
+            </a:extLst>
+          </p:cNvPr>
+          <p:cNvCxnSpPr>
+            <a:cxnSpLocks/>
+            <a:stCxn id="71" idx="1"/>
+          </p:cNvCxnSpPr>
+          <p:nvPr/>
+        </p:nvCxnSpPr>
+        <p:spPr>
+          <a:xfrm rot="16200000" flipH="1">
+            <a:off x="156364" y="4115365"/>
+            <a:ext cx="1763528" cy="1"/>
+          </a:xfrm>
+          <a:prstGeom prst="bentConnector3">
+            <a:avLst>
+              <a:gd name="adj1" fmla="val 50000"/>
+            </a:avLst>
+          </a:prstGeom>
+          <a:ln w="19050">
+            <a:solidFill>
+              <a:srgbClr val="7030A0"/>
+            </a:solidFill>
+            <a:prstDash val="sysDot"/>
+            <a:headEnd type="none" w="med" len="med"/>
+            <a:tailEnd type="arrow" w="med" len="med"/>
+          </a:ln>
+          <a:effectLst/>
+        </p:spPr>
+        <p:style>
+          <a:lnRef idx="1">
+            <a:schemeClr val="accent2"/>
+          </a:lnRef>
+          <a:fillRef idx="2">
+            <a:schemeClr val="accent2"/>
+          </a:fillRef>
+          <a:effectRef idx="1">
+            <a:schemeClr val="accent2"/>
+          </a:effectRef>
+          <a:fontRef idx="minor">
+            <a:schemeClr val="dk1"/>
+          </a:fontRef>
+        </p:style>
+      </p:cxnSp>
+      <p:sp>
+        <p:nvSpPr>
+          <p:cNvPr id="115" name="TextBox 114">
+            <a:extLst>
+              <a:ext uri="{FF2B5EF4-FFF2-40B4-BE49-F238E27FC236}">
+                <a16:creationId xmlns:a16="http://schemas.microsoft.com/office/drawing/2014/main" id="{17DEB041-98D6-433E-8BB3-BFB65D962FB6}"/>
+              </a:ext>
+            </a:extLst>
+          </p:cNvPr>
+          <p:cNvSpPr txBox="1"/>
+          <p:nvPr/>
+        </p:nvSpPr>
+        <p:spPr>
+          <a:xfrm>
+            <a:off x="3965087" y="2763681"/>
+            <a:ext cx="189257" cy="178683"/>
+          </a:xfrm>
+          <a:prstGeom prst="rect">
+            <a:avLst/>
+          </a:prstGeom>
+          <a:noFill/>
+        </p:spPr>
+        <p:txBody>
+          <a:bodyPr wrap="square" lIns="0" tIns="0" rIns="0" bIns="0" rtlCol="0">
+            <a:noAutofit/>
+          </a:bodyPr>
+          <a:lstStyle/>
+          <a:p>
+            <a:pPr algn="ctr"/>
+            <a:r>
+              <a:rPr lang="en-US" sz="1100" dirty="0">
+                <a:solidFill>
+                  <a:srgbClr val="7030A0"/>
+                </a:solidFill>
+              </a:rPr>
+              <a:t>1</a:t>
+            </a:r>
+            <a:endParaRPr lang="en-SG" sz="1100" dirty="0">
+              <a:solidFill>
+                <a:srgbClr val="7030A0"/>
+              </a:solidFill>
+            </a:endParaRPr>
+          </a:p>
+        </p:txBody>
+      </p:sp>
+      <p:sp>
+        <p:nvSpPr>
+          <p:cNvPr id="116" name="TextBox 115">
+            <a:extLst>
+              <a:ext uri="{FF2B5EF4-FFF2-40B4-BE49-F238E27FC236}">
+                <a16:creationId xmlns:a16="http://schemas.microsoft.com/office/drawing/2014/main" id="{17F9FA28-4E3B-4C5E-9964-6721C2C41687}"/>
+              </a:ext>
+            </a:extLst>
+          </p:cNvPr>
+          <p:cNvSpPr txBox="1"/>
+          <p:nvPr/>
+        </p:nvSpPr>
+        <p:spPr>
+          <a:xfrm>
+            <a:off x="5670364" y="2750119"/>
+            <a:ext cx="189257" cy="178683"/>
+          </a:xfrm>
+          <a:prstGeom prst="rect">
+            <a:avLst/>
+          </a:prstGeom>
+          <a:noFill/>
+        </p:spPr>
+        <p:txBody>
+          <a:bodyPr wrap="square" lIns="0" tIns="0" rIns="0" bIns="0" rtlCol="0">
+            <a:noAutofit/>
+          </a:bodyPr>
+          <a:lstStyle/>
+          <a:p>
+            <a:pPr algn="ctr"/>
+            <a:r>
+              <a:rPr lang="en-US" sz="1100" dirty="0">
+                <a:solidFill>
+                  <a:srgbClr val="7030A0"/>
+                </a:solidFill>
+              </a:rPr>
+              <a:t>*</a:t>
+            </a:r>
+            <a:endParaRPr lang="en-SG" sz="1100" dirty="0">
+              <a:solidFill>
+                <a:srgbClr val="7030A0"/>
+              </a:solidFill>
+            </a:endParaRPr>
+          </a:p>
+        </p:txBody>
+      </p:sp>
+      <p:sp>
+        <p:nvSpPr>
+          <p:cNvPr id="117" name="TextBox 116">
+            <a:extLst>
+              <a:ext uri="{FF2B5EF4-FFF2-40B4-BE49-F238E27FC236}">
+                <a16:creationId xmlns:a16="http://schemas.microsoft.com/office/drawing/2014/main" id="{0936AF87-3DD7-4060-8B38-5C7D51A2F85E}"/>
+              </a:ext>
+            </a:extLst>
+          </p:cNvPr>
+          <p:cNvSpPr txBox="1"/>
+          <p:nvPr/>
+        </p:nvSpPr>
+        <p:spPr>
+          <a:xfrm>
+            <a:off x="2202507" y="2707106"/>
+            <a:ext cx="170110" cy="137542"/>
+          </a:xfrm>
+          <a:prstGeom prst="rect">
+            <a:avLst/>
+          </a:prstGeom>
+          <a:noFill/>
+        </p:spPr>
+        <p:txBody>
+          <a:bodyPr wrap="square" lIns="0" tIns="0" rIns="0" bIns="0" rtlCol="0">
+            <a:noAutofit/>
+          </a:bodyPr>
+          <a:lstStyle/>
+          <a:p>
+            <a:pPr algn="ctr"/>
+            <a:r>
+              <a:rPr lang="en-US" sz="1100" dirty="0">
+                <a:solidFill>
+                  <a:srgbClr val="7030A0"/>
+                </a:solidFill>
+              </a:rPr>
+              <a:t>1</a:t>
+            </a:r>
+            <a:endParaRPr lang="en-SG" sz="1100" dirty="0">
+              <a:solidFill>
+                <a:srgbClr val="7030A0"/>
+              </a:solidFill>
+            </a:endParaRPr>
+          </a:p>
+        </p:txBody>
+      </p:sp>
+      <p:sp>
+        <p:nvSpPr>
+          <p:cNvPr id="121" name="TextBox 120">
+            <a:extLst>
+              <a:ext uri="{FF2B5EF4-FFF2-40B4-BE49-F238E27FC236}">
+                <a16:creationId xmlns:a16="http://schemas.microsoft.com/office/drawing/2014/main" id="{5FBECCB7-0B76-441E-B656-8E970EC5928C}"/>
+              </a:ext>
+            </a:extLst>
+          </p:cNvPr>
+          <p:cNvSpPr txBox="1"/>
+          <p:nvPr/>
+        </p:nvSpPr>
+        <p:spPr>
+          <a:xfrm>
+            <a:off x="2236657" y="3180476"/>
+            <a:ext cx="189257" cy="178683"/>
+          </a:xfrm>
+          <a:prstGeom prst="rect">
+            <a:avLst/>
+          </a:prstGeom>
+          <a:noFill/>
+        </p:spPr>
+        <p:txBody>
+          <a:bodyPr wrap="square" lIns="0" tIns="0" rIns="0" bIns="0" rtlCol="0">
+            <a:noAutofit/>
+          </a:bodyPr>
+          <a:lstStyle/>
+          <a:p>
+            <a:pPr algn="ctr"/>
+            <a:r>
+              <a:rPr lang="en-US" sz="1100" dirty="0">
+                <a:solidFill>
+                  <a:srgbClr val="7030A0"/>
+                </a:solidFill>
+              </a:rPr>
+              <a:t>1</a:t>
+            </a:r>
+            <a:endParaRPr lang="en-SG" sz="1100" dirty="0">
+              <a:solidFill>
+                <a:srgbClr val="7030A0"/>
+              </a:solidFill>
+            </a:endParaRPr>
+          </a:p>
+        </p:txBody>
+      </p:sp>
+      <p:sp>
+        <p:nvSpPr>
+          <p:cNvPr id="123" name="TextBox 122">
+            <a:extLst>
+              <a:ext uri="{FF2B5EF4-FFF2-40B4-BE49-F238E27FC236}">
+                <a16:creationId xmlns:a16="http://schemas.microsoft.com/office/drawing/2014/main" id="{2B385F8A-09F6-4E81-8E68-56504F55D42A}"/>
+              </a:ext>
+            </a:extLst>
+          </p:cNvPr>
+          <p:cNvSpPr txBox="1"/>
+          <p:nvPr/>
+        </p:nvSpPr>
+        <p:spPr>
+          <a:xfrm>
+            <a:off x="5985004" y="2857028"/>
+            <a:ext cx="189257" cy="178683"/>
+          </a:xfrm>
+          <a:prstGeom prst="rect">
+            <a:avLst/>
+          </a:prstGeom>
+          <a:noFill/>
+        </p:spPr>
+        <p:txBody>
+          <a:bodyPr wrap="square" lIns="0" tIns="0" rIns="0" bIns="0" rtlCol="0">
+            <a:noAutofit/>
+          </a:bodyPr>
+          <a:lstStyle/>
+          <a:p>
+            <a:pPr algn="ctr"/>
+            <a:r>
+              <a:rPr lang="en-US" sz="1100" dirty="0">
+                <a:solidFill>
+                  <a:srgbClr val="7030A0"/>
+                </a:solidFill>
+              </a:rPr>
+              <a:t>1</a:t>
+            </a:r>
+            <a:endParaRPr lang="en-SG" sz="1100" dirty="0">
+              <a:solidFill>
+                <a:srgbClr val="7030A0"/>
+              </a:solidFill>
+            </a:endParaRPr>
+          </a:p>
+        </p:txBody>
+      </p:sp>
+      <p:sp>
+        <p:nvSpPr>
+          <p:cNvPr id="125" name="Rectangle 8">
+            <a:extLst>
+              <a:ext uri="{FF2B5EF4-FFF2-40B4-BE49-F238E27FC236}">
+                <a16:creationId xmlns:a16="http://schemas.microsoft.com/office/drawing/2014/main" id="{2678AE27-91AB-46FE-8106-4D36FBB1EFBA}"/>
+              </a:ext>
+            </a:extLst>
+          </p:cNvPr>
+          <p:cNvSpPr/>
+          <p:nvPr/>
+        </p:nvSpPr>
+        <p:spPr>
+          <a:xfrm>
+            <a:off x="7496052" y="2085902"/>
+            <a:ext cx="839700" cy="285783"/>
+          </a:xfrm>
+          <a:prstGeom prst="rect">
+            <a:avLst/>
+          </a:prstGeom>
+          <a:ln w="19050">
+            <a:solidFill>
+              <a:srgbClr val="7030A0"/>
+            </a:solidFill>
+          </a:ln>
+          <a:effectLst/>
+        </p:spPr>
+        <p:style>
+          <a:lnRef idx="1">
+            <a:schemeClr val="accent4"/>
+          </a:lnRef>
+          <a:fillRef idx="2">
+            <a:schemeClr val="accent4"/>
+          </a:fillRef>
+          <a:effectRef idx="1">
+            <a:schemeClr val="accent4"/>
+          </a:effectRef>
+          <a:fontRef idx="minor">
+            <a:schemeClr val="dk1"/>
+          </a:fontRef>
+        </p:style>
+        <p:txBody>
+          <a:bodyPr rtlCol="0" anchor="ctr"/>
+          <a:lstStyle/>
+          <a:p>
+            <a:pPr algn="ctr"/>
+            <a:r>
+              <a:rPr lang="en-US" sz="1050" dirty="0">
+                <a:solidFill>
+                  <a:srgbClr val="7030A0"/>
+                </a:solidFill>
+              </a:rPr>
+              <a:t>Tag</a:t>
+            </a:r>
+            <a:endParaRPr lang="en-SG" sz="1050" dirty="0">
+              <a:solidFill>
+                <a:srgbClr val="7030A0"/>
+              </a:solidFill>
+            </a:endParaRPr>
+          </a:p>
+        </p:txBody>
+      </p:sp>
+      <p:cxnSp>
+        <p:nvCxnSpPr>
+          <p:cNvPr id="126" name="Elbow Connector 78">
+            <a:extLst>
+              <a:ext uri="{FF2B5EF4-FFF2-40B4-BE49-F238E27FC236}">
+                <a16:creationId xmlns:a16="http://schemas.microsoft.com/office/drawing/2014/main" id="{DDD9896B-4326-49BC-B364-B52A8ECDE5EE}"/>
+              </a:ext>
+            </a:extLst>
+          </p:cNvPr>
+          <p:cNvCxnSpPr>
+            <a:cxnSpLocks/>
+            <a:stCxn id="96" idx="3"/>
+            <a:endCxn id="125" idx="1"/>
+          </p:cNvCxnSpPr>
+          <p:nvPr/>
+        </p:nvCxnSpPr>
+        <p:spPr>
+          <a:xfrm flipV="1">
+            <a:off x="7041729" y="2228794"/>
+            <a:ext cx="454323" cy="445606"/>
+          </a:xfrm>
+          <a:prstGeom prst="bentConnector3">
+            <a:avLst>
+              <a:gd name="adj1" fmla="val 30712"/>
+            </a:avLst>
+          </a:prstGeom>
+          <a:ln w="19050">
+            <a:solidFill>
+              <a:srgbClr val="7030A0"/>
+            </a:solidFill>
+            <a:headEnd type="none" w="med" len="med"/>
+            <a:tailEnd type="arrow" w="med" len="med"/>
+          </a:ln>
+          <a:effectLst/>
+        </p:spPr>
+        <p:style>
+          <a:lnRef idx="1">
+            <a:schemeClr val="accent2"/>
+          </a:lnRef>
+          <a:fillRef idx="2">
+            <a:schemeClr val="accent2"/>
+          </a:fillRef>
+          <a:effectRef idx="1">
+            <a:schemeClr val="accent2"/>
+          </a:effectRef>
+          <a:fontRef idx="minor">
+            <a:schemeClr val="dk1"/>
+          </a:fontRef>
+        </p:style>
+      </p:cxnSp>
+      <p:sp>
+        <p:nvSpPr>
+          <p:cNvPr id="127" name="TextBox 126">
+            <a:extLst>
+              <a:ext uri="{FF2B5EF4-FFF2-40B4-BE49-F238E27FC236}">
+                <a16:creationId xmlns:a16="http://schemas.microsoft.com/office/drawing/2014/main" id="{9EFE1885-15E0-401E-AFEB-90B7D6754404}"/>
+              </a:ext>
+            </a:extLst>
+          </p:cNvPr>
+          <p:cNvSpPr txBox="1"/>
+          <p:nvPr/>
+        </p:nvSpPr>
+        <p:spPr>
+          <a:xfrm>
+            <a:off x="7249898" y="2112796"/>
+            <a:ext cx="189257" cy="178683"/>
+          </a:xfrm>
+          <a:prstGeom prst="rect">
+            <a:avLst/>
+          </a:prstGeom>
+          <a:noFill/>
+        </p:spPr>
+        <p:txBody>
+          <a:bodyPr wrap="square" lIns="0" tIns="0" rIns="0" bIns="0" rtlCol="0">
+            <a:noAutofit/>
+          </a:bodyPr>
+          <a:lstStyle/>
+          <a:p>
+            <a:pPr algn="ctr"/>
+            <a:r>
+              <a:rPr lang="en-US" sz="1100" dirty="0">
+                <a:solidFill>
+                  <a:srgbClr val="7030A0"/>
+                </a:solidFill>
+              </a:rPr>
+              <a:t>*</a:t>
+            </a:r>
+            <a:endParaRPr lang="en-SG" sz="1100" dirty="0">
+              <a:solidFill>
+                <a:srgbClr val="7030A0"/>
+              </a:solidFill>
+            </a:endParaRPr>
+          </a:p>
+        </p:txBody>
+      </p:sp>
+      <p:sp>
+        <p:nvSpPr>
+          <p:cNvPr id="128" name="Rectangle 8">
+            <a:extLst>
+              <a:ext uri="{FF2B5EF4-FFF2-40B4-BE49-F238E27FC236}">
+                <a16:creationId xmlns:a16="http://schemas.microsoft.com/office/drawing/2014/main" id="{2274165A-E9F6-4778-B01E-89489514B249}"/>
+              </a:ext>
+            </a:extLst>
+          </p:cNvPr>
+          <p:cNvSpPr/>
+          <p:nvPr/>
+        </p:nvSpPr>
+        <p:spPr>
+          <a:xfrm>
+            <a:off x="2705289" y="1650552"/>
+            <a:ext cx="1060683" cy="364396"/>
+          </a:xfrm>
+          <a:prstGeom prst="rect">
+            <a:avLst/>
+          </a:prstGeom>
+          <a:ln w="19050">
+            <a:solidFill>
+              <a:srgbClr val="7030A0"/>
+            </a:solidFill>
+          </a:ln>
+          <a:effectLst/>
+        </p:spPr>
+        <p:style>
+          <a:lnRef idx="1">
+            <a:schemeClr val="accent4"/>
+          </a:lnRef>
+          <a:fillRef idx="2">
+            <a:schemeClr val="accent4"/>
+          </a:fillRef>
+          <a:effectRef idx="1">
+            <a:schemeClr val="accent4"/>
+          </a:effectRef>
+          <a:fontRef idx="minor">
+            <a:schemeClr val="dk1"/>
+          </a:fontRef>
+        </p:style>
+        <p:txBody>
+          <a:bodyPr rtlCol="0" anchor="ctr"/>
+          <a:lstStyle/>
+          <a:p>
+            <a:pPr algn="ctr"/>
+            <a:r>
+              <a:rPr lang="en-US" sz="1050" dirty="0" err="1">
+                <a:solidFill>
+                  <a:srgbClr val="7030A0"/>
+                </a:solidFill>
+              </a:rPr>
+              <a:t>EntryBook</a:t>
+            </a:r>
+            <a:endParaRPr lang="en-SG" sz="1050" dirty="0">
+              <a:solidFill>
+                <a:srgbClr val="7030A0"/>
+              </a:solidFill>
+            </a:endParaRPr>
+          </a:p>
+        </p:txBody>
+      </p:sp>
+      <p:cxnSp>
+        <p:nvCxnSpPr>
+          <p:cNvPr id="129" name="Straight Arrow Connector 128">
+            <a:extLst>
+              <a:ext uri="{FF2B5EF4-FFF2-40B4-BE49-F238E27FC236}">
+                <a16:creationId xmlns:a16="http://schemas.microsoft.com/office/drawing/2014/main" id="{77A02914-7292-4588-B271-C8FEC1C88C5D}"/>
+              </a:ext>
+            </a:extLst>
+          </p:cNvPr>
+          <p:cNvCxnSpPr>
+            <a:stCxn id="91" idx="1"/>
+            <a:endCxn id="90" idx="1"/>
+          </p:cNvCxnSpPr>
+          <p:nvPr/>
+        </p:nvCxnSpPr>
+        <p:spPr>
+          <a:xfrm>
+            <a:off x="3860080" y="2659424"/>
+            <a:ext cx="367678" cy="12320"/>
+          </a:xfrm>
+          <a:prstGeom prst="straightConnector1">
+            <a:avLst/>
+          </a:prstGeom>
+          <a:ln w="19050">
+            <a:solidFill>
+              <a:srgbClr val="7030A0"/>
+            </a:solidFill>
+            <a:headEnd type="none" w="med" len="med"/>
+            <a:tailEnd type="arrow" w="med" len="med"/>
+          </a:ln>
+          <a:effectLst/>
+        </p:spPr>
+        <p:style>
+          <a:lnRef idx="1">
+            <a:schemeClr val="accent2"/>
+          </a:lnRef>
+          <a:fillRef idx="2">
+            <a:schemeClr val="accent2"/>
+          </a:fillRef>
+          <a:effectRef idx="1">
+            <a:schemeClr val="accent2"/>
+          </a:effectRef>
+          <a:fontRef idx="minor">
+            <a:schemeClr val="dk1"/>
+          </a:fontRef>
+        </p:style>
+      </p:cxnSp>
+      <p:sp>
+        <p:nvSpPr>
+          <p:cNvPr id="130" name="Isosceles Triangle 102">
+            <a:extLst>
+              <a:ext uri="{FF2B5EF4-FFF2-40B4-BE49-F238E27FC236}">
+                <a16:creationId xmlns:a16="http://schemas.microsoft.com/office/drawing/2014/main" id="{6425B6CF-9EFA-474E-9F0F-71F6C478D49F}"/>
+              </a:ext>
+            </a:extLst>
+          </p:cNvPr>
+          <p:cNvSpPr/>
+          <p:nvPr/>
+        </p:nvSpPr>
+        <p:spPr>
+          <a:xfrm rot="16200000">
+            <a:off x="2204181" y="1721360"/>
+            <a:ext cx="271014" cy="187417"/>
+          </a:xfrm>
+          <a:prstGeom prst="triangle">
+            <a:avLst>
+              <a:gd name="adj" fmla="val 44517"/>
+            </a:avLst>
+          </a:prstGeom>
+          <a:solidFill>
+            <a:schemeClr val="accent4">
+              <a:lumMod val="20000"/>
+              <a:lumOff val="80000"/>
+            </a:schemeClr>
+          </a:solidFill>
+          <a:ln w="19050">
+            <a:solidFill>
+              <a:srgbClr val="7030A0"/>
+            </a:solidFill>
+          </a:ln>
+          <a:effectLst/>
+        </p:spPr>
+        <p:style>
+          <a:lnRef idx="1">
+            <a:schemeClr val="accent6"/>
+          </a:lnRef>
+          <a:fillRef idx="2">
+            <a:schemeClr val="accent6"/>
+          </a:fillRef>
+          <a:effectRef idx="1">
+            <a:schemeClr val="accent6"/>
+          </a:effectRef>
+          <a:fontRef idx="minor">
+            <a:schemeClr val="dk1"/>
+          </a:fontRef>
+        </p:style>
+        <p:txBody>
+          <a:bodyPr rtlCol="0" anchor="ctr"/>
+          <a:lstStyle/>
+          <a:p>
+            <a:pPr algn="ctr"/>
+            <a:endParaRPr lang="en-SG" sz="1050"/>
+          </a:p>
+        </p:txBody>
+      </p:sp>
+      <p:cxnSp>
+        <p:nvCxnSpPr>
+          <p:cNvPr id="131" name="Elbow Connector 63">
+            <a:extLst>
+              <a:ext uri="{FF2B5EF4-FFF2-40B4-BE49-F238E27FC236}">
+                <a16:creationId xmlns:a16="http://schemas.microsoft.com/office/drawing/2014/main" id="{44A010FB-3E48-48E2-B9B6-859A694B57F1}"/>
+              </a:ext>
+            </a:extLst>
+          </p:cNvPr>
+          <p:cNvCxnSpPr>
+            <a:stCxn id="130" idx="3"/>
+            <a:endCxn id="128" idx="1"/>
+          </p:cNvCxnSpPr>
+          <p:nvPr/>
+        </p:nvCxnSpPr>
+        <p:spPr>
+          <a:xfrm>
+            <a:off x="2433397" y="1829929"/>
+            <a:ext cx="271892" cy="2821"/>
+          </a:xfrm>
+          <a:prstGeom prst="bentConnector3">
+            <a:avLst>
+              <a:gd name="adj1" fmla="val 50000"/>
+            </a:avLst>
+          </a:prstGeom>
+          <a:ln w="19050">
+            <a:solidFill>
+              <a:srgbClr val="7030A0"/>
+            </a:solidFill>
+            <a:prstDash val="sysDot"/>
+            <a:headEnd type="none" w="med" len="med"/>
+            <a:tailEnd type="none" w="med" len="med"/>
+          </a:ln>
+          <a:effectLst/>
+        </p:spPr>
+        <p:style>
+          <a:lnRef idx="1">
+            <a:schemeClr val="accent2"/>
+          </a:lnRef>
+          <a:fillRef idx="2">
+            <a:schemeClr val="accent2"/>
+          </a:fillRef>
+          <a:effectRef idx="1">
+            <a:schemeClr val="accent2"/>
+          </a:effectRef>
+          <a:fontRef idx="minor">
+            <a:schemeClr val="dk1"/>
+          </a:fontRef>
+        </p:style>
+      </p:cxnSp>
+      <p:sp>
+        <p:nvSpPr>
+          <p:cNvPr id="191" name="Rectangle 8">
+            <a:extLst>
+              <a:ext uri="{FF2B5EF4-FFF2-40B4-BE49-F238E27FC236}">
+                <a16:creationId xmlns:a16="http://schemas.microsoft.com/office/drawing/2014/main" id="{1DB9051F-0AD9-42F4-A4FD-1A153A435570}"/>
+              </a:ext>
+            </a:extLst>
+          </p:cNvPr>
+          <p:cNvSpPr/>
+          <p:nvPr/>
+        </p:nvSpPr>
+        <p:spPr>
+          <a:xfrm>
+            <a:off x="3962887" y="2976354"/>
+            <a:ext cx="1093635" cy="346760"/>
+          </a:xfrm>
+          <a:prstGeom prst="rect">
+            <a:avLst/>
+          </a:prstGeom>
+          <a:solidFill>
+            <a:srgbClr val="7030A0"/>
+          </a:solidFill>
+          <a:ln w="19050">
+            <a:solidFill>
+              <a:srgbClr val="7030A0"/>
+            </a:solidFill>
+          </a:ln>
+          <a:effectLst/>
+        </p:spPr>
+        <p:style>
+          <a:lnRef idx="1">
+            <a:schemeClr val="accent2"/>
+          </a:lnRef>
+          <a:fillRef idx="2">
+            <a:schemeClr val="accent2"/>
+          </a:fillRef>
+          <a:effectRef idx="1">
+            <a:schemeClr val="accent2"/>
+          </a:effectRef>
+          <a:fontRef idx="minor">
+            <a:schemeClr val="dk1"/>
+          </a:fontRef>
+        </p:style>
+        <p:txBody>
+          <a:bodyPr rtlCol="0" anchor="ctr"/>
+          <a:lstStyle/>
+          <a:p>
+            <a:pPr algn="ctr"/>
+            <a:r>
+              <a:rPr lang="en-US" sz="1050" dirty="0" err="1">
+                <a:solidFill>
+                  <a:schemeClr val="bg1"/>
+                </a:solidFill>
+              </a:rPr>
+              <a:t>UserParticulars</a:t>
+            </a:r>
+            <a:endParaRPr lang="en-SG" sz="1050" dirty="0">
+              <a:solidFill>
+                <a:schemeClr val="bg1"/>
+              </a:solidFill>
+            </a:endParaRPr>
+          </a:p>
+        </p:txBody>
+      </p:sp>
+      <p:sp>
+        <p:nvSpPr>
+          <p:cNvPr id="193" name="Flowchart: Decision 96">
+            <a:extLst>
+              <a:ext uri="{FF2B5EF4-FFF2-40B4-BE49-F238E27FC236}">
+                <a16:creationId xmlns:a16="http://schemas.microsoft.com/office/drawing/2014/main" id="{38FFF020-43E0-4A83-BAE4-2661162D1667}"/>
+              </a:ext>
+            </a:extLst>
+          </p:cNvPr>
+          <p:cNvSpPr/>
+          <p:nvPr/>
+        </p:nvSpPr>
+        <p:spPr>
+          <a:xfrm>
+            <a:off x="3536795" y="3064600"/>
+            <a:ext cx="236048" cy="173380"/>
+          </a:xfrm>
+          <a:prstGeom prst="flowChartDecision">
+            <a:avLst/>
+          </a:prstGeom>
+          <a:solidFill>
+            <a:srgbClr val="7030A0"/>
+          </a:solidFill>
+          <a:ln w="19050">
+            <a:solidFill>
+              <a:srgbClr val="7030A0"/>
+            </a:solidFill>
+          </a:ln>
+          <a:effectLst/>
+        </p:spPr>
+        <p:style>
+          <a:lnRef idx="1">
+            <a:schemeClr val="accent6"/>
+          </a:lnRef>
+          <a:fillRef idx="2">
+            <a:schemeClr val="accent6"/>
+          </a:fillRef>
+          <a:effectRef idx="1">
+            <a:schemeClr val="accent6"/>
+          </a:effectRef>
+          <a:fontRef idx="minor">
+            <a:schemeClr val="dk1"/>
+          </a:fontRef>
+        </p:style>
+        <p:txBody>
+          <a:bodyPr rtlCol="0" anchor="ctr"/>
+          <a:lstStyle/>
+          <a:p>
+            <a:pPr algn="ctr"/>
+            <a:endParaRPr lang="en-US" sz="1050"/>
+          </a:p>
+        </p:txBody>
+      </p:sp>
+      <p:cxnSp>
+        <p:nvCxnSpPr>
+          <p:cNvPr id="194" name="Straight Arrow Connector 193">
+            <a:extLst>
+              <a:ext uri="{FF2B5EF4-FFF2-40B4-BE49-F238E27FC236}">
+                <a16:creationId xmlns:a16="http://schemas.microsoft.com/office/drawing/2014/main" id="{165DD083-D842-4185-A3E6-C80B81230D6B}"/>
+              </a:ext>
+            </a:extLst>
+          </p:cNvPr>
+          <p:cNvCxnSpPr>
+            <a:cxnSpLocks/>
+            <a:stCxn id="193" idx="1"/>
+            <a:endCxn id="191" idx="1"/>
+          </p:cNvCxnSpPr>
+          <p:nvPr/>
+        </p:nvCxnSpPr>
+        <p:spPr>
+          <a:xfrm flipV="1">
+            <a:off x="3536795" y="3149734"/>
+            <a:ext cx="426092" cy="1556"/>
+          </a:xfrm>
+          <a:prstGeom prst="straightConnector1">
+            <a:avLst/>
+          </a:prstGeom>
+          <a:ln w="19050">
+            <a:solidFill>
+              <a:srgbClr val="7030A0"/>
+            </a:solidFill>
+            <a:headEnd type="none" w="med" len="med"/>
+            <a:tailEnd type="arrow" w="med" len="med"/>
+          </a:ln>
+          <a:effectLst/>
+        </p:spPr>
+        <p:style>
+          <a:lnRef idx="1">
+            <a:schemeClr val="accent2"/>
+          </a:lnRef>
+          <a:fillRef idx="2">
+            <a:schemeClr val="accent2"/>
+          </a:fillRef>
+          <a:effectRef idx="1">
+            <a:schemeClr val="accent2"/>
+          </a:effectRef>
+          <a:fontRef idx="minor">
+            <a:schemeClr val="dk1"/>
+          </a:fontRef>
+        </p:style>
+      </p:cxnSp>
+      <p:sp>
+        <p:nvSpPr>
+          <p:cNvPr id="196" name="TextBox 195">
+            <a:extLst>
+              <a:ext uri="{FF2B5EF4-FFF2-40B4-BE49-F238E27FC236}">
+                <a16:creationId xmlns:a16="http://schemas.microsoft.com/office/drawing/2014/main" id="{24B55AE4-D375-422D-983B-DD56F313BD86}"/>
+              </a:ext>
+            </a:extLst>
+          </p:cNvPr>
+          <p:cNvSpPr txBox="1"/>
+          <p:nvPr/>
+        </p:nvSpPr>
+        <p:spPr>
+          <a:xfrm>
+            <a:off x="3728453" y="3201847"/>
+            <a:ext cx="189257" cy="178683"/>
+          </a:xfrm>
+          <a:prstGeom prst="rect">
+            <a:avLst/>
+          </a:prstGeom>
+          <a:noFill/>
+        </p:spPr>
+        <p:txBody>
+          <a:bodyPr wrap="square" lIns="0" tIns="0" rIns="0" bIns="0" rtlCol="0">
+            <a:noAutofit/>
+          </a:bodyPr>
+          <a:lstStyle/>
+          <a:p>
+            <a:pPr algn="ctr"/>
+            <a:r>
+              <a:rPr lang="en-US" sz="1100" dirty="0">
+                <a:solidFill>
+                  <a:srgbClr val="7030A0"/>
+                </a:solidFill>
+              </a:rPr>
+              <a:t>1</a:t>
+            </a:r>
+            <a:endParaRPr lang="en-SG" sz="1100" dirty="0">
+              <a:solidFill>
+                <a:srgbClr val="7030A0"/>
+              </a:solidFill>
+            </a:endParaRPr>
+          </a:p>
+        </p:txBody>
+      </p:sp>
+      <p:sp>
+        <p:nvSpPr>
+          <p:cNvPr id="204" name="TextBox 203">
+            <a:extLst>
+              <a:ext uri="{FF2B5EF4-FFF2-40B4-BE49-F238E27FC236}">
+                <a16:creationId xmlns:a16="http://schemas.microsoft.com/office/drawing/2014/main" id="{0F6510D4-8FF9-4A61-888A-55D8646FE56D}"/>
+              </a:ext>
+            </a:extLst>
+          </p:cNvPr>
+          <p:cNvSpPr txBox="1"/>
+          <p:nvPr/>
+        </p:nvSpPr>
+        <p:spPr>
+          <a:xfrm>
+            <a:off x="7253686" y="2392231"/>
+            <a:ext cx="189257" cy="178683"/>
+          </a:xfrm>
+          <a:prstGeom prst="rect">
+            <a:avLst/>
+          </a:prstGeom>
+          <a:noFill/>
+        </p:spPr>
+        <p:txBody>
+          <a:bodyPr wrap="square" lIns="0" tIns="0" rIns="0" bIns="0" rtlCol="0">
+            <a:noAutofit/>
+          </a:bodyPr>
+          <a:lstStyle/>
+          <a:p>
+            <a:pPr algn="ctr"/>
+            <a:r>
+              <a:rPr lang="en-US" sz="1100" dirty="0">
+                <a:solidFill>
+                  <a:srgbClr val="7030A0"/>
+                </a:solidFill>
+              </a:rPr>
+              <a:t>1</a:t>
+            </a:r>
+            <a:endParaRPr lang="en-SG" sz="1100" dirty="0">
+              <a:solidFill>
+                <a:srgbClr val="7030A0"/>
+              </a:solidFill>
+            </a:endParaRPr>
+          </a:p>
+        </p:txBody>
+      </p:sp>
+      <p:sp>
+        <p:nvSpPr>
+          <p:cNvPr id="205" name="TextBox 204">
+            <a:extLst>
+              <a:ext uri="{FF2B5EF4-FFF2-40B4-BE49-F238E27FC236}">
+                <a16:creationId xmlns:a16="http://schemas.microsoft.com/office/drawing/2014/main" id="{2359D163-C49E-4DD3-88DC-B1887585D043}"/>
+              </a:ext>
+            </a:extLst>
+          </p:cNvPr>
+          <p:cNvSpPr txBox="1"/>
+          <p:nvPr/>
+        </p:nvSpPr>
+        <p:spPr>
+          <a:xfrm>
+            <a:off x="7264493" y="2697944"/>
+            <a:ext cx="189257" cy="178683"/>
+          </a:xfrm>
+          <a:prstGeom prst="rect">
+            <a:avLst/>
+          </a:prstGeom>
+          <a:noFill/>
+        </p:spPr>
+        <p:txBody>
+          <a:bodyPr wrap="square" lIns="0" tIns="0" rIns="0" bIns="0" rtlCol="0">
+            <a:noAutofit/>
+          </a:bodyPr>
+          <a:lstStyle/>
+          <a:p>
+            <a:pPr algn="ctr"/>
+            <a:r>
+              <a:rPr lang="en-US" sz="1100" dirty="0">
+                <a:solidFill>
+                  <a:srgbClr val="7030A0"/>
+                </a:solidFill>
+              </a:rPr>
+              <a:t>1</a:t>
+            </a:r>
+            <a:endParaRPr lang="en-SG" sz="1100" dirty="0">
+              <a:solidFill>
+                <a:srgbClr val="7030A0"/>
+              </a:solidFill>
+            </a:endParaRPr>
+          </a:p>
+        </p:txBody>
+      </p:sp>
+      <p:sp>
+        <p:nvSpPr>
+          <p:cNvPr id="206" name="TextBox 205">
+            <a:extLst>
+              <a:ext uri="{FF2B5EF4-FFF2-40B4-BE49-F238E27FC236}">
+                <a16:creationId xmlns:a16="http://schemas.microsoft.com/office/drawing/2014/main" id="{F857708E-1390-43E2-9B11-E2E78E0AE82B}"/>
+              </a:ext>
+            </a:extLst>
+          </p:cNvPr>
+          <p:cNvSpPr txBox="1"/>
+          <p:nvPr/>
+        </p:nvSpPr>
+        <p:spPr>
+          <a:xfrm>
+            <a:off x="7264493" y="3038487"/>
+            <a:ext cx="189257" cy="178683"/>
+          </a:xfrm>
+          <a:prstGeom prst="rect">
+            <a:avLst/>
+          </a:prstGeom>
+          <a:noFill/>
+        </p:spPr>
+        <p:txBody>
+          <a:bodyPr wrap="square" lIns="0" tIns="0" rIns="0" bIns="0" rtlCol="0">
+            <a:noAutofit/>
+          </a:bodyPr>
+          <a:lstStyle/>
+          <a:p>
+            <a:pPr algn="ctr"/>
+            <a:r>
+              <a:rPr lang="en-US" sz="1100" dirty="0">
+                <a:solidFill>
+                  <a:srgbClr val="7030A0"/>
+                </a:solidFill>
+              </a:rPr>
+              <a:t>1</a:t>
+            </a:r>
+            <a:endParaRPr lang="en-SG" sz="1100" dirty="0">
+              <a:solidFill>
+                <a:srgbClr val="7030A0"/>
+              </a:solidFill>
+            </a:endParaRPr>
+          </a:p>
+        </p:txBody>
+      </p:sp>
+      <p:cxnSp>
+        <p:nvCxnSpPr>
+          <p:cNvPr id="220" name="Elbow Connector 83">
+            <a:extLst>
+              <a:ext uri="{FF2B5EF4-FFF2-40B4-BE49-F238E27FC236}">
+                <a16:creationId xmlns:a16="http://schemas.microsoft.com/office/drawing/2014/main" id="{6B403D87-B4DF-4008-A4EA-03CDF1CD16E5}"/>
+              </a:ext>
+            </a:extLst>
+          </p:cNvPr>
+          <p:cNvCxnSpPr>
+            <a:cxnSpLocks/>
+            <a:stCxn id="96" idx="3"/>
+            <a:endCxn id="101" idx="1"/>
+          </p:cNvCxnSpPr>
+          <p:nvPr/>
+        </p:nvCxnSpPr>
+        <p:spPr>
+          <a:xfrm>
+            <a:off x="7041729" y="2674400"/>
+            <a:ext cx="454322" cy="212793"/>
+          </a:xfrm>
+          <a:prstGeom prst="bentConnector3">
+            <a:avLst>
+              <a:gd name="adj1" fmla="val 31551"/>
+            </a:avLst>
+          </a:prstGeom>
+          <a:ln w="19050">
+            <a:solidFill>
+              <a:srgbClr val="7030A0"/>
+            </a:solidFill>
+            <a:headEnd type="none" w="med" len="med"/>
+            <a:tailEnd type="arrow" w="med" len="med"/>
+          </a:ln>
+          <a:effectLst/>
+        </p:spPr>
+        <p:style>
+          <a:lnRef idx="1">
+            <a:schemeClr val="accent2"/>
+          </a:lnRef>
+          <a:fillRef idx="2">
+            <a:schemeClr val="accent2"/>
+          </a:fillRef>
+          <a:effectRef idx="1">
+            <a:schemeClr val="accent2"/>
+          </a:effectRef>
+          <a:fontRef idx="minor">
+            <a:schemeClr val="dk1"/>
+          </a:fontRef>
+        </p:style>
+      </p:cxnSp>
+      <p:sp>
+        <p:nvSpPr>
+          <p:cNvPr id="259" name="Rectangle 8">
+            <a:extLst>
+              <a:ext uri="{FF2B5EF4-FFF2-40B4-BE49-F238E27FC236}">
+                <a16:creationId xmlns:a16="http://schemas.microsoft.com/office/drawing/2014/main" id="{14D5304F-1220-4671-B7BF-D74476EE73F5}"/>
+              </a:ext>
+            </a:extLst>
+          </p:cNvPr>
+          <p:cNvSpPr/>
+          <p:nvPr/>
+        </p:nvSpPr>
+        <p:spPr>
+          <a:xfrm>
+            <a:off x="2425914" y="3461939"/>
+            <a:ext cx="1093635" cy="346760"/>
+          </a:xfrm>
+          <a:prstGeom prst="rect">
+            <a:avLst/>
+          </a:prstGeom>
+          <a:solidFill>
+            <a:srgbClr val="7030A0"/>
+          </a:solidFill>
+          <a:ln w="19050">
+            <a:solidFill>
+              <a:srgbClr val="7030A0"/>
+            </a:solidFill>
+          </a:ln>
+          <a:effectLst/>
+        </p:spPr>
+        <p:style>
+          <a:lnRef idx="1">
+            <a:schemeClr val="accent2"/>
+          </a:lnRef>
+          <a:fillRef idx="2">
+            <a:schemeClr val="accent2"/>
+          </a:fillRef>
+          <a:effectRef idx="1">
+            <a:schemeClr val="accent2"/>
+          </a:effectRef>
+          <a:fontRef idx="minor">
+            <a:schemeClr val="dk1"/>
+          </a:fontRef>
+        </p:style>
+        <p:txBody>
+          <a:bodyPr rtlCol="0" anchor="ctr"/>
+          <a:lstStyle/>
+          <a:p>
+            <a:pPr algn="ctr"/>
+            <a:r>
+              <a:rPr lang="en-US" sz="1050" dirty="0">
+                <a:solidFill>
+                  <a:schemeClr val="bg1"/>
+                </a:solidFill>
+              </a:rPr>
+              <a:t>Template</a:t>
+            </a:r>
+            <a:endParaRPr lang="en-SG" sz="1050" dirty="0">
+              <a:solidFill>
+                <a:schemeClr val="bg1"/>
+              </a:solidFill>
+            </a:endParaRPr>
+          </a:p>
+        </p:txBody>
+      </p:sp>
+      <p:cxnSp>
+        <p:nvCxnSpPr>
+          <p:cNvPr id="260" name="Straight Arrow Connector 259">
+            <a:extLst>
+              <a:ext uri="{FF2B5EF4-FFF2-40B4-BE49-F238E27FC236}">
+                <a16:creationId xmlns:a16="http://schemas.microsoft.com/office/drawing/2014/main" id="{ED60D1F5-E52A-4421-8DDA-845A1418C642}"/>
+              </a:ext>
+            </a:extLst>
+          </p:cNvPr>
+          <p:cNvCxnSpPr>
+            <a:cxnSpLocks/>
+            <a:stCxn id="261" idx="3"/>
+            <a:endCxn id="259" idx="1"/>
+          </p:cNvCxnSpPr>
+          <p:nvPr/>
+        </p:nvCxnSpPr>
+        <p:spPr>
+          <a:xfrm>
+            <a:off x="2158562" y="3635319"/>
+            <a:ext cx="267352" cy="0"/>
+          </a:xfrm>
+          <a:prstGeom prst="straightConnector1">
+            <a:avLst/>
+          </a:prstGeom>
+          <a:ln w="19050">
+            <a:solidFill>
+              <a:srgbClr val="7030A0"/>
+            </a:solidFill>
+            <a:headEnd type="none" w="med" len="med"/>
+            <a:tailEnd type="arrow" w="med" len="med"/>
+          </a:ln>
+          <a:effectLst/>
+        </p:spPr>
+        <p:style>
+          <a:lnRef idx="1">
+            <a:schemeClr val="accent2"/>
+          </a:lnRef>
+          <a:fillRef idx="2">
+            <a:schemeClr val="accent2"/>
+          </a:fillRef>
+          <a:effectRef idx="1">
+            <a:schemeClr val="accent2"/>
+          </a:effectRef>
+          <a:fontRef idx="minor">
+            <a:schemeClr val="dk1"/>
+          </a:fontRef>
+        </p:style>
+      </p:cxnSp>
+      <p:sp>
+        <p:nvSpPr>
+          <p:cNvPr id="261" name="Flowchart: Decision 96">
+            <a:extLst>
+              <a:ext uri="{FF2B5EF4-FFF2-40B4-BE49-F238E27FC236}">
+                <a16:creationId xmlns:a16="http://schemas.microsoft.com/office/drawing/2014/main" id="{BFDF34AB-092B-497F-84C3-3A3B92244DA4}"/>
+              </a:ext>
+            </a:extLst>
+          </p:cNvPr>
+          <p:cNvSpPr/>
+          <p:nvPr/>
+        </p:nvSpPr>
+        <p:spPr>
+          <a:xfrm>
+            <a:off x="1922514" y="3548629"/>
+            <a:ext cx="236048" cy="173380"/>
+          </a:xfrm>
+          <a:prstGeom prst="flowChartDecision">
+            <a:avLst/>
+          </a:prstGeom>
+          <a:noFill/>
+          <a:ln w="19050">
+            <a:solidFill>
+              <a:srgbClr val="7030A0"/>
+            </a:solidFill>
+          </a:ln>
+          <a:effectLst/>
+        </p:spPr>
+        <p:style>
+          <a:lnRef idx="1">
+            <a:schemeClr val="accent6"/>
+          </a:lnRef>
+          <a:fillRef idx="2">
+            <a:schemeClr val="accent6"/>
+          </a:fillRef>
+          <a:effectRef idx="1">
+            <a:schemeClr val="accent6"/>
+          </a:effectRef>
+          <a:fontRef idx="minor">
+            <a:schemeClr val="dk1"/>
+          </a:fontRef>
+        </p:style>
+        <p:txBody>
+          <a:bodyPr rtlCol="0" anchor="ctr"/>
+          <a:lstStyle/>
+          <a:p>
+            <a:pPr algn="ctr"/>
+            <a:endParaRPr lang="en-US" sz="1050"/>
+          </a:p>
+        </p:txBody>
+      </p:sp>
+      <p:sp>
+        <p:nvSpPr>
+          <p:cNvPr id="267" name="TextBox 266">
+            <a:extLst>
+              <a:ext uri="{FF2B5EF4-FFF2-40B4-BE49-F238E27FC236}">
+                <a16:creationId xmlns:a16="http://schemas.microsoft.com/office/drawing/2014/main" id="{077740FF-5751-4BEA-9097-2018FC22496A}"/>
+              </a:ext>
+            </a:extLst>
+          </p:cNvPr>
+          <p:cNvSpPr txBox="1"/>
+          <p:nvPr/>
+        </p:nvSpPr>
+        <p:spPr>
+          <a:xfrm>
+            <a:off x="2184205" y="3661130"/>
+            <a:ext cx="213151" cy="178683"/>
+          </a:xfrm>
+          <a:prstGeom prst="rect">
+            <a:avLst/>
+          </a:prstGeom>
+          <a:noFill/>
+        </p:spPr>
+        <p:txBody>
+          <a:bodyPr wrap="square" lIns="0" tIns="0" rIns="0" bIns="0" rtlCol="0">
+            <a:noAutofit/>
+          </a:bodyPr>
+          <a:lstStyle/>
+          <a:p>
+            <a:pPr algn="ctr"/>
+            <a:r>
+              <a:rPr lang="en-US" sz="1100" dirty="0">
+                <a:solidFill>
+                  <a:srgbClr val="7030A0"/>
+                </a:solidFill>
+              </a:rPr>
+              <a:t>0..1</a:t>
+            </a:r>
+            <a:endParaRPr lang="en-SG" sz="1100" dirty="0">
+              <a:solidFill>
+                <a:srgbClr val="7030A0"/>
+              </a:solidFill>
+            </a:endParaRPr>
+          </a:p>
+        </p:txBody>
+      </p:sp>
+      <p:sp>
+        <p:nvSpPr>
+          <p:cNvPr id="292" name="Rectangle 8">
+            <a:extLst>
+              <a:ext uri="{FF2B5EF4-FFF2-40B4-BE49-F238E27FC236}">
+                <a16:creationId xmlns:a16="http://schemas.microsoft.com/office/drawing/2014/main" id="{5C84A24C-7865-4771-A579-9AA5873AAE6E}"/>
+              </a:ext>
+            </a:extLst>
+          </p:cNvPr>
+          <p:cNvSpPr/>
+          <p:nvPr/>
+        </p:nvSpPr>
+        <p:spPr>
+          <a:xfrm>
+            <a:off x="2425914" y="3973335"/>
+            <a:ext cx="1093635" cy="346760"/>
+          </a:xfrm>
+          <a:prstGeom prst="rect">
+            <a:avLst/>
+          </a:prstGeom>
+          <a:solidFill>
+            <a:srgbClr val="7030A0"/>
+          </a:solidFill>
+          <a:ln w="19050">
+            <a:solidFill>
+              <a:srgbClr val="7030A0"/>
+            </a:solidFill>
+          </a:ln>
+          <a:effectLst/>
+        </p:spPr>
+        <p:style>
+          <a:lnRef idx="1">
+            <a:schemeClr val="accent2"/>
+          </a:lnRef>
+          <a:fillRef idx="2">
+            <a:schemeClr val="accent2"/>
+          </a:fillRef>
+          <a:effectRef idx="1">
+            <a:schemeClr val="accent2"/>
+          </a:effectRef>
+          <a:fontRef idx="minor">
+            <a:schemeClr val="dk1"/>
+          </a:fontRef>
+        </p:style>
+        <p:txBody>
+          <a:bodyPr rtlCol="0" anchor="ctr"/>
+          <a:lstStyle/>
+          <a:p>
+            <a:pPr algn="ctr"/>
+            <a:r>
+              <a:rPr lang="en-US" sz="1050" dirty="0">
+                <a:solidFill>
+                  <a:schemeClr val="bg1"/>
+                </a:solidFill>
+              </a:rPr>
+              <a:t>Resume</a:t>
+            </a:r>
+            <a:endParaRPr lang="en-SG" sz="1050" dirty="0">
+              <a:solidFill>
+                <a:schemeClr val="bg1"/>
+              </a:solidFill>
+            </a:endParaRPr>
+          </a:p>
+        </p:txBody>
+      </p:sp>
+      <p:cxnSp>
+        <p:nvCxnSpPr>
+          <p:cNvPr id="293" name="Straight Arrow Connector 292">
+            <a:extLst>
+              <a:ext uri="{FF2B5EF4-FFF2-40B4-BE49-F238E27FC236}">
+                <a16:creationId xmlns:a16="http://schemas.microsoft.com/office/drawing/2014/main" id="{502015D5-F409-41B7-BB8D-509B92AC6B6D}"/>
+              </a:ext>
+            </a:extLst>
+          </p:cNvPr>
+          <p:cNvCxnSpPr>
+            <a:cxnSpLocks/>
+            <a:stCxn id="294" idx="3"/>
+            <a:endCxn id="292" idx="1"/>
+          </p:cNvCxnSpPr>
+          <p:nvPr/>
+        </p:nvCxnSpPr>
+        <p:spPr>
+          <a:xfrm>
+            <a:off x="2158562" y="4146715"/>
+            <a:ext cx="267352" cy="0"/>
+          </a:xfrm>
+          <a:prstGeom prst="straightConnector1">
+            <a:avLst/>
+          </a:prstGeom>
+          <a:ln w="19050">
+            <a:solidFill>
+              <a:srgbClr val="7030A0"/>
+            </a:solidFill>
+            <a:headEnd type="none" w="med" len="med"/>
+            <a:tailEnd type="arrow" w="med" len="med"/>
+          </a:ln>
+          <a:effectLst/>
+        </p:spPr>
+        <p:style>
+          <a:lnRef idx="1">
+            <a:schemeClr val="accent2"/>
+          </a:lnRef>
+          <a:fillRef idx="2">
+            <a:schemeClr val="accent2"/>
+          </a:fillRef>
+          <a:effectRef idx="1">
+            <a:schemeClr val="accent2"/>
+          </a:effectRef>
+          <a:fontRef idx="minor">
+            <a:schemeClr val="dk1"/>
+          </a:fontRef>
+        </p:style>
+      </p:cxnSp>
+      <p:sp>
+        <p:nvSpPr>
+          <p:cNvPr id="294" name="Flowchart: Decision 96">
+            <a:extLst>
+              <a:ext uri="{FF2B5EF4-FFF2-40B4-BE49-F238E27FC236}">
+                <a16:creationId xmlns:a16="http://schemas.microsoft.com/office/drawing/2014/main" id="{0BF804CF-38D6-4812-88B1-04AE44DF1814}"/>
+              </a:ext>
+            </a:extLst>
+          </p:cNvPr>
+          <p:cNvSpPr/>
+          <p:nvPr/>
+        </p:nvSpPr>
+        <p:spPr>
+          <a:xfrm>
+            <a:off x="1922514" y="4060025"/>
+            <a:ext cx="236048" cy="173380"/>
+          </a:xfrm>
+          <a:prstGeom prst="flowChartDecision">
+            <a:avLst/>
+          </a:prstGeom>
+          <a:noFill/>
+          <a:ln w="19050">
+            <a:solidFill>
+              <a:srgbClr val="7030A0"/>
+            </a:solidFill>
+          </a:ln>
+          <a:effectLst/>
+        </p:spPr>
+        <p:style>
+          <a:lnRef idx="1">
+            <a:schemeClr val="accent6"/>
+          </a:lnRef>
+          <a:fillRef idx="2">
+            <a:schemeClr val="accent6"/>
+          </a:fillRef>
+          <a:effectRef idx="1">
+            <a:schemeClr val="accent6"/>
+          </a:effectRef>
+          <a:fontRef idx="minor">
+            <a:schemeClr val="dk1"/>
+          </a:fontRef>
+        </p:style>
+        <p:txBody>
+          <a:bodyPr rtlCol="0" anchor="ctr"/>
+          <a:lstStyle/>
+          <a:p>
+            <a:pPr algn="ctr"/>
+            <a:endParaRPr lang="en-US" sz="1050"/>
+          </a:p>
+        </p:txBody>
+      </p:sp>
+      <p:sp>
+        <p:nvSpPr>
+          <p:cNvPr id="295" name="TextBox 294">
+            <a:extLst>
+              <a:ext uri="{FF2B5EF4-FFF2-40B4-BE49-F238E27FC236}">
+                <a16:creationId xmlns:a16="http://schemas.microsoft.com/office/drawing/2014/main" id="{C3B7EC71-DF89-4372-A36A-5A527D2B1D0D}"/>
+              </a:ext>
+            </a:extLst>
+          </p:cNvPr>
+          <p:cNvSpPr txBox="1"/>
+          <p:nvPr/>
+        </p:nvSpPr>
+        <p:spPr>
+          <a:xfrm>
+            <a:off x="2184206" y="4173162"/>
+            <a:ext cx="213151" cy="178683"/>
+          </a:xfrm>
+          <a:prstGeom prst="rect">
+            <a:avLst/>
+          </a:prstGeom>
+          <a:noFill/>
+        </p:spPr>
+        <p:txBody>
+          <a:bodyPr wrap="square" lIns="0" tIns="0" rIns="0" bIns="0" rtlCol="0">
+            <a:noAutofit/>
+          </a:bodyPr>
+          <a:lstStyle/>
+          <a:p>
+            <a:pPr algn="ctr"/>
+            <a:r>
+              <a:rPr lang="en-US" sz="1100" dirty="0">
+                <a:solidFill>
+                  <a:srgbClr val="7030A0"/>
+                </a:solidFill>
+              </a:rPr>
+              <a:t>0..1</a:t>
+            </a:r>
+            <a:endParaRPr lang="en-SG" sz="1100" dirty="0">
+              <a:solidFill>
+                <a:srgbClr val="7030A0"/>
+              </a:solidFill>
+            </a:endParaRPr>
+          </a:p>
+        </p:txBody>
+      </p:sp>
+      <p:sp>
+        <p:nvSpPr>
+          <p:cNvPr id="296" name="Rectangle 8">
+            <a:extLst>
+              <a:ext uri="{FF2B5EF4-FFF2-40B4-BE49-F238E27FC236}">
+                <a16:creationId xmlns:a16="http://schemas.microsoft.com/office/drawing/2014/main" id="{9E281A8E-9431-4281-AD1E-AC49F619F6E6}"/>
+              </a:ext>
+            </a:extLst>
+          </p:cNvPr>
+          <p:cNvSpPr/>
+          <p:nvPr/>
+        </p:nvSpPr>
+        <p:spPr>
+          <a:xfrm>
+            <a:off x="2433397" y="4466586"/>
+            <a:ext cx="1093635" cy="346760"/>
+          </a:xfrm>
+          <a:prstGeom prst="rect">
+            <a:avLst/>
+          </a:prstGeom>
+          <a:solidFill>
+            <a:srgbClr val="7030A0"/>
+          </a:solidFill>
+          <a:ln w="19050">
+            <a:solidFill>
+              <a:srgbClr val="7030A0"/>
+            </a:solidFill>
+          </a:ln>
+          <a:effectLst/>
+        </p:spPr>
+        <p:style>
+          <a:lnRef idx="1">
+            <a:schemeClr val="accent2"/>
+          </a:lnRef>
+          <a:fillRef idx="2">
+            <a:schemeClr val="accent2"/>
+          </a:fillRef>
+          <a:effectRef idx="1">
+            <a:schemeClr val="accent2"/>
+          </a:effectRef>
+          <a:fontRef idx="minor">
+            <a:schemeClr val="dk1"/>
+          </a:fontRef>
+        </p:style>
+        <p:txBody>
+          <a:bodyPr rtlCol="0" anchor="ctr"/>
+          <a:lstStyle/>
+          <a:p>
+            <a:pPr algn="ctr"/>
+            <a:r>
+              <a:rPr lang="en-US" sz="1050" dirty="0">
+                <a:solidFill>
+                  <a:schemeClr val="bg1"/>
+                </a:solidFill>
+              </a:rPr>
+              <a:t>Awareness</a:t>
+            </a:r>
+            <a:endParaRPr lang="en-SG" sz="1050" dirty="0">
+              <a:solidFill>
+                <a:schemeClr val="bg1"/>
+              </a:solidFill>
+            </a:endParaRPr>
+          </a:p>
+        </p:txBody>
+      </p:sp>
+      <p:cxnSp>
+        <p:nvCxnSpPr>
+          <p:cNvPr id="297" name="Straight Arrow Connector 296">
+            <a:extLst>
+              <a:ext uri="{FF2B5EF4-FFF2-40B4-BE49-F238E27FC236}">
+                <a16:creationId xmlns:a16="http://schemas.microsoft.com/office/drawing/2014/main" id="{3DF3B490-9BEC-4312-A597-92AADA896E7F}"/>
+              </a:ext>
+            </a:extLst>
+          </p:cNvPr>
+          <p:cNvCxnSpPr>
+            <a:cxnSpLocks/>
+            <a:stCxn id="298" idx="3"/>
+            <a:endCxn id="296" idx="1"/>
+          </p:cNvCxnSpPr>
+          <p:nvPr/>
+        </p:nvCxnSpPr>
+        <p:spPr>
+          <a:xfrm>
+            <a:off x="2166045" y="4639966"/>
+            <a:ext cx="267352" cy="0"/>
+          </a:xfrm>
+          <a:prstGeom prst="straightConnector1">
+            <a:avLst/>
+          </a:prstGeom>
+          <a:ln w="19050">
+            <a:solidFill>
+              <a:srgbClr val="7030A0"/>
+            </a:solidFill>
+            <a:headEnd type="none" w="med" len="med"/>
+            <a:tailEnd type="arrow" w="med" len="med"/>
+          </a:ln>
+          <a:effectLst/>
+        </p:spPr>
+        <p:style>
+          <a:lnRef idx="1">
+            <a:schemeClr val="accent2"/>
+          </a:lnRef>
+          <a:fillRef idx="2">
+            <a:schemeClr val="accent2"/>
+          </a:fillRef>
+          <a:effectRef idx="1">
+            <a:schemeClr val="accent2"/>
+          </a:effectRef>
+          <a:fontRef idx="minor">
+            <a:schemeClr val="dk1"/>
+          </a:fontRef>
+        </p:style>
+      </p:cxnSp>
+      <p:sp>
+        <p:nvSpPr>
+          <p:cNvPr id="298" name="Flowchart: Decision 96">
+            <a:extLst>
+              <a:ext uri="{FF2B5EF4-FFF2-40B4-BE49-F238E27FC236}">
+                <a16:creationId xmlns:a16="http://schemas.microsoft.com/office/drawing/2014/main" id="{B086800E-E9BB-4247-B28B-721271676351}"/>
+              </a:ext>
+            </a:extLst>
+          </p:cNvPr>
+          <p:cNvSpPr/>
+          <p:nvPr/>
+        </p:nvSpPr>
+        <p:spPr>
+          <a:xfrm>
+            <a:off x="1929997" y="4553276"/>
+            <a:ext cx="236048" cy="173380"/>
+          </a:xfrm>
+          <a:prstGeom prst="flowChartDecision">
+            <a:avLst/>
+          </a:prstGeom>
+          <a:noFill/>
+          <a:ln w="19050">
+            <a:solidFill>
+              <a:srgbClr val="7030A0"/>
+            </a:solidFill>
+          </a:ln>
+          <a:effectLst/>
+        </p:spPr>
+        <p:style>
+          <a:lnRef idx="1">
+            <a:schemeClr val="accent6"/>
+          </a:lnRef>
+          <a:fillRef idx="2">
+            <a:schemeClr val="accent6"/>
+          </a:fillRef>
+          <a:effectRef idx="1">
+            <a:schemeClr val="accent6"/>
+          </a:effectRef>
+          <a:fontRef idx="minor">
+            <a:schemeClr val="dk1"/>
+          </a:fontRef>
+        </p:style>
+        <p:txBody>
+          <a:bodyPr rtlCol="0" anchor="ctr"/>
+          <a:lstStyle/>
+          <a:p>
+            <a:pPr algn="ctr"/>
+            <a:endParaRPr lang="en-US" sz="1050"/>
+          </a:p>
+        </p:txBody>
+      </p:sp>
+      <p:sp>
+        <p:nvSpPr>
+          <p:cNvPr id="299" name="TextBox 298">
+            <a:extLst>
+              <a:ext uri="{FF2B5EF4-FFF2-40B4-BE49-F238E27FC236}">
+                <a16:creationId xmlns:a16="http://schemas.microsoft.com/office/drawing/2014/main" id="{4DE6020F-9F23-457B-AAF1-27916CCAB1D5}"/>
+              </a:ext>
+            </a:extLst>
+          </p:cNvPr>
+          <p:cNvSpPr txBox="1"/>
+          <p:nvPr/>
+        </p:nvSpPr>
+        <p:spPr>
+          <a:xfrm>
+            <a:off x="2245890" y="4671716"/>
+            <a:ext cx="177268" cy="173380"/>
+          </a:xfrm>
+          <a:prstGeom prst="rect">
+            <a:avLst/>
+          </a:prstGeom>
+          <a:noFill/>
+        </p:spPr>
+        <p:txBody>
+          <a:bodyPr wrap="square" lIns="0" tIns="0" rIns="0" bIns="0" rtlCol="0">
+            <a:noAutofit/>
+          </a:bodyPr>
+          <a:lstStyle/>
+          <a:p>
+            <a:pPr algn="ctr"/>
+            <a:r>
+              <a:rPr lang="en-US" sz="1100" dirty="0">
+                <a:solidFill>
+                  <a:srgbClr val="7030A0"/>
+                </a:solidFill>
+              </a:rPr>
+              <a:t>1</a:t>
+            </a:r>
+            <a:endParaRPr lang="en-SG" sz="1100" dirty="0">
+              <a:solidFill>
+                <a:srgbClr val="7030A0"/>
+              </a:solidFill>
+            </a:endParaRPr>
+          </a:p>
+        </p:txBody>
+      </p:sp>
     </p:spTree>
     <p:extLst>
       <p:ext uri="{BB962C8B-B14F-4D97-AF65-F5344CB8AC3E}">
